--- a/Barbershop presentazione.pptx
+++ b/Barbershop presentazione.pptx
@@ -223,7 +223,7 @@
             <a:pPr rtl="0"/>
             <a:fld id="{227A3769-973A-471F-AE95-803ACD9DB45A}" type="datetime1">
               <a:rPr lang="it-IT" smtClean="0"/>
-              <a:t>30/10/2021</a:t>
+              <a:t>05/11/2021</a:t>
             </a:fld>
             <a:endParaRPr lang="en-US" dirty="0"/>
           </a:p>
@@ -393,7 +393,7 @@
             <a:pPr rtl="0"/>
             <a:fld id="{F8B562AB-E890-432E-8086-3C35B5B6BC74}" type="datetime1">
               <a:rPr lang="it-IT" smtClean="0"/>
-              <a:t>30/10/2021</a:t>
+              <a:t>05/11/2021</a:t>
             </a:fld>
             <a:endParaRPr lang="en-US"/>
           </a:p>
@@ -1138,7 +1138,7 @@
             <a:pPr rtl="0"/>
             <a:fld id="{46B2AB89-642D-461B-88E3-BE7E49276E6D}" type="datetime1">
               <a:rPr lang="it-IT" smtClean="0"/>
-              <a:t>30/10/2021</a:t>
+              <a:t>05/11/2021</a:t>
             </a:fld>
             <a:endParaRPr lang="en-US" dirty="0"/>
           </a:p>
@@ -1344,7 +1344,7 @@
             <a:pPr rtl="0"/>
             <a:fld id="{FB6DF1C0-0F0C-4064-ABD6-C9C1782C86AE}" type="datetime1">
               <a:rPr lang="it-IT" smtClean="0"/>
-              <a:t>30/10/2021</a:t>
+              <a:t>05/11/2021</a:t>
             </a:fld>
             <a:endParaRPr lang="en-US"/>
           </a:p>
@@ -1528,7 +1528,7 @@
             <a:pPr rtl="0"/>
             <a:fld id="{CD3A0FBA-A5A6-4E7F-AECA-E819E1A4206B}" type="datetime1">
               <a:rPr lang="it-IT" smtClean="0"/>
-              <a:t>30/10/2021</a:t>
+              <a:t>05/11/2021</a:t>
             </a:fld>
             <a:endParaRPr lang="en-US"/>
           </a:p>
@@ -1702,7 +1702,7 @@
             <a:pPr rtl="0"/>
             <a:fld id="{85E0D28E-6F2F-4715-A424-3B01AC64AD4B}" type="datetime1">
               <a:rPr lang="it-IT" smtClean="0"/>
-              <a:t>30/10/2021</a:t>
+              <a:t>05/11/2021</a:t>
             </a:fld>
             <a:endParaRPr lang="en-US"/>
           </a:p>
@@ -2305,7 +2305,7 @@
             <a:pPr rtl="0"/>
             <a:fld id="{F953424F-4FD0-4DEA-A244-2F5A83926123}" type="datetime1">
               <a:rPr lang="it-IT" smtClean="0"/>
-              <a:t>30/10/2021</a:t>
+              <a:t>05/11/2021</a:t>
             </a:fld>
             <a:endParaRPr lang="en-US" dirty="0"/>
           </a:p>
@@ -2629,7 +2629,7 @@
             <a:pPr rtl="0"/>
             <a:fld id="{ED487A35-6EB2-4106-87BE-5998F37E93E7}" type="datetime1">
               <a:rPr lang="it-IT" smtClean="0"/>
-              <a:t>30/10/2021</a:t>
+              <a:t>05/11/2021</a:t>
             </a:fld>
             <a:endParaRPr lang="en-US"/>
           </a:p>
@@ -3070,7 +3070,7 @@
             <a:pPr rtl="0"/>
             <a:fld id="{6D0A2449-0E6F-4EC8-9AF5-127FFF9E4F17}" type="datetime1">
               <a:rPr lang="it-IT" smtClean="0"/>
-              <a:t>30/10/2021</a:t>
+              <a:t>05/11/2021</a:t>
             </a:fld>
             <a:endParaRPr lang="en-US"/>
           </a:p>
@@ -3192,7 +3192,7 @@
             <a:pPr rtl="0"/>
             <a:fld id="{43ECC08F-3232-4266-A826-505EFF618F02}" type="datetime1">
               <a:rPr lang="it-IT" smtClean="0"/>
-              <a:t>30/10/2021</a:t>
+              <a:t>05/11/2021</a:t>
             </a:fld>
             <a:endParaRPr lang="en-US"/>
           </a:p>
@@ -3290,7 +3290,7 @@
             <a:pPr rtl="0"/>
             <a:fld id="{6CC19903-FCE7-40DD-9ABE-472E27EE3DF9}" type="datetime1">
               <a:rPr lang="it-IT" smtClean="0"/>
-              <a:t>30/10/2021</a:t>
+              <a:t>05/11/2021</a:t>
             </a:fld>
             <a:endParaRPr lang="en-US"/>
           </a:p>
@@ -3711,7 +3711,7 @@
             <a:pPr rtl="0"/>
             <a:fld id="{24F848B3-DD0C-4C86-9703-1DC7B521FCF8}" type="datetime1">
               <a:rPr lang="it-IT" smtClean="0"/>
-              <a:t>30/10/2021</a:t>
+              <a:t>05/11/2021</a:t>
             </a:fld>
             <a:endParaRPr lang="en-US"/>
           </a:p>
@@ -3976,7 +3976,7 @@
             <a:pPr rtl="0"/>
             <a:fld id="{711CFEF3-F103-4E31-9572-24F0BC84FDFF}" type="datetime1">
               <a:rPr lang="it-IT" smtClean="0"/>
-              <a:t>30/10/2021</a:t>
+              <a:t>05/11/2021</a:t>
             </a:fld>
             <a:endParaRPr lang="en-US" dirty="0"/>
           </a:p>
@@ -4496,7 +4496,7 @@
             <a:pPr rtl="0"/>
             <a:fld id="{8A8228F9-9C50-4094-9999-09A1682E91E0}" type="datetime1">
               <a:rPr lang="it-IT" smtClean="0"/>
-              <a:t>30/10/2021</a:t>
+              <a:t>05/11/2021</a:t>
             </a:fld>
             <a:endParaRPr lang="en-US" dirty="0"/>
           </a:p>
@@ -5852,7 +5852,7 @@
 </file>
 
 <file path=ppt/slides/slide12.xml><?xml version="1.0" encoding="utf-8"?>
-<p:sld xmlns:a="http://schemas.openxmlformats.org/drawingml/2006/main" xmlns:r="http://schemas.openxmlformats.org/officeDocument/2006/relationships" xmlns:p="http://schemas.openxmlformats.org/presentationml/2006/main">
+<p:sld xmlns:a="http://schemas.openxmlformats.org/drawingml/2006/main" xmlns:r="http://schemas.openxmlformats.org/officeDocument/2006/relationships" xmlns:p="http://schemas.openxmlformats.org/presentationml/2006/main" show="0">
   <p:cSld>
     <p:spTree>
       <p:nvGrpSpPr>
@@ -11982,15 +11982,6 @@
 </file>
 
 <file path=customXml/item1.xml><?xml version="1.0" encoding="utf-8"?>
-<?mso-contentType ?>
-<FormTemplates xmlns="http://schemas.microsoft.com/sharepoint/v3/contenttype/forms">
-  <Display>DocumentLibraryForm</Display>
-  <Edit>DocumentLibraryForm</Edit>
-  <New>DocumentLibraryForm</New>
-</FormTemplates>
-</file>
-
-<file path=customXml/item2.xml><?xml version="1.0" encoding="utf-8"?>
 <ct:contentTypeSchema xmlns:ct="http://schemas.microsoft.com/office/2006/metadata/contentType" xmlns:ma="http://schemas.microsoft.com/office/2006/metadata/properties/metaAttributes" ct:_="" ma:_="" ma:contentTypeName="Documento" ma:contentTypeID="0x010100AA47EEA81324AB4DB627200C0CB64E2F" ma:contentTypeVersion="4" ma:contentTypeDescription="Creare un nuovo documento." ma:contentTypeScope="" ma:versionID="f1658f96e2679f876d87997b25e1b460">
   <xsd:schema xmlns:xsd="http://www.w3.org/2001/XMLSchema" xmlns:xs="http://www.w3.org/2001/XMLSchema" xmlns:p="http://schemas.microsoft.com/office/2006/metadata/properties" xmlns:ns3="c3bfd755-a219-4232-b7e4-898215430e79" targetNamespace="http://schemas.microsoft.com/office/2006/metadata/properties" ma:root="true" ma:fieldsID="cf2d8889ae5c2b5cc77128eefc2ca783" ns3:_="">
     <xsd:import namespace="c3bfd755-a219-4232-b7e4-898215430e79"/>
@@ -12136,6 +12127,15 @@
 </ct:contentTypeSchema>
 </file>
 
+<file path=customXml/item2.xml><?xml version="1.0" encoding="utf-8"?>
+<?mso-contentType ?>
+<FormTemplates xmlns="http://schemas.microsoft.com/sharepoint/v3/contenttype/forms">
+  <Display>DocumentLibraryForm</Display>
+  <Edit>DocumentLibraryForm</Edit>
+  <New>DocumentLibraryForm</New>
+</FormTemplates>
+</file>
+
 <file path=customXml/item3.xml><?xml version="1.0" encoding="utf-8"?>
 <p:properties xmlns:p="http://schemas.microsoft.com/office/2006/metadata/properties" xmlns:xsi="http://www.w3.org/2001/XMLSchema-instance" xmlns:pc="http://schemas.microsoft.com/office/infopath/2007/PartnerControls">
   <documentManagement/>
@@ -12143,14 +12143,6 @@
 </file>
 
 <file path=customXml/itemProps1.xml><?xml version="1.0" encoding="utf-8"?>
-<ds:datastoreItem xmlns:ds="http://schemas.openxmlformats.org/officeDocument/2006/customXml" ds:itemID="{B90F5596-D8A4-4927-98EC-4A59D8E42C47}">
-  <ds:schemaRefs>
-    <ds:schemaRef ds:uri="http://schemas.microsoft.com/sharepoint/v3/contenttype/forms"/>
-  </ds:schemaRefs>
-</ds:datastoreItem>
-</file>
-
-<file path=customXml/itemProps2.xml><?xml version="1.0" encoding="utf-8"?>
 <ds:datastoreItem xmlns:ds="http://schemas.openxmlformats.org/officeDocument/2006/customXml" ds:itemID="{2976576A-E9F2-44BC-AD39-89042927C322}">
   <ds:schemaRefs>
     <ds:schemaRef ds:uri="http://schemas.microsoft.com/office/2006/metadata/contentType"/>
@@ -12164,6 +12156,14 @@
     <ds:schemaRef ds:uri="http://purl.org/dc/elements/1.1/"/>
     <ds:schemaRef ds:uri="http://purl.org/dc/terms/"/>
     <ds:schemaRef ds:uri="http://schemas.microsoft.com/internal/obd"/>
+  </ds:schemaRefs>
+</ds:datastoreItem>
+</file>
+
+<file path=customXml/itemProps2.xml><?xml version="1.0" encoding="utf-8"?>
+<ds:datastoreItem xmlns:ds="http://schemas.openxmlformats.org/officeDocument/2006/customXml" ds:itemID="{B90F5596-D8A4-4927-98EC-4A59D8E42C47}">
+  <ds:schemaRefs>
+    <ds:schemaRef ds:uri="http://schemas.microsoft.com/sharepoint/v3/contenttype/forms"/>
   </ds:schemaRefs>
 </ds:datastoreItem>
 </file>

--- a/Barbershop presentazione.pptx
+++ b/Barbershop presentazione.pptx
@@ -229,7 +229,7 @@
             <a:pPr rtl="0"/>
             <a:fld id="{708BF747-B6BF-4C78-A443-9FC2305069E3}" type="datetime1">
               <a:rPr lang="it-IT" smtClean="0"/>
-              <a:t>18/11/2021</a:t>
+              <a:t>19/11/2021</a:t>
             </a:fld>
             <a:endParaRPr lang="en-US" dirty="0"/>
           </a:p>
@@ -399,7 +399,7 @@
             <a:pPr rtl="0"/>
             <a:fld id="{D3C8B9C7-EA66-4454-A7A3-0FC3D0367A2C}" type="datetime1">
               <a:rPr lang="it-IT" smtClean="0"/>
-              <a:t>18/11/2021</a:t>
+              <a:t>19/11/2021</a:t>
             </a:fld>
             <a:endParaRPr lang="en-US"/>
           </a:p>
@@ -1144,7 +1144,7 @@
             <a:pPr rtl="0"/>
             <a:fld id="{605743B5-8FDA-49CD-8613-1F672EA4F26F}" type="datetime1">
               <a:rPr lang="it-IT" smtClean="0"/>
-              <a:t>18/11/2021</a:t>
+              <a:t>19/11/2021</a:t>
             </a:fld>
             <a:endParaRPr lang="en-US" dirty="0"/>
           </a:p>
@@ -1350,7 +1350,7 @@
             <a:pPr rtl="0"/>
             <a:fld id="{E3872346-0AB2-4060-9E5A-7C382D3F9463}" type="datetime1">
               <a:rPr lang="it-IT" smtClean="0"/>
-              <a:t>18/11/2021</a:t>
+              <a:t>19/11/2021</a:t>
             </a:fld>
             <a:endParaRPr lang="en-US"/>
           </a:p>
@@ -1534,7 +1534,7 @@
             <a:pPr rtl="0"/>
             <a:fld id="{D76D83AA-7E7D-45CA-AF19-047948567C53}" type="datetime1">
               <a:rPr lang="it-IT" smtClean="0"/>
-              <a:t>18/11/2021</a:t>
+              <a:t>19/11/2021</a:t>
             </a:fld>
             <a:endParaRPr lang="en-US"/>
           </a:p>
@@ -1708,7 +1708,7 @@
             <a:pPr rtl="0"/>
             <a:fld id="{2B6A76D5-7CF5-46CE-A2FD-00FC9634E791}" type="datetime1">
               <a:rPr lang="it-IT" smtClean="0"/>
-              <a:t>18/11/2021</a:t>
+              <a:t>19/11/2021</a:t>
             </a:fld>
             <a:endParaRPr lang="en-US"/>
           </a:p>
@@ -2311,7 +2311,7 @@
             <a:pPr rtl="0"/>
             <a:fld id="{BCF21E26-F44A-4E57-B587-AB70AC80B321}" type="datetime1">
               <a:rPr lang="it-IT" smtClean="0"/>
-              <a:t>18/11/2021</a:t>
+              <a:t>19/11/2021</a:t>
             </a:fld>
             <a:endParaRPr lang="en-US" dirty="0"/>
           </a:p>
@@ -2635,7 +2635,7 @@
             <a:pPr rtl="0"/>
             <a:fld id="{D55D643A-8426-4B49-998E-514AF5B15C07}" type="datetime1">
               <a:rPr lang="it-IT" smtClean="0"/>
-              <a:t>18/11/2021</a:t>
+              <a:t>19/11/2021</a:t>
             </a:fld>
             <a:endParaRPr lang="en-US"/>
           </a:p>
@@ -3076,7 +3076,7 @@
             <a:pPr rtl="0"/>
             <a:fld id="{BE5882AB-DE04-43F8-974D-2E781961780B}" type="datetime1">
               <a:rPr lang="it-IT" smtClean="0"/>
-              <a:t>18/11/2021</a:t>
+              <a:t>19/11/2021</a:t>
             </a:fld>
             <a:endParaRPr lang="en-US"/>
           </a:p>
@@ -3198,7 +3198,7 @@
             <a:pPr rtl="0"/>
             <a:fld id="{A8199CB5-F789-4CBF-AAF8-F3F95D622A7F}" type="datetime1">
               <a:rPr lang="it-IT" smtClean="0"/>
-              <a:t>18/11/2021</a:t>
+              <a:t>19/11/2021</a:t>
             </a:fld>
             <a:endParaRPr lang="en-US"/>
           </a:p>
@@ -3296,7 +3296,7 @@
             <a:pPr rtl="0"/>
             <a:fld id="{8C99FCB7-4711-45E9-B634-72C1CACA4AC7}" type="datetime1">
               <a:rPr lang="it-IT" smtClean="0"/>
-              <a:t>18/11/2021</a:t>
+              <a:t>19/11/2021</a:t>
             </a:fld>
             <a:endParaRPr lang="en-US"/>
           </a:p>
@@ -3717,7 +3717,7 @@
             <a:pPr rtl="0"/>
             <a:fld id="{5383A11D-5CC1-4A0D-8442-9E7011CBA4FE}" type="datetime1">
               <a:rPr lang="it-IT" smtClean="0"/>
-              <a:t>18/11/2021</a:t>
+              <a:t>19/11/2021</a:t>
             </a:fld>
             <a:endParaRPr lang="en-US"/>
           </a:p>
@@ -3982,7 +3982,7 @@
             <a:pPr rtl="0"/>
             <a:fld id="{1E49CCEA-282A-4915-881D-EFF9A92723C5}" type="datetime1">
               <a:rPr lang="it-IT" smtClean="0"/>
-              <a:t>18/11/2021</a:t>
+              <a:t>19/11/2021</a:t>
             </a:fld>
             <a:endParaRPr lang="en-US" dirty="0"/>
           </a:p>
@@ -4502,7 +4502,7 @@
             <a:pPr rtl="0"/>
             <a:fld id="{AC7CAA81-A778-4D37-B3BA-6227334CDFF6}" type="datetime1">
               <a:rPr lang="it-IT" smtClean="0"/>
-              <a:t>18/11/2021</a:t>
+              <a:t>19/11/2021</a:t>
             </a:fld>
             <a:endParaRPr lang="en-US" dirty="0"/>
           </a:p>
@@ -6034,7 +6034,7 @@
             </a:pPr>
             <a:r>
               <a:rPr lang="it-IT" sz="1600" dirty="0"/>
-              <a:t>P vale subito oppure in qualsiasi modo si avanzi poi P è vero. Quindi è possibile fare un passo non intero e comunque lo si faccia poi ad un certo punto P è vero.</a:t>
+              <a:t>P vale subito oppure in qualsiasi modo si avanzi poi P è vero. Quindi è possibile fare un passo non interno e comunque lo si faccia poi ad un certo punto P è vero.</a:t>
             </a:r>
           </a:p>
           <a:p>
@@ -6070,33 +6070,6 @@
             <a:r>
               <a:rPr lang="it-IT" sz="1600" dirty="0"/>
               <a:t>. Vale la proprietà P finché non diventa vera Q cioè l’esecuzione arriva un stato dove è possibile eseguire ciò che indica Q.</a:t>
-            </a:r>
-          </a:p>
-          <a:p>
-            <a:r>
-              <a:rPr lang="it-IT" sz="2000" b="1" dirty="0" err="1">
-                <a:latin typeface="LMSans10-Regular"/>
-              </a:rPr>
-              <a:t>SUntil</a:t>
-            </a:r>
-            <a:r>
-              <a:rPr lang="it-IT" sz="2000" b="1" dirty="0">
-                <a:latin typeface="LMSans10-Regular"/>
-              </a:rPr>
-              <a:t>(P,Q) = min(X. Q | (P &amp; &lt;-&gt;T &amp; [-]X)); </a:t>
-            </a:r>
-          </a:p>
-          <a:p>
-            <a:pPr marL="274320" lvl="1" indent="0">
-              <a:buNone/>
-            </a:pPr>
-            <a:r>
-              <a:rPr lang="it-IT" sz="1600" dirty="0" err="1"/>
-              <a:t>Until</a:t>
-            </a:r>
-            <a:r>
-              <a:rPr lang="it-IT" sz="1600" dirty="0"/>
-              <a:t> in versione strong. Vale la proprietà P finché non diventa vera Q</a:t>
             </a:r>
           </a:p>
         </p:txBody>
@@ -10955,8 +10928,73 @@
                 <a:ea typeface="+mn-ea"/>
                 <a:cs typeface="+mn-cs"/>
               </a:rPr>
-              <a:t>True.</a:t>
-            </a:r>
+              <a:t>True. </a:t>
+            </a:r>
+            <a:r>
+              <a:rPr kumimoji="0" lang="it-IT" sz="1800" i="0" u="none" strike="noStrike" kern="1200" cap="none" spc="0" normalizeH="0" baseline="0" noProof="0" dirty="0">
+                <a:ln>
+                  <a:noFill/>
+                </a:ln>
+                <a:solidFill>
+                  <a:prstClr val="black"/>
+                </a:solidFill>
+                <a:effectLst/>
+                <a:uLnTx/>
+                <a:uFillTx/>
+                <a:latin typeface="Century Gothic" panose="020F0302020204030204"/>
+                <a:ea typeface="+mn-ea"/>
+                <a:cs typeface="+mn-cs"/>
+              </a:rPr>
+              <a:t>Abbiamo quindi una </a:t>
+            </a:r>
+            <a:r>
+              <a:rPr kumimoji="0" lang="it-IT" sz="1800" i="0" u="none" strike="noStrike" kern="1200" cap="none" spc="0" normalizeH="0" baseline="0" noProof="0" dirty="0" err="1">
+                <a:ln>
+                  <a:noFill/>
+                </a:ln>
+                <a:solidFill>
+                  <a:prstClr val="black"/>
+                </a:solidFill>
+                <a:effectLst/>
+                <a:uLnTx/>
+                <a:uFillTx/>
+                <a:latin typeface="Century Gothic" panose="020F0302020204030204"/>
+                <a:ea typeface="+mn-ea"/>
+                <a:cs typeface="+mn-cs"/>
+              </a:rPr>
+              <a:t>fairness</a:t>
+            </a:r>
+            <a:r>
+              <a:rPr kumimoji="0" lang="it-IT" sz="1800" i="0" u="none" strike="noStrike" kern="1200" cap="none" spc="0" normalizeH="0" baseline="0" noProof="0" dirty="0">
+                <a:ln>
+                  <a:noFill/>
+                </a:ln>
+                <a:solidFill>
+                  <a:prstClr val="black"/>
+                </a:solidFill>
+                <a:effectLst/>
+                <a:uLnTx/>
+                <a:uFillTx/>
+                <a:latin typeface="Century Gothic" panose="020F0302020204030204"/>
+                <a:ea typeface="+mn-ea"/>
+                <a:cs typeface="+mn-cs"/>
+              </a:rPr>
+              <a:t> per tutto il sistema.</a:t>
+            </a:r>
+            <a:endParaRPr kumimoji="0" lang="it-IT" sz="1800" b="1" i="0" u="none" strike="noStrike" kern="1200" cap="none" spc="0" normalizeH="0" baseline="0" noProof="0" dirty="0">
+              <a:ln>
+                <a:noFill/>
+              </a:ln>
+              <a:solidFill>
+                <a:prstClr val="black"/>
+              </a:solidFill>
+              <a:effectLst/>
+              <a:uLnTx/>
+              <a:uFillTx/>
+              <a:latin typeface="Century Gothic" panose="020F0302020204030204"/>
+              <a:ea typeface="+mn-ea"/>
+              <a:cs typeface="+mn-cs"/>
+            </a:endParaRPr>
           </a:p>
           <a:p>
             <a:pPr marL="0" indent="0">
@@ -11624,7 +11662,7 @@
         </p:blipFill>
         <p:spPr>
           <a:xfrm>
-            <a:off x="1301677" y="2103438"/>
+            <a:off x="1301677" y="2119204"/>
             <a:ext cx="9588646" cy="3849687"/>
           </a:xfrm>
         </p:spPr>
@@ -13101,15 +13139,6 @@
 </file>
 
 <file path=customXml/item1.xml><?xml version="1.0" encoding="utf-8"?>
-<?mso-contentType ?>
-<FormTemplates xmlns="http://schemas.microsoft.com/sharepoint/v3/contenttype/forms">
-  <Display>DocumentLibraryForm</Display>
-  <Edit>DocumentLibraryForm</Edit>
-  <New>DocumentLibraryForm</New>
-</FormTemplates>
-</file>
-
-<file path=customXml/item2.xml><?xml version="1.0" encoding="utf-8"?>
 <ct:contentTypeSchema xmlns:ct="http://schemas.microsoft.com/office/2006/metadata/contentType" xmlns:ma="http://schemas.microsoft.com/office/2006/metadata/properties/metaAttributes" ct:_="" ma:_="" ma:contentTypeName="Documento" ma:contentTypeID="0x010100AA47EEA81324AB4DB627200C0CB64E2F" ma:contentTypeVersion="4" ma:contentTypeDescription="Creare un nuovo documento." ma:contentTypeScope="" ma:versionID="f1658f96e2679f876d87997b25e1b460">
   <xsd:schema xmlns:xsd="http://www.w3.org/2001/XMLSchema" xmlns:xs="http://www.w3.org/2001/XMLSchema" xmlns:p="http://schemas.microsoft.com/office/2006/metadata/properties" xmlns:ns3="c3bfd755-a219-4232-b7e4-898215430e79" targetNamespace="http://schemas.microsoft.com/office/2006/metadata/properties" ma:root="true" ma:fieldsID="cf2d8889ae5c2b5cc77128eefc2ca783" ns3:_="">
     <xsd:import namespace="c3bfd755-a219-4232-b7e4-898215430e79"/>
@@ -13255,6 +13284,15 @@
 </ct:contentTypeSchema>
 </file>
 
+<file path=customXml/item2.xml><?xml version="1.0" encoding="utf-8"?>
+<?mso-contentType ?>
+<FormTemplates xmlns="http://schemas.microsoft.com/sharepoint/v3/contenttype/forms">
+  <Display>DocumentLibraryForm</Display>
+  <Edit>DocumentLibraryForm</Edit>
+  <New>DocumentLibraryForm</New>
+</FormTemplates>
+</file>
+
 <file path=customXml/item3.xml><?xml version="1.0" encoding="utf-8"?>
 <p:properties xmlns:p="http://schemas.microsoft.com/office/2006/metadata/properties" xmlns:xsi="http://www.w3.org/2001/XMLSchema-instance" xmlns:pc="http://schemas.microsoft.com/office/infopath/2007/PartnerControls">
   <documentManagement/>
@@ -13262,14 +13300,6 @@
 </file>
 
 <file path=customXml/itemProps1.xml><?xml version="1.0" encoding="utf-8"?>
-<ds:datastoreItem xmlns:ds="http://schemas.openxmlformats.org/officeDocument/2006/customXml" ds:itemID="{B90F5596-D8A4-4927-98EC-4A59D8E42C47}">
-  <ds:schemaRefs>
-    <ds:schemaRef ds:uri="http://schemas.microsoft.com/sharepoint/v3/contenttype/forms"/>
-  </ds:schemaRefs>
-</ds:datastoreItem>
-</file>
-
-<file path=customXml/itemProps2.xml><?xml version="1.0" encoding="utf-8"?>
 <ds:datastoreItem xmlns:ds="http://schemas.openxmlformats.org/officeDocument/2006/customXml" ds:itemID="{2976576A-E9F2-44BC-AD39-89042927C322}">
   <ds:schemaRefs>
     <ds:schemaRef ds:uri="http://schemas.microsoft.com/office/2006/metadata/contentType"/>
@@ -13283,6 +13313,14 @@
     <ds:schemaRef ds:uri="http://purl.org/dc/elements/1.1/"/>
     <ds:schemaRef ds:uri="http://purl.org/dc/terms/"/>
     <ds:schemaRef ds:uri="http://schemas.microsoft.com/internal/obd"/>
+  </ds:schemaRefs>
+</ds:datastoreItem>
+</file>
+
+<file path=customXml/itemProps2.xml><?xml version="1.0" encoding="utf-8"?>
+<ds:datastoreItem xmlns:ds="http://schemas.openxmlformats.org/officeDocument/2006/customXml" ds:itemID="{B90F5596-D8A4-4927-98EC-4A59D8E42C47}">
+  <ds:schemaRefs>
+    <ds:schemaRef ds:uri="http://schemas.microsoft.com/sharepoint/v3/contenttype/forms"/>
   </ds:schemaRefs>
 </ds:datastoreItem>
 </file>

--- a/Barbershop presentazione.pptx
+++ b/Barbershop presentazione.pptx
@@ -5,10 +5,10 @@
     <p:sldMasterId id="2147483673" r:id="rId4"/>
   </p:sldMasterIdLst>
   <p:notesMasterIdLst>
-    <p:notesMasterId r:id="rId30"/>
+    <p:notesMasterId r:id="rId31"/>
   </p:notesMasterIdLst>
   <p:handoutMasterIdLst>
-    <p:handoutMasterId r:id="rId31"/>
+    <p:handoutMasterId r:id="rId32"/>
   </p:handoutMasterIdLst>
   <p:sldIdLst>
     <p:sldId id="257" r:id="rId5"/>
@@ -20,22 +20,23 @@
     <p:sldId id="282" r:id="rId11"/>
     <p:sldId id="280" r:id="rId12"/>
     <p:sldId id="278" r:id="rId13"/>
-    <p:sldId id="261" r:id="rId14"/>
-    <p:sldId id="283" r:id="rId15"/>
-    <p:sldId id="262" r:id="rId16"/>
-    <p:sldId id="263" r:id="rId17"/>
-    <p:sldId id="264" r:id="rId18"/>
-    <p:sldId id="265" r:id="rId19"/>
-    <p:sldId id="266" r:id="rId20"/>
-    <p:sldId id="267" r:id="rId21"/>
-    <p:sldId id="269" r:id="rId22"/>
-    <p:sldId id="270" r:id="rId23"/>
-    <p:sldId id="284" r:id="rId24"/>
-    <p:sldId id="271" r:id="rId25"/>
-    <p:sldId id="272" r:id="rId26"/>
-    <p:sldId id="273" r:id="rId27"/>
-    <p:sldId id="274" r:id="rId28"/>
-    <p:sldId id="275" r:id="rId29"/>
+    <p:sldId id="285" r:id="rId14"/>
+    <p:sldId id="261" r:id="rId15"/>
+    <p:sldId id="283" r:id="rId16"/>
+    <p:sldId id="262" r:id="rId17"/>
+    <p:sldId id="263" r:id="rId18"/>
+    <p:sldId id="264" r:id="rId19"/>
+    <p:sldId id="265" r:id="rId20"/>
+    <p:sldId id="266" r:id="rId21"/>
+    <p:sldId id="267" r:id="rId22"/>
+    <p:sldId id="269" r:id="rId23"/>
+    <p:sldId id="270" r:id="rId24"/>
+    <p:sldId id="284" r:id="rId25"/>
+    <p:sldId id="271" r:id="rId26"/>
+    <p:sldId id="272" r:id="rId27"/>
+    <p:sldId id="273" r:id="rId28"/>
+    <p:sldId id="274" r:id="rId29"/>
+    <p:sldId id="275" r:id="rId30"/>
   </p:sldIdLst>
   <p:sldSz cx="12192000" cy="6858000"/>
   <p:notesSz cx="6858000" cy="9144000"/>
@@ -229,7 +230,7 @@
             <a:pPr rtl="0"/>
             <a:fld id="{708BF747-B6BF-4C78-A443-9FC2305069E3}" type="datetime1">
               <a:rPr lang="it-IT" smtClean="0"/>
-              <a:t>19/11/2021</a:t>
+              <a:t>21/11/2021</a:t>
             </a:fld>
             <a:endParaRPr lang="en-US" dirty="0"/>
           </a:p>
@@ -399,7 +400,7 @@
             <a:pPr rtl="0"/>
             <a:fld id="{D3C8B9C7-EA66-4454-A7A3-0FC3D0367A2C}" type="datetime1">
               <a:rPr lang="it-IT" smtClean="0"/>
-              <a:t>19/11/2021</a:t>
+              <a:t>21/11/2021</a:t>
             </a:fld>
             <a:endParaRPr lang="en-US"/>
           </a:p>
@@ -1144,7 +1145,7 @@
             <a:pPr rtl="0"/>
             <a:fld id="{605743B5-8FDA-49CD-8613-1F672EA4F26F}" type="datetime1">
               <a:rPr lang="it-IT" smtClean="0"/>
-              <a:t>19/11/2021</a:t>
+              <a:t>21/11/2021</a:t>
             </a:fld>
             <a:endParaRPr lang="en-US" dirty="0"/>
           </a:p>
@@ -1350,7 +1351,7 @@
             <a:pPr rtl="0"/>
             <a:fld id="{E3872346-0AB2-4060-9E5A-7C382D3F9463}" type="datetime1">
               <a:rPr lang="it-IT" smtClean="0"/>
-              <a:t>19/11/2021</a:t>
+              <a:t>21/11/2021</a:t>
             </a:fld>
             <a:endParaRPr lang="en-US"/>
           </a:p>
@@ -1534,7 +1535,7 @@
             <a:pPr rtl="0"/>
             <a:fld id="{D76D83AA-7E7D-45CA-AF19-047948567C53}" type="datetime1">
               <a:rPr lang="it-IT" smtClean="0"/>
-              <a:t>19/11/2021</a:t>
+              <a:t>21/11/2021</a:t>
             </a:fld>
             <a:endParaRPr lang="en-US"/>
           </a:p>
@@ -1708,7 +1709,7 @@
             <a:pPr rtl="0"/>
             <a:fld id="{2B6A76D5-7CF5-46CE-A2FD-00FC9634E791}" type="datetime1">
               <a:rPr lang="it-IT" smtClean="0"/>
-              <a:t>19/11/2021</a:t>
+              <a:t>21/11/2021</a:t>
             </a:fld>
             <a:endParaRPr lang="en-US"/>
           </a:p>
@@ -2311,7 +2312,7 @@
             <a:pPr rtl="0"/>
             <a:fld id="{BCF21E26-F44A-4E57-B587-AB70AC80B321}" type="datetime1">
               <a:rPr lang="it-IT" smtClean="0"/>
-              <a:t>19/11/2021</a:t>
+              <a:t>21/11/2021</a:t>
             </a:fld>
             <a:endParaRPr lang="en-US" dirty="0"/>
           </a:p>
@@ -2635,7 +2636,7 @@
             <a:pPr rtl="0"/>
             <a:fld id="{D55D643A-8426-4B49-998E-514AF5B15C07}" type="datetime1">
               <a:rPr lang="it-IT" smtClean="0"/>
-              <a:t>19/11/2021</a:t>
+              <a:t>21/11/2021</a:t>
             </a:fld>
             <a:endParaRPr lang="en-US"/>
           </a:p>
@@ -3076,7 +3077,7 @@
             <a:pPr rtl="0"/>
             <a:fld id="{BE5882AB-DE04-43F8-974D-2E781961780B}" type="datetime1">
               <a:rPr lang="it-IT" smtClean="0"/>
-              <a:t>19/11/2021</a:t>
+              <a:t>21/11/2021</a:t>
             </a:fld>
             <a:endParaRPr lang="en-US"/>
           </a:p>
@@ -3198,7 +3199,7 @@
             <a:pPr rtl="0"/>
             <a:fld id="{A8199CB5-F789-4CBF-AAF8-F3F95D622A7F}" type="datetime1">
               <a:rPr lang="it-IT" smtClean="0"/>
-              <a:t>19/11/2021</a:t>
+              <a:t>21/11/2021</a:t>
             </a:fld>
             <a:endParaRPr lang="en-US"/>
           </a:p>
@@ -3296,7 +3297,7 @@
             <a:pPr rtl="0"/>
             <a:fld id="{8C99FCB7-4711-45E9-B634-72C1CACA4AC7}" type="datetime1">
               <a:rPr lang="it-IT" smtClean="0"/>
-              <a:t>19/11/2021</a:t>
+              <a:t>21/11/2021</a:t>
             </a:fld>
             <a:endParaRPr lang="en-US"/>
           </a:p>
@@ -3717,7 +3718,7 @@
             <a:pPr rtl="0"/>
             <a:fld id="{5383A11D-5CC1-4A0D-8442-9E7011CBA4FE}" type="datetime1">
               <a:rPr lang="it-IT" smtClean="0"/>
-              <a:t>19/11/2021</a:t>
+              <a:t>21/11/2021</a:t>
             </a:fld>
             <a:endParaRPr lang="en-US"/>
           </a:p>
@@ -3982,7 +3983,7 @@
             <a:pPr rtl="0"/>
             <a:fld id="{1E49CCEA-282A-4915-881D-EFF9A92723C5}" type="datetime1">
               <a:rPr lang="it-IT" smtClean="0"/>
-              <a:t>19/11/2021</a:t>
+              <a:t>21/11/2021</a:t>
             </a:fld>
             <a:endParaRPr lang="en-US" dirty="0"/>
           </a:p>
@@ -4502,7 +4503,7 @@
             <a:pPr rtl="0"/>
             <a:fld id="{AC7CAA81-A778-4D37-B3BA-6227334CDFF6}" type="datetime1">
               <a:rPr lang="it-IT" smtClean="0"/>
-              <a:t>19/11/2021</a:t>
+              <a:t>21/11/2021</a:t>
             </a:fld>
             <a:endParaRPr lang="en-US" dirty="0"/>
           </a:p>
@@ -5254,7 +5255,7 @@
           <p:cNvPr id="2" name="Titolo 1">
             <a:extLst>
               <a:ext uri="{FF2B5EF4-FFF2-40B4-BE49-F238E27FC236}">
-                <a16:creationId xmlns:a16="http://schemas.microsoft.com/office/drawing/2014/main" id="{037A2AAC-48E9-479A-9833-896B97EBEB61}"/>
+                <a16:creationId xmlns:a16="http://schemas.microsoft.com/office/drawing/2014/main" id="{4E0036A4-130D-4FAE-AA1F-580372D61A66}"/>
               </a:ext>
             </a:extLst>
           </p:cNvPr>
@@ -5272,535 +5273,52 @@
           <a:p>
             <a:r>
               <a:rPr lang="it-IT" dirty="0"/>
-              <a:t>Trace </a:t>
-            </a:r>
-            <a:r>
-              <a:rPr lang="it-IT" dirty="0" err="1"/>
-              <a:t>Equivalence</a:t>
-            </a:r>
-            <a:endParaRPr lang="it-IT" dirty="0"/>
-          </a:p>
-        </p:txBody>
-      </p:sp>
-      <p:sp>
-        <p:nvSpPr>
-          <p:cNvPr id="3" name="Segnaposto contenuto 2">
+              <a:t>Modellazione in CCS</a:t>
+            </a:r>
+          </a:p>
+        </p:txBody>
+      </p:sp>
+      <p:pic>
+        <p:nvPicPr>
+          <p:cNvPr id="6" name="Segnaposto contenuto 5" descr="Immagine che contiene testo&#10;&#10;Descrizione generata automaticamente">
             <a:extLst>
               <a:ext uri="{FF2B5EF4-FFF2-40B4-BE49-F238E27FC236}">
-                <a16:creationId xmlns:a16="http://schemas.microsoft.com/office/drawing/2014/main" id="{6F7F44CE-4C95-4598-B501-FBA9ED4BDE4D}"/>
+                <a16:creationId xmlns:a16="http://schemas.microsoft.com/office/drawing/2014/main" id="{85BCB6F1-1F5B-4331-9FC3-761E515EB411}"/>
               </a:ext>
             </a:extLst>
           </p:cNvPr>
-          <p:cNvSpPr>
-            <a:spLocks noGrp="1"/>
-          </p:cNvSpPr>
+          <p:cNvPicPr>
+            <a:picLocks noGrp="1" noChangeAspect="1"/>
+          </p:cNvPicPr>
           <p:nvPr>
             <p:ph idx="1"/>
           </p:nvPr>
-        </p:nvSpPr>
+        </p:nvPicPr>
+        <p:blipFill>
+          <a:blip r:embed="rId2">
+            <a:extLst>
+              <a:ext uri="{28A0092B-C50C-407E-A947-70E740481C1C}">
+                <a14:useLocalDpi xmlns:a14="http://schemas.microsoft.com/office/drawing/2010/main" val="0"/>
+              </a:ext>
+            </a:extLst>
+          </a:blip>
+          <a:stretch>
+            <a:fillRect/>
+          </a:stretch>
+        </p:blipFill>
         <p:spPr>
           <a:xfrm>
-            <a:off x="1066799" y="2103120"/>
-            <a:ext cx="10735559" cy="3849624"/>
+            <a:off x="1301677" y="2103438"/>
+            <a:ext cx="9588646" cy="3849687"/>
           </a:xfrm>
         </p:spPr>
-        <p:txBody>
-          <a:bodyPr>
-            <a:normAutofit/>
-          </a:bodyPr>
-          <a:lstStyle/>
-          <a:p>
-            <a:pPr marL="0" indent="0">
-              <a:buNone/>
-            </a:pPr>
-            <a:r>
-              <a:rPr lang="it-IT" sz="2000" dirty="0"/>
-              <a:t>Siano:</a:t>
-            </a:r>
-          </a:p>
-          <a:p>
-            <a:pPr lvl="1"/>
-            <a:r>
-              <a:rPr lang="sv-SE" sz="2000" b="1" i="0" u="none" strike="noStrike" baseline="0" dirty="0">
-                <a:latin typeface="LMSans10-Regular"/>
-              </a:rPr>
-              <a:t>SpecM = enter1.exit1.SpecM + enter2.exit2.SpecM + enter3.exit3.SpecM;</a:t>
-            </a:r>
-          </a:p>
-          <a:p>
-            <a:pPr lvl="1"/>
-            <a:r>
-              <a:rPr lang="en-US" sz="2000" b="1" i="0" u="none" strike="noStrike" baseline="0" dirty="0" err="1">
-                <a:latin typeface="LMSans10-Regular"/>
-              </a:rPr>
-              <a:t>SpecC</a:t>
-            </a:r>
-            <a:r>
-              <a:rPr lang="en-US" sz="1800" b="1" i="0" u="none" strike="noStrike" baseline="0" dirty="0">
-                <a:latin typeface="LMSans10-Regular"/>
-              </a:rPr>
-              <a:t> = </a:t>
-            </a:r>
-            <a:r>
-              <a:rPr lang="en-US" sz="2000" b="1" i="0" u="none" strike="noStrike" baseline="0" dirty="0">
-                <a:latin typeface="LMSans10-Regular"/>
-              </a:rPr>
-              <a:t>cutHair.getHairCut1.SpecC + getHairCut1.cutHair.SpecC + cutHair.getHairCut2.SpecC + getHairCut2.cutHair.SpecC + cutHair.getHairCut3.SpecC + getHairCut3.cutHair.SpecC;</a:t>
-            </a:r>
-            <a:endParaRPr lang="it-IT" sz="1800" b="1" i="0" u="none" strike="noStrike" baseline="0" dirty="0">
-              <a:latin typeface="LMSans10-Regular"/>
-            </a:endParaRPr>
-          </a:p>
-          <a:p>
-            <a:pPr lvl="1"/>
-            <a:r>
-              <a:rPr lang="it-IT" sz="2000" b="1" i="0" u="none" strike="noStrike" baseline="0" dirty="0">
-                <a:latin typeface="LMSans10-Regular"/>
-              </a:rPr>
-              <a:t>Sys1</a:t>
-            </a:r>
-            <a:r>
-              <a:rPr lang="it-IT" sz="2000" b="0" i="0" u="none" strike="noStrike" baseline="0" dirty="0"/>
-              <a:t> </a:t>
-            </a:r>
-            <a:r>
-              <a:rPr lang="it-IT" sz="1800" b="0" i="0" u="none" strike="noStrike" baseline="0" dirty="0"/>
-              <a:t>versione di </a:t>
-            </a:r>
-            <a:r>
-              <a:rPr lang="it-IT" sz="2000" b="1" i="0" u="none" strike="noStrike" baseline="0" dirty="0" err="1">
-                <a:latin typeface="LMSans10-Regular"/>
-              </a:rPr>
-              <a:t>Sys</a:t>
-            </a:r>
-            <a:r>
-              <a:rPr lang="it-IT" sz="1800" b="0" i="0" u="none" strike="noStrike" baseline="0" dirty="0">
-                <a:latin typeface="LMSans10-Regular"/>
-              </a:rPr>
-              <a:t> </a:t>
-            </a:r>
-            <a:r>
-              <a:rPr lang="it-IT" sz="1800" b="0" i="0" u="none" strike="noStrike" baseline="0" dirty="0"/>
-              <a:t>senza i canali</a:t>
-            </a:r>
-            <a:r>
-              <a:rPr lang="it-IT" sz="2000" b="0" i="0" u="none" strike="noStrike" baseline="0" dirty="0"/>
-              <a:t> </a:t>
-            </a:r>
-            <a:r>
-              <a:rPr lang="it-IT" sz="2000" b="1" i="0" u="none" strike="noStrike" baseline="0" dirty="0" err="1">
-                <a:latin typeface="LMSans10-Regular"/>
-              </a:rPr>
-              <a:t>cutHair</a:t>
-            </a:r>
-            <a:r>
-              <a:rPr lang="it-IT" sz="2000" b="0" i="0" u="none" strike="noStrike" baseline="0" dirty="0"/>
-              <a:t> </a:t>
-            </a:r>
-            <a:r>
-              <a:rPr lang="it-IT" sz="1800" b="0" i="0" u="none" strike="noStrike" baseline="0" dirty="0"/>
-              <a:t>e</a:t>
-            </a:r>
-            <a:r>
-              <a:rPr lang="it-IT" sz="2000" b="0" i="0" u="none" strike="noStrike" baseline="0" dirty="0"/>
-              <a:t> </a:t>
-            </a:r>
-            <a:r>
-              <a:rPr lang="it-IT" sz="2000" b="1" i="0" u="none" strike="noStrike" baseline="0" dirty="0" err="1">
-                <a:latin typeface="LMSans10-Regular"/>
-              </a:rPr>
-              <a:t>getHairCut</a:t>
-            </a:r>
-            <a:r>
-              <a:rPr lang="it-IT" sz="2000" b="1" i="0" dirty="0">
-                <a:latin typeface="LMSans10-Regular"/>
-              </a:rPr>
-              <a:t>-</a:t>
-            </a:r>
-            <a:r>
-              <a:rPr lang="it-IT" sz="2000" b="1" i="1" dirty="0">
-                <a:latin typeface="LMSans10-Regular"/>
-              </a:rPr>
-              <a:t>i</a:t>
-            </a:r>
-            <a:r>
-              <a:rPr lang="it-IT" sz="2000" i="0" dirty="0">
-                <a:latin typeface="LMSans10-Regular"/>
-              </a:rPr>
-              <a:t>.</a:t>
-            </a:r>
-          </a:p>
-          <a:p>
-            <a:pPr lvl="1"/>
-            <a:r>
-              <a:rPr kumimoji="0" lang="it-IT" sz="2000" b="1" i="0" u="none" strike="noStrike" kern="1200" cap="none" spc="0" normalizeH="0" baseline="0" noProof="0" dirty="0">
-                <a:ln>
-                  <a:noFill/>
-                </a:ln>
-                <a:solidFill>
-                  <a:prstClr val="black"/>
-                </a:solidFill>
-                <a:effectLst/>
-                <a:uLnTx/>
-                <a:uFillTx/>
-                <a:latin typeface="LMSans10-Regular"/>
-                <a:ea typeface="+mn-ea"/>
-                <a:cs typeface="+mn-cs"/>
-              </a:rPr>
-              <a:t>Sys2</a:t>
-            </a:r>
-            <a:r>
-              <a:rPr kumimoji="0" lang="it-IT" sz="2000" b="0" i="0" u="none" strike="noStrike" kern="1200" cap="none" spc="0" normalizeH="0" baseline="0" noProof="0" dirty="0">
-                <a:ln>
-                  <a:noFill/>
-                </a:ln>
-                <a:solidFill>
-                  <a:prstClr val="black"/>
-                </a:solidFill>
-                <a:effectLst/>
-                <a:uLnTx/>
-                <a:uFillTx/>
-                <a:latin typeface="Century Gothic" panose="020F0302020204030204"/>
-                <a:ea typeface="+mn-ea"/>
-                <a:cs typeface="+mn-cs"/>
-              </a:rPr>
-              <a:t> </a:t>
-            </a:r>
-            <a:r>
-              <a:rPr kumimoji="0" lang="it-IT" sz="1800" b="0" i="0" u="none" strike="noStrike" kern="1200" cap="none" spc="0" normalizeH="0" baseline="0" noProof="0" dirty="0">
-                <a:ln>
-                  <a:noFill/>
-                </a:ln>
-                <a:solidFill>
-                  <a:prstClr val="black"/>
-                </a:solidFill>
-                <a:effectLst/>
-                <a:uLnTx/>
-                <a:uFillTx/>
-                <a:latin typeface="Century Gothic" panose="020F0302020204030204"/>
-                <a:ea typeface="+mn-ea"/>
-                <a:cs typeface="+mn-cs"/>
-              </a:rPr>
-              <a:t>versione di </a:t>
-            </a:r>
-            <a:r>
-              <a:rPr kumimoji="0" lang="it-IT" sz="2000" b="1" i="0" u="none" strike="noStrike" kern="1200" cap="none" spc="0" normalizeH="0" baseline="0" noProof="0" dirty="0" err="1">
-                <a:ln>
-                  <a:noFill/>
-                </a:ln>
-                <a:solidFill>
-                  <a:prstClr val="black"/>
-                </a:solidFill>
-                <a:effectLst/>
-                <a:uLnTx/>
-                <a:uFillTx/>
-                <a:latin typeface="LMSans10-Regular"/>
-                <a:ea typeface="+mn-ea"/>
-                <a:cs typeface="+mn-cs"/>
-              </a:rPr>
-              <a:t>Sys</a:t>
-            </a:r>
-            <a:r>
-              <a:rPr kumimoji="0" lang="it-IT" sz="1800" b="0" i="0" u="none" strike="noStrike" kern="1200" cap="none" spc="0" normalizeH="0" baseline="0" noProof="0" dirty="0">
-                <a:ln>
-                  <a:noFill/>
-                </a:ln>
-                <a:solidFill>
-                  <a:prstClr val="black"/>
-                </a:solidFill>
-                <a:effectLst/>
-                <a:uLnTx/>
-                <a:uFillTx/>
-                <a:latin typeface="LMSans10-Regular"/>
-                <a:ea typeface="+mn-ea"/>
-                <a:cs typeface="+mn-cs"/>
-              </a:rPr>
-              <a:t> </a:t>
-            </a:r>
-            <a:r>
-              <a:rPr kumimoji="0" lang="it-IT" sz="1800" b="0" i="0" u="none" strike="noStrike" kern="1200" cap="none" spc="0" normalizeH="0" baseline="0" noProof="0" dirty="0">
-                <a:ln>
-                  <a:noFill/>
-                </a:ln>
-                <a:solidFill>
-                  <a:prstClr val="black"/>
-                </a:solidFill>
-                <a:effectLst/>
-                <a:uLnTx/>
-                <a:uFillTx/>
-                <a:latin typeface="Century Gothic" panose="020F0302020204030204"/>
-                <a:ea typeface="+mn-ea"/>
-                <a:cs typeface="+mn-cs"/>
-              </a:rPr>
-              <a:t>senza i canali </a:t>
-            </a:r>
-            <a:r>
-              <a:rPr lang="it-IT" sz="2000" b="1" i="0" u="none" strike="noStrike" baseline="0" dirty="0" err="1">
-                <a:latin typeface="LMSans10-Regular"/>
-              </a:rPr>
-              <a:t>enter</a:t>
-            </a:r>
-            <a:r>
-              <a:rPr lang="it-IT" sz="2000" b="1" i="0" u="none" strike="noStrike" baseline="0" dirty="0">
-                <a:latin typeface="LMSans10-Regular"/>
-              </a:rPr>
-              <a:t>-</a:t>
-            </a:r>
-            <a:r>
-              <a:rPr lang="it-IT" sz="2000" b="1" i="1" u="none" strike="noStrike" baseline="0" dirty="0">
-                <a:latin typeface="LMMathItalic8-Regular"/>
-              </a:rPr>
-              <a:t>i</a:t>
-            </a:r>
-            <a:r>
-              <a:rPr lang="it-IT" sz="2000" b="0" i="1" u="none" strike="noStrike" baseline="0" dirty="0">
-                <a:latin typeface="LMMathItalic8-Regular"/>
-              </a:rPr>
-              <a:t> </a:t>
-            </a:r>
-            <a:r>
-              <a:rPr lang="it-IT" sz="1800" b="0" i="0" u="none" strike="noStrike" baseline="0" dirty="0">
-                <a:latin typeface="+mj-lt"/>
-              </a:rPr>
-              <a:t>e</a:t>
-            </a:r>
-            <a:r>
-              <a:rPr lang="it-IT" sz="2000" b="0" i="0" u="none" strike="noStrike" baseline="0" dirty="0">
-                <a:latin typeface="LMRoman10-Regular"/>
-              </a:rPr>
-              <a:t> </a:t>
-            </a:r>
-            <a:r>
-              <a:rPr lang="it-IT" sz="2000" b="1" i="0" u="none" strike="noStrike" baseline="0" dirty="0">
-                <a:latin typeface="LMSans10-Regular"/>
-              </a:rPr>
-              <a:t>exit-</a:t>
-            </a:r>
-            <a:r>
-              <a:rPr lang="it-IT" sz="2000" b="1" i="1" u="none" strike="noStrike" baseline="0" dirty="0">
-                <a:latin typeface="LMMathItalic8-Regular"/>
-              </a:rPr>
-              <a:t>i</a:t>
-            </a:r>
-            <a:r>
-              <a:rPr lang="it-IT" sz="2000" b="0" i="0" u="none" strike="noStrike" baseline="0" dirty="0">
-                <a:latin typeface="LMRoman10-Regular"/>
-              </a:rPr>
-              <a:t>. </a:t>
-            </a:r>
-          </a:p>
-          <a:p>
-            <a:pPr marL="0" indent="0">
-              <a:buNone/>
-            </a:pPr>
-            <a:r>
-              <a:rPr lang="it-IT" sz="2000" dirty="0"/>
-              <a:t>Allora si ha che:</a:t>
-            </a:r>
-          </a:p>
-          <a:p>
-            <a:pPr lvl="1"/>
-            <a:r>
-              <a:rPr lang="en-US" sz="2000" b="1" u="none" strike="noStrike" baseline="0" dirty="0" err="1">
-                <a:latin typeface="LMSans10-Regular"/>
-              </a:rPr>
-              <a:t>mayeq</a:t>
-            </a:r>
-            <a:r>
-              <a:rPr lang="en-US" sz="2000" b="1" u="none" strike="noStrike" baseline="0" dirty="0">
-                <a:latin typeface="LMSans10-Regular"/>
-              </a:rPr>
-              <a:t>(Sys1,SpecM) </a:t>
-            </a:r>
-            <a:r>
-              <a:rPr lang="it-IT" sz="1800" b="0" u="none" strike="noStrike" baseline="0" dirty="0"/>
-              <a:t>ritorna</a:t>
-            </a:r>
-            <a:r>
-              <a:rPr lang="en-US" sz="1600" b="0" u="none" strike="noStrike" baseline="0" dirty="0"/>
-              <a:t> </a:t>
-            </a:r>
-            <a:r>
-              <a:rPr lang="en-US" sz="1600" b="1" u="none" strike="noStrike" baseline="0" dirty="0"/>
-              <a:t>True </a:t>
-            </a:r>
-            <a:r>
-              <a:rPr lang="it-IT" sz="1800" b="0" i="0" u="none" strike="noStrike" baseline="0" dirty="0"/>
-              <a:t>e</a:t>
-            </a:r>
-            <a:r>
-              <a:rPr lang="it-IT" sz="1400" b="0" i="0" u="none" strike="noStrike" baseline="0" dirty="0"/>
-              <a:t> </a:t>
-            </a:r>
-            <a:r>
-              <a:rPr lang="it-IT" sz="1800" b="0" u="none" strike="noStrike" baseline="0" dirty="0"/>
-              <a:t>quindi</a:t>
-            </a:r>
-            <a:r>
-              <a:rPr lang="en-US" sz="1400" b="0" u="none" strike="noStrike" baseline="0" dirty="0"/>
-              <a:t> </a:t>
-            </a:r>
-            <a:r>
-              <a:rPr lang="it-IT" sz="2000" b="1" i="0" u="none" strike="noStrike" baseline="0" dirty="0" err="1">
-                <a:latin typeface="LMRoman10-Regular"/>
-              </a:rPr>
-              <a:t>Tr</a:t>
-            </a:r>
-            <a:r>
-              <a:rPr lang="it-IT" sz="2000" b="1" i="0" u="none" strike="noStrike" baseline="0" dirty="0">
-                <a:latin typeface="LMRoman10-Regular"/>
-              </a:rPr>
-              <a:t>(Sys1) = </a:t>
-            </a:r>
-            <a:r>
-              <a:rPr lang="it-IT" sz="2000" b="1" i="0" u="none" strike="noStrike" baseline="0" dirty="0" err="1">
-                <a:latin typeface="LMRoman10-Regular"/>
-              </a:rPr>
-              <a:t>Tr</a:t>
-            </a:r>
-            <a:r>
-              <a:rPr lang="it-IT" sz="2000" b="1" i="0" u="none" strike="noStrike" baseline="0" dirty="0">
-                <a:latin typeface="LMRoman10-Regular"/>
-              </a:rPr>
-              <a:t>(</a:t>
-            </a:r>
-            <a:r>
-              <a:rPr lang="it-IT" sz="2000" b="1" i="0" u="none" strike="noStrike" baseline="0" dirty="0" err="1">
-                <a:latin typeface="LMRoman10-Regular"/>
-              </a:rPr>
-              <a:t>SpecM</a:t>
-            </a:r>
-            <a:r>
-              <a:rPr lang="it-IT" sz="2000" b="1" i="0" u="none" strike="noStrike" baseline="0" dirty="0">
-                <a:latin typeface="LMRoman10-Regular"/>
-              </a:rPr>
-              <a:t>).</a:t>
-            </a:r>
-          </a:p>
-          <a:p>
-            <a:pPr lvl="1"/>
-            <a:r>
-              <a:rPr lang="en-US" sz="2000" b="1" u="none" strike="noStrike" baseline="0" dirty="0" err="1">
-                <a:latin typeface="LMSans10-Regular"/>
-              </a:rPr>
-              <a:t>mayeq</a:t>
-            </a:r>
-            <a:r>
-              <a:rPr lang="en-US" sz="2000" b="1" u="none" strike="noStrike" baseline="0" dirty="0">
-                <a:latin typeface="LMSans10-Regular"/>
-              </a:rPr>
-              <a:t>(Sys2,SpecC) </a:t>
-            </a:r>
-            <a:r>
-              <a:rPr lang="it-IT" sz="1800" b="0" u="none" strike="noStrike" baseline="0" dirty="0"/>
-              <a:t>ritorna</a:t>
-            </a:r>
-            <a:r>
-              <a:rPr lang="en-US" sz="1600" b="0" u="none" strike="noStrike" baseline="0" dirty="0"/>
-              <a:t> </a:t>
-            </a:r>
-            <a:r>
-              <a:rPr lang="en-US" sz="1600" b="1" u="none" strike="noStrike" baseline="0" dirty="0"/>
-              <a:t>True</a:t>
-            </a:r>
-            <a:r>
-              <a:rPr lang="en-US" sz="1600" b="0" u="none" strike="noStrike" baseline="0" dirty="0">
-                <a:effectLst>
-                  <a:outerShdw blurRad="38100" dist="38100" dir="2700000" algn="tl">
-                    <a:srgbClr val="000000">
-                      <a:alpha val="43137"/>
-                    </a:srgbClr>
-                  </a:outerShdw>
-                </a:effectLst>
-              </a:rPr>
-              <a:t> </a:t>
-            </a:r>
-            <a:r>
-              <a:rPr lang="it-IT" sz="1800" b="0" i="0" u="none" strike="noStrike" baseline="0" dirty="0"/>
-              <a:t>e</a:t>
-            </a:r>
-            <a:r>
-              <a:rPr lang="it-IT" sz="2000" b="0" i="0" u="none" strike="noStrike" baseline="0" dirty="0"/>
-              <a:t> </a:t>
-            </a:r>
-            <a:r>
-              <a:rPr lang="it-IT" sz="1800" b="0" u="none" strike="noStrike" baseline="0" dirty="0"/>
-              <a:t>quindi</a:t>
-            </a:r>
-            <a:r>
-              <a:rPr lang="en-US" sz="2000" b="0" u="none" strike="noStrike" baseline="0" dirty="0"/>
-              <a:t> </a:t>
-            </a:r>
-            <a:r>
-              <a:rPr lang="it-IT" sz="2000" b="1" i="0" u="none" strike="noStrike" baseline="0" dirty="0" err="1">
-                <a:latin typeface="LMRoman10-Regular"/>
-              </a:rPr>
-              <a:t>Tr</a:t>
-            </a:r>
-            <a:r>
-              <a:rPr lang="it-IT" sz="2000" b="1" i="0" u="none" strike="noStrike" baseline="0" dirty="0">
-                <a:latin typeface="LMRoman10-Regular"/>
-              </a:rPr>
-              <a:t>(Sys2) = </a:t>
-            </a:r>
-            <a:r>
-              <a:rPr lang="it-IT" sz="2000" b="1" i="0" u="none" strike="noStrike" baseline="0" dirty="0" err="1">
-                <a:latin typeface="LMRoman10-Regular"/>
-              </a:rPr>
-              <a:t>Tr</a:t>
-            </a:r>
-            <a:r>
-              <a:rPr lang="it-IT" sz="2000" b="1" i="0" u="none" strike="noStrike" baseline="0" dirty="0">
-                <a:latin typeface="LMRoman10-Regular"/>
-              </a:rPr>
-              <a:t>(</a:t>
-            </a:r>
-            <a:r>
-              <a:rPr lang="it-IT" sz="2000" b="1" i="0" u="none" strike="noStrike" baseline="0" dirty="0" err="1">
-                <a:latin typeface="LMRoman10-Regular"/>
-              </a:rPr>
-              <a:t>SpecC</a:t>
-            </a:r>
-            <a:r>
-              <a:rPr lang="it-IT" sz="2000" b="1" i="0" u="none" strike="noStrike" baseline="0" dirty="0">
-                <a:latin typeface="LMRoman10-Regular"/>
-              </a:rPr>
-              <a:t>).</a:t>
-            </a:r>
-            <a:endParaRPr lang="en-US" sz="2000" b="1" u="none" strike="noStrike" baseline="0" dirty="0">
-              <a:effectLst>
-                <a:outerShdw blurRad="38100" dist="38100" dir="2700000" algn="tl">
-                  <a:srgbClr val="000000">
-                    <a:alpha val="43137"/>
-                  </a:srgbClr>
-                </a:outerShdw>
-              </a:effectLst>
-              <a:latin typeface="LMSans10-Regular"/>
-            </a:endParaRPr>
-          </a:p>
-          <a:p>
-            <a:pPr marL="274320" lvl="1" indent="0">
-              <a:buNone/>
-            </a:pPr>
-            <a:endParaRPr lang="en-US" sz="1800" b="0" u="none" strike="noStrike" baseline="0" dirty="0">
-              <a:effectLst>
-                <a:outerShdw blurRad="38100" dist="38100" dir="2700000" algn="tl">
-                  <a:srgbClr val="000000">
-                    <a:alpha val="43137"/>
-                  </a:srgbClr>
-                </a:outerShdw>
-              </a:effectLst>
-              <a:latin typeface="LMSans10-Regular"/>
-            </a:endParaRPr>
-          </a:p>
-        </p:txBody>
-      </p:sp>
-      <p:sp>
-        <p:nvSpPr>
-          <p:cNvPr id="5" name="Segnaposto numero diapositiva 4">
+      </p:pic>
+      <p:sp>
+        <p:nvSpPr>
+          <p:cNvPr id="3" name="Segnaposto numero diapositiva 2">
             <a:extLst>
               <a:ext uri="{FF2B5EF4-FFF2-40B4-BE49-F238E27FC236}">
-                <a16:creationId xmlns:a16="http://schemas.microsoft.com/office/drawing/2014/main" id="{45E52078-1C0A-47A2-A545-0B5C7CD21DB8}"/>
+                <a16:creationId xmlns:a16="http://schemas.microsoft.com/office/drawing/2014/main" id="{196220A9-14FB-4153-B7CA-5972355578F3}"/>
               </a:ext>
             </a:extLst>
           </p:cNvPr>
@@ -5823,7 +5341,7 @@
             </a:fld>
             <a:r>
               <a:rPr lang="en-US" dirty="0"/>
-              <a:t>/24</a:t>
+              <a:t>/25</a:t>
             </a:r>
           </a:p>
         </p:txBody>
@@ -5831,7 +5349,7 @@
     </p:spTree>
     <p:extLst>
       <p:ext uri="{BB962C8B-B14F-4D97-AF65-F5344CB8AC3E}">
-        <p14:creationId xmlns:p14="http://schemas.microsoft.com/office/powerpoint/2010/main" val="541990853"/>
+        <p14:creationId xmlns:p14="http://schemas.microsoft.com/office/powerpoint/2010/main" val="3531171221"/>
       </p:ext>
     </p:extLst>
   </p:cSld>
@@ -5863,7 +5381,7 @@
           <p:cNvPr id="2" name="Titolo 1">
             <a:extLst>
               <a:ext uri="{FF2B5EF4-FFF2-40B4-BE49-F238E27FC236}">
-                <a16:creationId xmlns:a16="http://schemas.microsoft.com/office/drawing/2014/main" id="{2437966D-D27C-45CC-A1B8-BD4F48C564B9}"/>
+                <a16:creationId xmlns:a16="http://schemas.microsoft.com/office/drawing/2014/main" id="{037A2AAC-48E9-479A-9833-896B97EBEB61}"/>
               </a:ext>
             </a:extLst>
           </p:cNvPr>
@@ -5881,11 +5399,12 @@
           <a:p>
             <a:r>
               <a:rPr lang="it-IT" dirty="0"/>
-              <a:t>Verifica tramite HML</a:t>
-            </a:r>
-            <a:br>
-              <a:rPr lang="it-IT" dirty="0"/>
-            </a:br>
+              <a:t>Trace </a:t>
+            </a:r>
+            <a:r>
+              <a:rPr lang="it-IT" dirty="0" err="1"/>
+              <a:t>Equivalence</a:t>
+            </a:r>
             <a:endParaRPr lang="it-IT" dirty="0"/>
           </a:p>
         </p:txBody>
@@ -5895,7 +5414,7 @@
           <p:cNvPr id="3" name="Segnaposto contenuto 2">
             <a:extLst>
               <a:ext uri="{FF2B5EF4-FFF2-40B4-BE49-F238E27FC236}">
-                <a16:creationId xmlns:a16="http://schemas.microsoft.com/office/drawing/2014/main" id="{F6A3BF2A-28F9-4202-B696-11B93DD5D8F6}"/>
+                <a16:creationId xmlns:a16="http://schemas.microsoft.com/office/drawing/2014/main" id="{6F7F44CE-4C95-4598-B501-FBA9ED4BDE4D}"/>
               </a:ext>
             </a:extLst>
           </p:cNvPr>
@@ -5908,13 +5427,13 @@
         </p:nvSpPr>
         <p:spPr>
           <a:xfrm>
-            <a:off x="1066800" y="1508289"/>
-            <a:ext cx="10058400" cy="4444455"/>
+            <a:off x="1066799" y="2103120"/>
+            <a:ext cx="10735559" cy="3849624"/>
           </a:xfrm>
         </p:spPr>
         <p:txBody>
           <a:bodyPr>
-            <a:noAutofit/>
+            <a:normAutofit/>
           </a:bodyPr>
           <a:lstStyle/>
           <a:p>
@@ -5922,164 +5441,493 @@
               <a:buNone/>
             </a:pPr>
             <a:r>
-              <a:rPr lang="it-IT" sz="1800" dirty="0"/>
-              <a:t>Nelle verifiche verranno usate le seguenti formule:</a:t>
-            </a:r>
-          </a:p>
-          <a:p>
-            <a:r>
-              <a:rPr lang="it-IT" sz="2000" b="1" dirty="0" err="1">
-                <a:latin typeface="LMSans10-Regular"/>
-              </a:rPr>
-              <a:t>Inv</a:t>
-            </a:r>
-            <a:r>
-              <a:rPr lang="it-IT" sz="2000" b="1" dirty="0">
-                <a:latin typeface="LMSans10-Regular"/>
-              </a:rPr>
-              <a:t>(P) = max(X.(P &amp; [-]X));</a:t>
-            </a:r>
+              <a:rPr lang="it-IT" sz="2000" dirty="0"/>
+              <a:t>Siano:</a:t>
+            </a:r>
+          </a:p>
+          <a:p>
+            <a:pPr lvl="1"/>
+            <a:r>
+              <a:rPr lang="sv-SE" sz="2000" b="1" i="0" u="none" strike="noStrike" baseline="0" dirty="0">
+                <a:latin typeface="LMSans10-Regular"/>
+              </a:rPr>
+              <a:t>SpecM = enter1.exit1.SpecM + enter2.exit2.SpecM + enter3.exit3.SpecM;</a:t>
+            </a:r>
+          </a:p>
+          <a:p>
+            <a:pPr lvl="1"/>
+            <a:r>
+              <a:rPr lang="en-US" sz="2000" b="1" i="0" u="none" strike="noStrike" baseline="0" dirty="0" err="1">
+                <a:latin typeface="LMSans10-Regular"/>
+              </a:rPr>
+              <a:t>SpecC</a:t>
+            </a:r>
+            <a:r>
+              <a:rPr lang="en-US" sz="1800" b="1" i="0" u="none" strike="noStrike" baseline="0" dirty="0">
+                <a:latin typeface="LMSans10-Regular"/>
+              </a:rPr>
+              <a:t> = </a:t>
+            </a:r>
+            <a:r>
+              <a:rPr lang="en-US" sz="2000" b="1" i="0" u="none" strike="noStrike" baseline="0" dirty="0">
+                <a:latin typeface="LMSans10-Regular"/>
+              </a:rPr>
+              <a:t>cutHair.getHairCut1.SpecC + getHairCut1.cutHair.SpecC + cutHair.getHairCut2.SpecC + getHairCut2.cutHair.SpecC + cutHair.getHairCut3.SpecC + getHairCut3.cutHair.SpecC;</a:t>
+            </a:r>
+            <a:endParaRPr lang="it-IT" sz="1800" b="1" i="0" u="none" strike="noStrike" baseline="0" dirty="0">
+              <a:latin typeface="LMSans10-Regular"/>
+            </a:endParaRPr>
+          </a:p>
+          <a:p>
+            <a:pPr lvl="1"/>
+            <a:r>
+              <a:rPr lang="it-IT" sz="2000" b="1" i="0" u="none" strike="noStrike" baseline="0" dirty="0">
+                <a:latin typeface="LMSans10-Regular"/>
+              </a:rPr>
+              <a:t>Sys1</a:t>
+            </a:r>
+            <a:r>
+              <a:rPr lang="it-IT" sz="2000" b="0" i="0" u="none" strike="noStrike" baseline="0" dirty="0"/>
+              <a:t> </a:t>
+            </a:r>
+            <a:r>
+              <a:rPr lang="it-IT" sz="1800" b="0" i="0" u="none" strike="noStrike" baseline="0" dirty="0"/>
+              <a:t>versione di </a:t>
+            </a:r>
+            <a:r>
+              <a:rPr lang="it-IT" sz="2000" b="1" i="0" u="none" strike="noStrike" baseline="0" dirty="0" err="1">
+                <a:latin typeface="LMSans10-Regular"/>
+              </a:rPr>
+              <a:t>Sys</a:t>
+            </a:r>
+            <a:r>
+              <a:rPr lang="it-IT" sz="1800" b="0" i="0" u="none" strike="noStrike" baseline="0" dirty="0">
+                <a:latin typeface="LMSans10-Regular"/>
+              </a:rPr>
+              <a:t> </a:t>
+            </a:r>
+            <a:r>
+              <a:rPr lang="it-IT" sz="1800" b="0" i="0" u="none" strike="noStrike" baseline="0" dirty="0"/>
+              <a:t>senza i canali</a:t>
+            </a:r>
+            <a:r>
+              <a:rPr lang="it-IT" sz="2000" b="0" i="0" u="none" strike="noStrike" baseline="0" dirty="0"/>
+              <a:t> </a:t>
+            </a:r>
+            <a:r>
+              <a:rPr lang="it-IT" sz="2000" b="1" i="0" u="none" strike="noStrike" baseline="0" dirty="0" err="1">
+                <a:latin typeface="LMSans10-Regular"/>
+              </a:rPr>
+              <a:t>cutHair</a:t>
+            </a:r>
+            <a:r>
+              <a:rPr lang="it-IT" sz="2000" b="0" i="0" u="none" strike="noStrike" baseline="0" dirty="0"/>
+              <a:t> </a:t>
+            </a:r>
+            <a:r>
+              <a:rPr lang="it-IT" sz="1800" b="0" i="0" u="none" strike="noStrike" baseline="0" dirty="0"/>
+              <a:t>e</a:t>
+            </a:r>
+            <a:r>
+              <a:rPr lang="it-IT" sz="2000" b="0" i="0" u="none" strike="noStrike" baseline="0" dirty="0"/>
+              <a:t> </a:t>
+            </a:r>
+            <a:r>
+              <a:rPr lang="it-IT" sz="2000" b="1" i="0" u="none" strike="noStrike" baseline="0" dirty="0" err="1">
+                <a:latin typeface="LMSans10-Regular"/>
+              </a:rPr>
+              <a:t>getHairCut</a:t>
+            </a:r>
+            <a:r>
+              <a:rPr lang="it-IT" sz="2000" b="1" i="0" dirty="0">
+                <a:latin typeface="LMSans10-Regular"/>
+              </a:rPr>
+              <a:t>-</a:t>
+            </a:r>
+            <a:r>
+              <a:rPr lang="it-IT" sz="2000" b="1" i="1" dirty="0">
+                <a:latin typeface="LMSans10-Regular"/>
+              </a:rPr>
+              <a:t>i</a:t>
+            </a:r>
+            <a:r>
+              <a:rPr lang="it-IT" sz="2000" i="0" dirty="0">
+                <a:latin typeface="LMSans10-Regular"/>
+              </a:rPr>
+              <a:t>.</a:t>
+            </a:r>
+          </a:p>
+          <a:p>
+            <a:pPr lvl="1"/>
+            <a:r>
+              <a:rPr kumimoji="0" lang="it-IT" sz="2000" b="1" i="0" u="none" strike="noStrike" kern="1200" cap="none" spc="0" normalizeH="0" baseline="0" noProof="0" dirty="0">
+                <a:ln>
+                  <a:noFill/>
+                </a:ln>
+                <a:solidFill>
+                  <a:prstClr val="black"/>
+                </a:solidFill>
+                <a:effectLst/>
+                <a:uLnTx/>
+                <a:uFillTx/>
+                <a:latin typeface="LMSans10-Regular"/>
+                <a:ea typeface="+mn-ea"/>
+                <a:cs typeface="+mn-cs"/>
+              </a:rPr>
+              <a:t>Sys2</a:t>
+            </a:r>
+            <a:r>
+              <a:rPr kumimoji="0" lang="it-IT" sz="2000" b="0" i="0" u="none" strike="noStrike" kern="1200" cap="none" spc="0" normalizeH="0" baseline="0" noProof="0" dirty="0">
+                <a:ln>
+                  <a:noFill/>
+                </a:ln>
+                <a:solidFill>
+                  <a:prstClr val="black"/>
+                </a:solidFill>
+                <a:effectLst/>
+                <a:uLnTx/>
+                <a:uFillTx/>
+                <a:latin typeface="Century Gothic" panose="020F0302020204030204"/>
+                <a:ea typeface="+mn-ea"/>
+                <a:cs typeface="+mn-cs"/>
+              </a:rPr>
+              <a:t> </a:t>
+            </a:r>
+            <a:r>
+              <a:rPr kumimoji="0" lang="it-IT" sz="1800" b="0" i="0" u="none" strike="noStrike" kern="1200" cap="none" spc="0" normalizeH="0" baseline="0" noProof="0" dirty="0">
+                <a:ln>
+                  <a:noFill/>
+                </a:ln>
+                <a:solidFill>
+                  <a:prstClr val="black"/>
+                </a:solidFill>
+                <a:effectLst/>
+                <a:uLnTx/>
+                <a:uFillTx/>
+                <a:latin typeface="Century Gothic" panose="020F0302020204030204"/>
+                <a:ea typeface="+mn-ea"/>
+                <a:cs typeface="+mn-cs"/>
+              </a:rPr>
+              <a:t>versione di </a:t>
+            </a:r>
+            <a:r>
+              <a:rPr kumimoji="0" lang="it-IT" sz="2000" b="1" i="0" u="none" strike="noStrike" kern="1200" cap="none" spc="0" normalizeH="0" baseline="0" noProof="0" dirty="0" err="1">
+                <a:ln>
+                  <a:noFill/>
+                </a:ln>
+                <a:solidFill>
+                  <a:prstClr val="black"/>
+                </a:solidFill>
+                <a:effectLst/>
+                <a:uLnTx/>
+                <a:uFillTx/>
+                <a:latin typeface="LMSans10-Regular"/>
+                <a:ea typeface="+mn-ea"/>
+                <a:cs typeface="+mn-cs"/>
+              </a:rPr>
+              <a:t>Sys</a:t>
+            </a:r>
+            <a:r>
+              <a:rPr kumimoji="0" lang="it-IT" sz="1800" b="0" i="0" u="none" strike="noStrike" kern="1200" cap="none" spc="0" normalizeH="0" baseline="0" noProof="0" dirty="0">
+                <a:ln>
+                  <a:noFill/>
+                </a:ln>
+                <a:solidFill>
+                  <a:prstClr val="black"/>
+                </a:solidFill>
+                <a:effectLst/>
+                <a:uLnTx/>
+                <a:uFillTx/>
+                <a:latin typeface="LMSans10-Regular"/>
+                <a:ea typeface="+mn-ea"/>
+                <a:cs typeface="+mn-cs"/>
+              </a:rPr>
+              <a:t> </a:t>
+            </a:r>
+            <a:r>
+              <a:rPr kumimoji="0" lang="it-IT" sz="1800" b="0" i="0" u="none" strike="noStrike" kern="1200" cap="none" spc="0" normalizeH="0" baseline="0" noProof="0" dirty="0">
+                <a:ln>
+                  <a:noFill/>
+                </a:ln>
+                <a:solidFill>
+                  <a:prstClr val="black"/>
+                </a:solidFill>
+                <a:effectLst/>
+                <a:uLnTx/>
+                <a:uFillTx/>
+                <a:latin typeface="Century Gothic" panose="020F0302020204030204"/>
+                <a:ea typeface="+mn-ea"/>
+                <a:cs typeface="+mn-cs"/>
+              </a:rPr>
+              <a:t>senza i canali </a:t>
+            </a:r>
+            <a:r>
+              <a:rPr lang="it-IT" sz="2000" b="1" i="0" u="none" strike="noStrike" baseline="0" dirty="0" err="1">
+                <a:latin typeface="LMSans10-Regular"/>
+              </a:rPr>
+              <a:t>enter</a:t>
+            </a:r>
+            <a:r>
+              <a:rPr lang="it-IT" sz="2000" b="1" i="0" u="none" strike="noStrike" baseline="0" dirty="0">
+                <a:latin typeface="LMSans10-Regular"/>
+              </a:rPr>
+              <a:t>-</a:t>
+            </a:r>
+            <a:r>
+              <a:rPr lang="it-IT" sz="2000" b="1" i="1" u="none" strike="noStrike" baseline="0" dirty="0">
+                <a:latin typeface="LMMathItalic8-Regular"/>
+              </a:rPr>
+              <a:t>i</a:t>
+            </a:r>
+            <a:r>
+              <a:rPr lang="it-IT" sz="2000" b="0" i="1" u="none" strike="noStrike" baseline="0" dirty="0">
+                <a:latin typeface="LMMathItalic8-Regular"/>
+              </a:rPr>
+              <a:t> </a:t>
+            </a:r>
+            <a:r>
+              <a:rPr lang="it-IT" sz="1800" b="0" i="0" u="none" strike="noStrike" baseline="0" dirty="0">
+                <a:latin typeface="+mj-lt"/>
+              </a:rPr>
+              <a:t>e</a:t>
+            </a:r>
+            <a:r>
+              <a:rPr lang="it-IT" sz="2000" b="0" i="0" u="none" strike="noStrike" baseline="0" dirty="0">
+                <a:latin typeface="LMRoman10-Regular"/>
+              </a:rPr>
+              <a:t> </a:t>
+            </a:r>
+            <a:r>
+              <a:rPr lang="it-IT" sz="2000" b="1" i="0" u="none" strike="noStrike" baseline="0" dirty="0">
+                <a:latin typeface="LMSans10-Regular"/>
+              </a:rPr>
+              <a:t>exit-</a:t>
+            </a:r>
+            <a:r>
+              <a:rPr lang="it-IT" sz="2000" b="1" i="1" u="none" strike="noStrike" baseline="0" dirty="0">
+                <a:latin typeface="LMMathItalic8-Regular"/>
+              </a:rPr>
+              <a:t>i</a:t>
+            </a:r>
+            <a:r>
+              <a:rPr lang="it-IT" sz="2000" b="0" i="0" u="none" strike="noStrike" baseline="0" dirty="0">
+                <a:latin typeface="LMRoman10-Regular"/>
+              </a:rPr>
+              <a:t>. </a:t>
+            </a:r>
+          </a:p>
+          <a:p>
+            <a:pPr marL="0" indent="0">
+              <a:buNone/>
+            </a:pPr>
+            <a:r>
+              <a:rPr lang="it-IT" sz="2000" dirty="0"/>
+              <a:t>Allora si ha che:</a:t>
+            </a:r>
+          </a:p>
+          <a:p>
+            <a:pPr lvl="1"/>
+            <a:r>
+              <a:rPr lang="en-US" sz="2000" b="1" u="none" strike="noStrike" baseline="0" dirty="0" err="1">
+                <a:latin typeface="LMSans10-Regular"/>
+              </a:rPr>
+              <a:t>mayeq</a:t>
+            </a:r>
+            <a:r>
+              <a:rPr lang="en-US" sz="2000" b="1" u="none" strike="noStrike" baseline="0" dirty="0">
+                <a:latin typeface="LMSans10-Regular"/>
+              </a:rPr>
+              <a:t>(Sys1,SpecM) </a:t>
+            </a:r>
+            <a:r>
+              <a:rPr lang="it-IT" sz="1800" b="0" u="none" strike="noStrike" baseline="0" dirty="0"/>
+              <a:t>ritorna</a:t>
+            </a:r>
+            <a:r>
+              <a:rPr lang="en-US" sz="1600" b="0" u="none" strike="noStrike" baseline="0" dirty="0"/>
+              <a:t> </a:t>
+            </a:r>
+            <a:r>
+              <a:rPr lang="en-US" sz="1600" b="1" u="none" strike="noStrike" baseline="0" dirty="0"/>
+              <a:t>True </a:t>
+            </a:r>
+            <a:r>
+              <a:rPr lang="it-IT" sz="1800" b="0" i="0" u="none" strike="noStrike" baseline="0" dirty="0"/>
+              <a:t>e</a:t>
+            </a:r>
+            <a:r>
+              <a:rPr lang="it-IT" sz="1400" b="0" i="0" u="none" strike="noStrike" baseline="0" dirty="0"/>
+              <a:t> </a:t>
+            </a:r>
+            <a:r>
+              <a:rPr lang="it-IT" sz="1800" b="0" u="none" strike="noStrike" baseline="0" dirty="0"/>
+              <a:t>quindi</a:t>
+            </a:r>
+            <a:r>
+              <a:rPr lang="en-US" sz="1400" b="0" u="none" strike="noStrike" baseline="0" dirty="0"/>
+              <a:t> </a:t>
+            </a:r>
+            <a:r>
+              <a:rPr lang="it-IT" sz="2000" b="1" i="0" u="none" strike="noStrike" baseline="0" dirty="0" err="1">
+                <a:latin typeface="LMRoman10-Regular"/>
+              </a:rPr>
+              <a:t>Tr</a:t>
+            </a:r>
+            <a:r>
+              <a:rPr lang="it-IT" sz="2000" b="1" i="0" u="none" strike="noStrike" baseline="0" dirty="0">
+                <a:latin typeface="LMRoman10-Regular"/>
+              </a:rPr>
+              <a:t>(Sys1) = </a:t>
+            </a:r>
+            <a:r>
+              <a:rPr lang="it-IT" sz="2000" b="1" i="0" u="none" strike="noStrike" baseline="0" dirty="0" err="1">
+                <a:latin typeface="LMRoman10-Regular"/>
+              </a:rPr>
+              <a:t>Tr</a:t>
+            </a:r>
+            <a:r>
+              <a:rPr lang="it-IT" sz="2000" b="1" i="0" u="none" strike="noStrike" baseline="0" dirty="0">
+                <a:latin typeface="LMRoman10-Regular"/>
+              </a:rPr>
+              <a:t>(</a:t>
+            </a:r>
+            <a:r>
+              <a:rPr lang="it-IT" sz="2000" b="1" i="0" u="none" strike="noStrike" baseline="0" dirty="0" err="1">
+                <a:latin typeface="LMRoman10-Regular"/>
+              </a:rPr>
+              <a:t>SpecM</a:t>
+            </a:r>
+            <a:r>
+              <a:rPr lang="it-IT" sz="2000" b="1" i="0" u="none" strike="noStrike" baseline="0" dirty="0">
+                <a:latin typeface="LMRoman10-Regular"/>
+              </a:rPr>
+              <a:t>).</a:t>
+            </a:r>
+          </a:p>
+          <a:p>
+            <a:pPr lvl="1"/>
+            <a:r>
+              <a:rPr lang="en-US" sz="2000" b="1" u="none" strike="noStrike" baseline="0" dirty="0" err="1">
+                <a:latin typeface="LMSans10-Regular"/>
+              </a:rPr>
+              <a:t>mayeq</a:t>
+            </a:r>
+            <a:r>
+              <a:rPr lang="en-US" sz="2000" b="1" u="none" strike="noStrike" baseline="0" dirty="0">
+                <a:latin typeface="LMSans10-Regular"/>
+              </a:rPr>
+              <a:t>(Sys2,SpecC) </a:t>
+            </a:r>
+            <a:r>
+              <a:rPr lang="it-IT" sz="1800" b="0" u="none" strike="noStrike" baseline="0" dirty="0"/>
+              <a:t>ritorna</a:t>
+            </a:r>
+            <a:r>
+              <a:rPr lang="en-US" sz="1600" b="0" u="none" strike="noStrike" baseline="0" dirty="0"/>
+              <a:t> </a:t>
+            </a:r>
+            <a:r>
+              <a:rPr lang="en-US" sz="1600" b="1" u="none" strike="noStrike" baseline="0" dirty="0"/>
+              <a:t>True</a:t>
+            </a:r>
+            <a:r>
+              <a:rPr lang="en-US" sz="1600" b="0" u="none" strike="noStrike" baseline="0" dirty="0">
+                <a:effectLst>
+                  <a:outerShdw blurRad="38100" dist="38100" dir="2700000" algn="tl">
+                    <a:srgbClr val="000000">
+                      <a:alpha val="43137"/>
+                    </a:srgbClr>
+                  </a:outerShdw>
+                </a:effectLst>
+              </a:rPr>
+              <a:t> </a:t>
+            </a:r>
+            <a:r>
+              <a:rPr lang="it-IT" sz="1800" b="0" i="0" u="none" strike="noStrike" baseline="0" dirty="0"/>
+              <a:t>e</a:t>
+            </a:r>
+            <a:r>
+              <a:rPr lang="it-IT" sz="2000" b="0" i="0" u="none" strike="noStrike" baseline="0" dirty="0"/>
+              <a:t> </a:t>
+            </a:r>
+            <a:r>
+              <a:rPr lang="it-IT" sz="1800" b="0" u="none" strike="noStrike" baseline="0" dirty="0"/>
+              <a:t>quindi</a:t>
+            </a:r>
+            <a:r>
+              <a:rPr lang="en-US" sz="2000" b="0" u="none" strike="noStrike" baseline="0" dirty="0"/>
+              <a:t> </a:t>
+            </a:r>
+            <a:r>
+              <a:rPr lang="it-IT" sz="2000" b="1" i="0" u="none" strike="noStrike" baseline="0" dirty="0" err="1">
+                <a:latin typeface="LMRoman10-Regular"/>
+              </a:rPr>
+              <a:t>Tr</a:t>
+            </a:r>
+            <a:r>
+              <a:rPr lang="it-IT" sz="2000" b="1" i="0" u="none" strike="noStrike" baseline="0" dirty="0">
+                <a:latin typeface="LMRoman10-Regular"/>
+              </a:rPr>
+              <a:t>(Sys2) = </a:t>
+            </a:r>
+            <a:r>
+              <a:rPr lang="it-IT" sz="2000" b="1" i="0" u="none" strike="noStrike" baseline="0" dirty="0" err="1">
+                <a:latin typeface="LMRoman10-Regular"/>
+              </a:rPr>
+              <a:t>Tr</a:t>
+            </a:r>
+            <a:r>
+              <a:rPr lang="it-IT" sz="2000" b="1" i="0" u="none" strike="noStrike" baseline="0" dirty="0">
+                <a:latin typeface="LMRoman10-Regular"/>
+              </a:rPr>
+              <a:t>(</a:t>
+            </a:r>
+            <a:r>
+              <a:rPr lang="it-IT" sz="2000" b="1" i="0" u="none" strike="noStrike" baseline="0" dirty="0" err="1">
+                <a:latin typeface="LMRoman10-Regular"/>
+              </a:rPr>
+              <a:t>SpecC</a:t>
+            </a:r>
+            <a:r>
+              <a:rPr lang="it-IT" sz="2000" b="1" i="0" u="none" strike="noStrike" baseline="0" dirty="0">
+                <a:latin typeface="LMRoman10-Regular"/>
+              </a:rPr>
+              <a:t>).</a:t>
+            </a:r>
+            <a:endParaRPr lang="en-US" sz="2000" b="1" u="none" strike="noStrike" baseline="0" dirty="0">
+              <a:effectLst>
+                <a:outerShdw blurRad="38100" dist="38100" dir="2700000" algn="tl">
+                  <a:srgbClr val="000000">
+                    <a:alpha val="43137"/>
+                  </a:srgbClr>
+                </a:outerShdw>
+              </a:effectLst>
+              <a:latin typeface="LMSans10-Regular"/>
+            </a:endParaRPr>
           </a:p>
           <a:p>
             <a:pPr marL="274320" lvl="1" indent="0">
               <a:buNone/>
             </a:pPr>
-            <a:r>
-              <a:rPr lang="it-IT" sz="1600" dirty="0"/>
-              <a:t>Sempre vera la proprietà P.</a:t>
-            </a:r>
-          </a:p>
-          <a:p>
-            <a:r>
-              <a:rPr lang="it-IT" sz="2000" b="1" dirty="0">
-                <a:latin typeface="LMSans10-Regular"/>
-              </a:rPr>
-              <a:t>Pos(P) = min(X. (P | &lt;-&gt; X)); </a:t>
-            </a:r>
-          </a:p>
-          <a:p>
-            <a:pPr marL="274320" lvl="1" indent="0">
-              <a:buNone/>
-            </a:pPr>
-            <a:r>
-              <a:rPr lang="it-IT" sz="1600" dirty="0"/>
-              <a:t>Esiste un stato in cui vale la proprietà P.</a:t>
-            </a:r>
-          </a:p>
-          <a:p>
-            <a:r>
-              <a:rPr lang="it-IT" sz="2000" b="1" dirty="0" err="1">
-                <a:latin typeface="LMSans10-Regular"/>
-              </a:rPr>
-              <a:t>WeakEven</a:t>
-            </a:r>
-            <a:r>
-              <a:rPr lang="it-IT" sz="2000" b="1" dirty="0">
-                <a:latin typeface="LMSans10-Regular"/>
-              </a:rPr>
-              <a:t>(P) = min(X. (P | «</a:t>
-            </a:r>
-            <a:r>
-              <a:rPr lang="it-IT" sz="2000" b="1" dirty="0" err="1">
-                <a:latin typeface="LMSans10-Regular"/>
-              </a:rPr>
-              <a:t>eps</a:t>
-            </a:r>
-            <a:r>
-              <a:rPr lang="it-IT" sz="2000" b="1" dirty="0">
-                <a:latin typeface="LMSans10-Regular"/>
-              </a:rPr>
-              <a:t>»&lt;-tau&gt;«</a:t>
-            </a:r>
-            <a:r>
-              <a:rPr lang="it-IT" sz="2000" b="1" dirty="0" err="1">
-                <a:latin typeface="LMSans10-Regular"/>
-              </a:rPr>
-              <a:t>eps»T</a:t>
-            </a:r>
-            <a:r>
-              <a:rPr lang="it-IT" sz="2000" b="1" dirty="0">
-                <a:latin typeface="LMSans10-Regular"/>
-              </a:rPr>
-              <a:t> &amp; [[</a:t>
-            </a:r>
-            <a:r>
-              <a:rPr lang="it-IT" sz="2000" b="1" dirty="0" err="1">
-                <a:latin typeface="LMSans10-Regular"/>
-              </a:rPr>
-              <a:t>eps</a:t>
-            </a:r>
-            <a:r>
-              <a:rPr lang="it-IT" sz="2000" b="1" dirty="0">
-                <a:latin typeface="LMSans10-Regular"/>
-              </a:rPr>
-              <a:t>]][-tau][[</a:t>
-            </a:r>
-            <a:r>
-              <a:rPr lang="it-IT" sz="2000" b="1" dirty="0" err="1">
-                <a:latin typeface="LMSans10-Regular"/>
-              </a:rPr>
-              <a:t>eps</a:t>
-            </a:r>
-            <a:r>
-              <a:rPr lang="it-IT" sz="2000" b="1" dirty="0">
-                <a:latin typeface="LMSans10-Regular"/>
-              </a:rPr>
-              <a:t>]] X )));</a:t>
-            </a:r>
-          </a:p>
-          <a:p>
-            <a:pPr marL="274320" lvl="1" indent="0">
-              <a:buNone/>
-            </a:pPr>
-            <a:r>
-              <a:rPr lang="it-IT" sz="1600" dirty="0"/>
-              <a:t>P vale subito oppure in qualsiasi modo si avanzi poi P è vero. Quindi è possibile fare un passo non interno e comunque lo si faccia poi ad un certo punto P è vero.</a:t>
-            </a:r>
-          </a:p>
-          <a:p>
-            <a:r>
-              <a:rPr lang="it-IT" sz="2000" b="1" dirty="0" err="1">
-                <a:latin typeface="LMSans10-Regular"/>
-              </a:rPr>
-              <a:t>WUntil</a:t>
-            </a:r>
-            <a:r>
-              <a:rPr lang="it-IT" sz="2000" b="1" dirty="0">
-                <a:latin typeface="LMSans10-Regular"/>
-              </a:rPr>
-              <a:t>(P,Q) = max(X. Q | (P &amp; [-]X)); </a:t>
-            </a:r>
-          </a:p>
-          <a:p>
-            <a:pPr marL="274320" lvl="1" indent="0">
-              <a:buNone/>
-            </a:pPr>
-            <a:r>
-              <a:rPr lang="it-IT" sz="1600" dirty="0" err="1"/>
-              <a:t>Until</a:t>
-            </a:r>
-            <a:r>
-              <a:rPr lang="it-IT" sz="1600" dirty="0"/>
-              <a:t> in versione </a:t>
-            </a:r>
-            <a:r>
-              <a:rPr lang="it-IT" sz="1600" dirty="0" err="1"/>
-              <a:t>weak</a:t>
-            </a:r>
-            <a:r>
-              <a:rPr lang="it-IT" sz="1600" dirty="0"/>
-              <a:t>. Vale la proprietà P finché non diventa vera Q cioè l’esecuzione arriva un stato dove è possibile eseguire ciò che indica Q.</a:t>
-            </a:r>
-          </a:p>
-        </p:txBody>
-      </p:sp>
-      <p:sp>
-        <p:nvSpPr>
-          <p:cNvPr id="4" name="Segnaposto numero diapositiva 3">
+            <a:endParaRPr lang="en-US" sz="1800" b="0" u="none" strike="noStrike" baseline="0" dirty="0">
+              <a:effectLst>
+                <a:outerShdw blurRad="38100" dist="38100" dir="2700000" algn="tl">
+                  <a:srgbClr val="000000">
+                    <a:alpha val="43137"/>
+                  </a:srgbClr>
+                </a:outerShdw>
+              </a:effectLst>
+              <a:latin typeface="LMSans10-Regular"/>
+            </a:endParaRPr>
+          </a:p>
+        </p:txBody>
+      </p:sp>
+      <p:sp>
+        <p:nvSpPr>
+          <p:cNvPr id="5" name="Segnaposto numero diapositiva 4">
             <a:extLst>
               <a:ext uri="{FF2B5EF4-FFF2-40B4-BE49-F238E27FC236}">
-                <a16:creationId xmlns:a16="http://schemas.microsoft.com/office/drawing/2014/main" id="{C7ECCD4C-EC0F-4DF2-BC7D-9108DE0D5770}"/>
+                <a16:creationId xmlns:a16="http://schemas.microsoft.com/office/drawing/2014/main" id="{45E52078-1C0A-47A2-A545-0B5C7CD21DB8}"/>
               </a:ext>
             </a:extLst>
           </p:cNvPr>
@@ -6102,7 +5950,7 @@
             </a:fld>
             <a:r>
               <a:rPr lang="en-US" dirty="0"/>
-              <a:t>/24</a:t>
+              <a:t>/25</a:t>
             </a:r>
           </a:p>
         </p:txBody>
@@ -6110,7 +5958,7 @@
     </p:spTree>
     <p:extLst>
       <p:ext uri="{BB962C8B-B14F-4D97-AF65-F5344CB8AC3E}">
-        <p14:creationId xmlns:p14="http://schemas.microsoft.com/office/powerpoint/2010/main" val="1793306859"/>
+        <p14:creationId xmlns:p14="http://schemas.microsoft.com/office/powerpoint/2010/main" val="541990853"/>
       </p:ext>
     </p:extLst>
   </p:cSld>
@@ -6142,7 +5990,7 @@
           <p:cNvPr id="2" name="Titolo 1">
             <a:extLst>
               <a:ext uri="{FF2B5EF4-FFF2-40B4-BE49-F238E27FC236}">
-                <a16:creationId xmlns:a16="http://schemas.microsoft.com/office/drawing/2014/main" id="{11D20D25-A0B1-4ADB-BA2E-166543FB2244}"/>
+                <a16:creationId xmlns:a16="http://schemas.microsoft.com/office/drawing/2014/main" id="{2437966D-D27C-45CC-A1B8-BD4F48C564B9}"/>
               </a:ext>
             </a:extLst>
           </p:cNvPr>
@@ -6160,8 +6008,12 @@
           <a:p>
             <a:r>
               <a:rPr lang="it-IT" dirty="0"/>
-              <a:t>Assenza di deadlock</a:t>
-            </a:r>
+              <a:t>Verifica tramite HML</a:t>
+            </a:r>
+            <a:br>
+              <a:rPr lang="it-IT" dirty="0"/>
+            </a:br>
+            <a:endParaRPr lang="it-IT" dirty="0"/>
           </a:p>
         </p:txBody>
       </p:sp>
@@ -6170,7 +6022,7 @@
           <p:cNvPr id="3" name="Segnaposto contenuto 2">
             <a:extLst>
               <a:ext uri="{FF2B5EF4-FFF2-40B4-BE49-F238E27FC236}">
-                <a16:creationId xmlns:a16="http://schemas.microsoft.com/office/drawing/2014/main" id="{71D110A7-8EF2-434B-AEE6-DF8B5854F391}"/>
+                <a16:creationId xmlns:a16="http://schemas.microsoft.com/office/drawing/2014/main" id="{F6A3BF2A-28F9-4202-B696-11B93DD5D8F6}"/>
               </a:ext>
             </a:extLst>
           </p:cNvPr>
@@ -6181,10 +6033,15 @@
             <p:ph idx="1"/>
           </p:nvPr>
         </p:nvSpPr>
-        <p:spPr/>
+        <p:spPr>
+          <a:xfrm>
+            <a:off x="1066800" y="1508289"/>
+            <a:ext cx="10058400" cy="4444455"/>
+          </a:xfrm>
+        </p:spPr>
         <p:txBody>
           <a:bodyPr>
-            <a:normAutofit/>
+            <a:noAutofit/>
           </a:bodyPr>
           <a:lstStyle/>
           <a:p>
@@ -6193,111 +6050,163 @@
             </a:pPr>
             <a:r>
               <a:rPr lang="it-IT" sz="1800" dirty="0"/>
-              <a:t>Il sistema riesce sempre a eseguire un passo senza rimanere bloccato.</a:t>
-            </a:r>
-          </a:p>
-          <a:p>
-            <a:pPr marL="0" indent="0">
-              <a:buNone/>
-            </a:pPr>
-            <a:endParaRPr lang="it-IT" sz="1800" dirty="0"/>
-          </a:p>
-          <a:p>
-            <a:pPr marL="0" indent="0" algn="ctr">
-              <a:buNone/>
-            </a:pPr>
-            <a:r>
-              <a:rPr lang="it-IT" sz="2200" b="1" dirty="0" err="1">
-                <a:latin typeface="LMSans10-Regular"/>
-              </a:rPr>
-              <a:t>NoDeadlock</a:t>
-            </a:r>
-            <a:r>
-              <a:rPr lang="it-IT" sz="2200" b="1" dirty="0">
-                <a:latin typeface="LMSans10-Regular"/>
-              </a:rPr>
-              <a:t> = </a:t>
-            </a:r>
-            <a:r>
-              <a:rPr lang="it-IT" sz="2200" b="1" dirty="0" err="1">
+              <a:t>Nelle verifiche verranno usate le seguenti formule:</a:t>
+            </a:r>
+          </a:p>
+          <a:p>
+            <a:r>
+              <a:rPr lang="it-IT" sz="2000" b="1" dirty="0" err="1">
                 <a:latin typeface="LMSans10-Regular"/>
               </a:rPr>
               <a:t>Inv</a:t>
             </a:r>
             <a:r>
-              <a:rPr lang="it-IT" sz="2200" b="1" dirty="0">
-                <a:latin typeface="LMSans10-Regular"/>
-              </a:rPr>
-              <a:t>(&lt;-&gt;T);</a:t>
-            </a:r>
-          </a:p>
-          <a:p>
-            <a:pPr marL="0" indent="0" algn="ctr">
-              <a:buNone/>
-            </a:pPr>
-            <a:endParaRPr lang="it-IT" sz="2400" dirty="0">
-              <a:latin typeface="LMSans10-Regular"/>
-            </a:endParaRPr>
-          </a:p>
-          <a:p>
-            <a:pPr marL="0" indent="0">
-              <a:buNone/>
-            </a:pPr>
-            <a:r>
-              <a:rPr lang="it-IT" sz="1800" dirty="0"/>
-              <a:t>Con il commando </a:t>
-            </a:r>
-            <a:r>
-              <a:rPr lang="it-IT" sz="1800" b="1" dirty="0" err="1"/>
-              <a:t>checkprop</a:t>
-            </a:r>
-            <a:r>
-              <a:rPr lang="it-IT" sz="1800" b="1" dirty="0"/>
-              <a:t>(</a:t>
-            </a:r>
-            <a:r>
-              <a:rPr lang="it-IT" sz="1800" b="1" dirty="0" err="1"/>
-              <a:t>Sys</a:t>
-            </a:r>
-            <a:r>
-              <a:rPr lang="it-IT" sz="1800" b="1" dirty="0"/>
-              <a:t>, </a:t>
-            </a:r>
-            <a:r>
-              <a:rPr lang="it-IT" sz="1800" b="1" dirty="0" err="1"/>
-              <a:t>Nodeadlock</a:t>
-            </a:r>
-            <a:r>
-              <a:rPr lang="it-IT" sz="1800" b="1" dirty="0"/>
-              <a:t>) </a:t>
-            </a:r>
-            <a:r>
-              <a:rPr lang="it-IT" sz="1800" dirty="0"/>
-              <a:t>si ottiene </a:t>
-            </a:r>
-            <a:r>
-              <a:rPr lang="it-IT" sz="1800" b="1" dirty="0"/>
-              <a:t>True.</a:t>
-            </a:r>
-            <a:endParaRPr lang="it-IT" sz="1800" dirty="0"/>
-          </a:p>
-          <a:p>
-            <a:pPr marL="0" indent="0">
-              <a:buNone/>
-            </a:pPr>
-            <a:r>
-              <a:rPr lang="it-IT" sz="1800" dirty="0"/>
-              <a:t>Il sistema non va mai in deadlock.</a:t>
-            </a:r>
-          </a:p>
-        </p:txBody>
-      </p:sp>
-      <p:sp>
-        <p:nvSpPr>
-          <p:cNvPr id="5" name="Segnaposto numero diapositiva 4">
+              <a:rPr lang="it-IT" sz="2000" b="1" dirty="0">
+                <a:latin typeface="LMSans10-Regular"/>
+              </a:rPr>
+              <a:t>(P) = max(X.(P &amp; [-]X));</a:t>
+            </a:r>
+          </a:p>
+          <a:p>
+            <a:pPr marL="274320" lvl="1" indent="0">
+              <a:buNone/>
+            </a:pPr>
+            <a:r>
+              <a:rPr lang="it-IT" sz="1600" dirty="0"/>
+              <a:t>Sempre vera la proprietà P.</a:t>
+            </a:r>
+          </a:p>
+          <a:p>
+            <a:r>
+              <a:rPr lang="it-IT" sz="2000" b="1" dirty="0">
+                <a:latin typeface="LMSans10-Regular"/>
+              </a:rPr>
+              <a:t>Pos(P) = min(X. (P | &lt;-&gt; X)); </a:t>
+            </a:r>
+          </a:p>
+          <a:p>
+            <a:pPr marL="274320" lvl="1" indent="0">
+              <a:buNone/>
+            </a:pPr>
+            <a:r>
+              <a:rPr lang="it-IT" sz="1600" dirty="0"/>
+              <a:t>Esiste un stato in cui vale la proprietà P.</a:t>
+            </a:r>
+          </a:p>
+          <a:p>
+            <a:r>
+              <a:rPr lang="it-IT" sz="2000" b="1" dirty="0" err="1">
+                <a:latin typeface="LMSans10-Regular"/>
+              </a:rPr>
+              <a:t>WeakEven</a:t>
+            </a:r>
+            <a:r>
+              <a:rPr lang="it-IT" sz="2000" b="1" dirty="0">
+                <a:latin typeface="LMSans10-Regular"/>
+              </a:rPr>
+              <a:t>(P) = min(X. (P | «</a:t>
+            </a:r>
+            <a:r>
+              <a:rPr lang="it-IT" sz="2000" b="1" dirty="0" err="1">
+                <a:latin typeface="LMSans10-Regular"/>
+              </a:rPr>
+              <a:t>eps</a:t>
+            </a:r>
+            <a:r>
+              <a:rPr lang="it-IT" sz="2000" b="1" dirty="0">
+                <a:latin typeface="LMSans10-Regular"/>
+              </a:rPr>
+              <a:t>»&lt;-tau&gt;«</a:t>
+            </a:r>
+            <a:r>
+              <a:rPr lang="it-IT" sz="2000" b="1" dirty="0" err="1">
+                <a:latin typeface="LMSans10-Regular"/>
+              </a:rPr>
+              <a:t>eps»T</a:t>
+            </a:r>
+            <a:r>
+              <a:rPr lang="it-IT" sz="2000" b="1" dirty="0">
+                <a:latin typeface="LMSans10-Regular"/>
+              </a:rPr>
+              <a:t> &amp; [[</a:t>
+            </a:r>
+            <a:r>
+              <a:rPr lang="it-IT" sz="2000" b="1" dirty="0" err="1">
+                <a:latin typeface="LMSans10-Regular"/>
+              </a:rPr>
+              <a:t>eps</a:t>
+            </a:r>
+            <a:r>
+              <a:rPr lang="it-IT" sz="2000" b="1" dirty="0">
+                <a:latin typeface="LMSans10-Regular"/>
+              </a:rPr>
+              <a:t>]][-tau][[</a:t>
+            </a:r>
+            <a:r>
+              <a:rPr lang="it-IT" sz="2000" b="1" dirty="0" err="1">
+                <a:latin typeface="LMSans10-Regular"/>
+              </a:rPr>
+              <a:t>eps</a:t>
+            </a:r>
+            <a:r>
+              <a:rPr lang="it-IT" sz="2000" b="1" dirty="0">
+                <a:latin typeface="LMSans10-Regular"/>
+              </a:rPr>
+              <a:t>]] X )));</a:t>
+            </a:r>
+          </a:p>
+          <a:p>
+            <a:pPr marL="274320" lvl="1" indent="0">
+              <a:buNone/>
+            </a:pPr>
+            <a:r>
+              <a:rPr lang="it-IT" sz="1600" dirty="0"/>
+              <a:t>P vale subito oppure in qualsiasi modo si avanzi poi P è vero. Quindi è possibile fare un passo non interno e comunque lo si faccia poi ad un certo punto P è vero.</a:t>
+            </a:r>
+          </a:p>
+          <a:p>
+            <a:r>
+              <a:rPr lang="it-IT" sz="2000" b="1" dirty="0" err="1">
+                <a:latin typeface="LMSans10-Regular"/>
+              </a:rPr>
+              <a:t>WUntil</a:t>
+            </a:r>
+            <a:r>
+              <a:rPr lang="it-IT" sz="2000" b="1" dirty="0">
+                <a:latin typeface="LMSans10-Regular"/>
+              </a:rPr>
+              <a:t>(P,Q) = max(X. Q | (P &amp; [-]X)); </a:t>
+            </a:r>
+          </a:p>
+          <a:p>
+            <a:pPr marL="274320" lvl="1" indent="0">
+              <a:buNone/>
+            </a:pPr>
+            <a:r>
+              <a:rPr lang="it-IT" sz="1600" dirty="0" err="1"/>
+              <a:t>Until</a:t>
+            </a:r>
+            <a:r>
+              <a:rPr lang="it-IT" sz="1600" dirty="0"/>
+              <a:t> in versione </a:t>
+            </a:r>
+            <a:r>
+              <a:rPr lang="it-IT" sz="1600" dirty="0" err="1"/>
+              <a:t>weak</a:t>
+            </a:r>
+            <a:r>
+              <a:rPr lang="it-IT" sz="1600" dirty="0"/>
+              <a:t>. Vale la proprietà P finché non diventa vera Q cioè l’esecuzione arriva un stato dove è possibile eseguire ciò che indica Q.</a:t>
+            </a:r>
+          </a:p>
+        </p:txBody>
+      </p:sp>
+      <p:sp>
+        <p:nvSpPr>
+          <p:cNvPr id="4" name="Segnaposto numero diapositiva 3">
             <a:extLst>
               <a:ext uri="{FF2B5EF4-FFF2-40B4-BE49-F238E27FC236}">
-                <a16:creationId xmlns:a16="http://schemas.microsoft.com/office/drawing/2014/main" id="{11F1D534-0480-4C9F-B3E3-7B6898428E17}"/>
+                <a16:creationId xmlns:a16="http://schemas.microsoft.com/office/drawing/2014/main" id="{C7ECCD4C-EC0F-4DF2-BC7D-9108DE0D5770}"/>
               </a:ext>
             </a:extLst>
           </p:cNvPr>
@@ -6320,7 +6229,7 @@
             </a:fld>
             <a:r>
               <a:rPr lang="en-US" dirty="0"/>
-              <a:t>/24</a:t>
+              <a:t>/25</a:t>
             </a:r>
           </a:p>
         </p:txBody>
@@ -6328,7 +6237,7 @@
     </p:spTree>
     <p:extLst>
       <p:ext uri="{BB962C8B-B14F-4D97-AF65-F5344CB8AC3E}">
-        <p14:creationId xmlns:p14="http://schemas.microsoft.com/office/powerpoint/2010/main" val="501616756"/>
+        <p14:creationId xmlns:p14="http://schemas.microsoft.com/office/powerpoint/2010/main" val="1793306859"/>
       </p:ext>
     </p:extLst>
   </p:cSld>
@@ -6360,7 +6269,7 @@
           <p:cNvPr id="2" name="Titolo 1">
             <a:extLst>
               <a:ext uri="{FF2B5EF4-FFF2-40B4-BE49-F238E27FC236}">
-                <a16:creationId xmlns:a16="http://schemas.microsoft.com/office/drawing/2014/main" id="{826F8336-9AA8-4E84-91EC-5EBA148F68C4}"/>
+                <a16:creationId xmlns:a16="http://schemas.microsoft.com/office/drawing/2014/main" id="{11D20D25-A0B1-4ADB-BA2E-166543FB2244}"/>
               </a:ext>
             </a:extLst>
           </p:cNvPr>
@@ -6378,13 +6287,8 @@
           <a:p>
             <a:r>
               <a:rPr lang="it-IT" dirty="0"/>
-              <a:t>Presenza di </a:t>
-            </a:r>
-            <a:r>
-              <a:rPr lang="it-IT" dirty="0" err="1"/>
-              <a:t>Livelock</a:t>
-            </a:r>
-            <a:endParaRPr lang="it-IT" dirty="0"/>
+              <a:t>Assenza di deadlock</a:t>
+            </a:r>
           </a:p>
         </p:txBody>
       </p:sp>
@@ -6393,7 +6297,7 @@
           <p:cNvPr id="3" name="Segnaposto contenuto 2">
             <a:extLst>
               <a:ext uri="{FF2B5EF4-FFF2-40B4-BE49-F238E27FC236}">
-                <a16:creationId xmlns:a16="http://schemas.microsoft.com/office/drawing/2014/main" id="{B139232C-BC82-47F0-9F38-6DAB6CF0AF51}"/>
+                <a16:creationId xmlns:a16="http://schemas.microsoft.com/office/drawing/2014/main" id="{71D110A7-8EF2-434B-AEE6-DF8B5854F391}"/>
               </a:ext>
             </a:extLst>
           </p:cNvPr>
@@ -6411,123 +6315,106 @@
           </a:bodyPr>
           <a:lstStyle/>
           <a:p>
+            <a:pPr marL="0" indent="0">
+              <a:buNone/>
+            </a:pPr>
+            <a:r>
+              <a:rPr lang="it-IT" sz="1800" dirty="0"/>
+              <a:t>Il sistema riesce sempre a eseguire un passo senza rimanere bloccato.</a:t>
+            </a:r>
+          </a:p>
+          <a:p>
+            <a:pPr marL="0" indent="0">
+              <a:buNone/>
+            </a:pPr>
+            <a:endParaRPr lang="it-IT" sz="1800" dirty="0"/>
+          </a:p>
+          <a:p>
             <a:pPr marL="0" indent="0" algn="ctr">
               <a:buNone/>
             </a:pPr>
-            <a:endParaRPr lang="it-IT" sz="1800" b="1" dirty="0"/>
+            <a:r>
+              <a:rPr lang="it-IT" sz="2200" b="1" dirty="0" err="1">
+                <a:latin typeface="LMSans10-Regular"/>
+              </a:rPr>
+              <a:t>NoDeadlock</a:t>
+            </a:r>
+            <a:r>
+              <a:rPr lang="it-IT" sz="2200" b="1" dirty="0">
+                <a:latin typeface="LMSans10-Regular"/>
+              </a:rPr>
+              <a:t> = </a:t>
+            </a:r>
+            <a:r>
+              <a:rPr lang="it-IT" sz="2200" b="1" dirty="0" err="1">
+                <a:latin typeface="LMSans10-Regular"/>
+              </a:rPr>
+              <a:t>Inv</a:t>
+            </a:r>
+            <a:r>
+              <a:rPr lang="it-IT" sz="2200" b="1" dirty="0">
+                <a:latin typeface="LMSans10-Regular"/>
+              </a:rPr>
+              <a:t>(&lt;-&gt;T);</a:t>
+            </a:r>
           </a:p>
           <a:p>
             <a:pPr marL="0" indent="0" algn="ctr">
               <a:buNone/>
             </a:pPr>
-            <a:r>
-              <a:rPr lang="it-IT" sz="2000" b="1" dirty="0" err="1">
-                <a:latin typeface="LMSans10-Regular"/>
-              </a:rPr>
-              <a:t>TauLoop</a:t>
-            </a:r>
-            <a:r>
-              <a:rPr lang="it-IT" sz="2000" b="1" dirty="0">
-                <a:latin typeface="LMSans10-Regular"/>
-              </a:rPr>
-              <a:t> = max (X. &lt;tau&gt; X);</a:t>
-            </a:r>
-          </a:p>
-          <a:p>
-            <a:pPr marL="0" indent="0" algn="ctr">
-              <a:buNone/>
-            </a:pPr>
-            <a:r>
-              <a:rPr lang="it-IT" sz="2000" b="1" dirty="0" err="1">
-                <a:latin typeface="LMSans10-Regular"/>
-              </a:rPr>
-              <a:t>Livelock</a:t>
-            </a:r>
-            <a:r>
-              <a:rPr lang="it-IT" sz="2000" b="1" dirty="0">
-                <a:latin typeface="LMSans10-Regular"/>
-              </a:rPr>
-              <a:t> = Pos( </a:t>
-            </a:r>
-            <a:r>
-              <a:rPr lang="it-IT" sz="2000" b="1" dirty="0" err="1">
-                <a:latin typeface="LMSans10-Regular"/>
-              </a:rPr>
-              <a:t>TauLoop</a:t>
-            </a:r>
-            <a:r>
-              <a:rPr lang="it-IT" sz="2000" b="1" dirty="0">
-                <a:latin typeface="LMSans10-Regular"/>
-              </a:rPr>
-              <a:t> );</a:t>
-            </a:r>
-          </a:p>
-          <a:p>
-            <a:pPr marL="0" indent="0" algn="ctr">
-              <a:buNone/>
-            </a:pPr>
-            <a:endParaRPr lang="it-IT" sz="1800" b="1" dirty="0"/>
+            <a:endParaRPr lang="it-IT" sz="2400" dirty="0">
+              <a:latin typeface="LMSans10-Regular"/>
+            </a:endParaRPr>
           </a:p>
           <a:p>
             <a:pPr marL="0" indent="0">
               <a:buNone/>
             </a:pPr>
             <a:r>
-              <a:rPr lang="it-IT" sz="2000" dirty="0"/>
-              <a:t>Attraverso </a:t>
-            </a:r>
-            <a:r>
-              <a:rPr lang="it-IT" sz="2000" b="1" dirty="0" err="1"/>
+              <a:rPr lang="it-IT" sz="1800" dirty="0"/>
+              <a:t>Con il commando </a:t>
+            </a:r>
+            <a:r>
+              <a:rPr lang="it-IT" sz="1800" b="1" dirty="0" err="1"/>
               <a:t>checkprop</a:t>
             </a:r>
             <a:r>
-              <a:rPr lang="it-IT" sz="2000" b="1" dirty="0"/>
+              <a:rPr lang="it-IT" sz="1800" b="1" dirty="0"/>
               <a:t>(</a:t>
             </a:r>
             <a:r>
-              <a:rPr lang="it-IT" sz="2000" b="1" dirty="0" err="1"/>
+              <a:rPr lang="it-IT" sz="1800" b="1" dirty="0" err="1"/>
               <a:t>Sys</a:t>
             </a:r>
             <a:r>
-              <a:rPr lang="it-IT" sz="2000" b="1" dirty="0"/>
+              <a:rPr lang="it-IT" sz="1800" b="1" dirty="0"/>
               <a:t>, </a:t>
             </a:r>
             <a:r>
-              <a:rPr lang="it-IT" sz="2000" b="1" dirty="0" err="1"/>
-              <a:t>Livelock</a:t>
-            </a:r>
-            <a:r>
-              <a:rPr lang="it-IT" sz="2000" b="1" dirty="0"/>
+              <a:rPr lang="it-IT" sz="1800" b="1" dirty="0" err="1"/>
+              <a:t>Nodeadlock</a:t>
+            </a:r>
+            <a:r>
+              <a:rPr lang="it-IT" sz="1800" b="1" dirty="0"/>
               <a:t>) </a:t>
             </a:r>
             <a:r>
-              <a:rPr lang="it-IT" sz="2000" dirty="0"/>
+              <a:rPr lang="it-IT" sz="1800" dirty="0"/>
               <a:t>si ottiene </a:t>
             </a:r>
             <a:r>
-              <a:rPr lang="it-IT" sz="2000" b="1" dirty="0"/>
-              <a:t>False</a:t>
-            </a:r>
-            <a:r>
-              <a:rPr lang="it-IT" sz="2000" dirty="0"/>
-              <a:t>.</a:t>
-            </a:r>
+              <a:rPr lang="it-IT" sz="1800" b="1" dirty="0"/>
+              <a:t>True.</a:t>
+            </a:r>
+            <a:endParaRPr lang="it-IT" sz="1800" dirty="0"/>
           </a:p>
           <a:p>
             <a:pPr marL="0" indent="0">
               <a:buNone/>
             </a:pPr>
             <a:r>
-              <a:rPr lang="it-IT" sz="2000" dirty="0"/>
-              <a:t>Non vi è la presenza di </a:t>
-            </a:r>
-            <a:r>
-              <a:rPr lang="it-IT" sz="2000" dirty="0" err="1"/>
-              <a:t>Livelock</a:t>
-            </a:r>
-            <a:r>
-              <a:rPr lang="it-IT" sz="2000" dirty="0"/>
-              <a:t>.</a:t>
+              <a:rPr lang="it-IT" sz="1800" dirty="0"/>
+              <a:t>Il sistema non va mai in deadlock.</a:t>
             </a:r>
           </a:p>
         </p:txBody>
@@ -6537,7 +6424,7 @@
           <p:cNvPr id="5" name="Segnaposto numero diapositiva 4">
             <a:extLst>
               <a:ext uri="{FF2B5EF4-FFF2-40B4-BE49-F238E27FC236}">
-                <a16:creationId xmlns:a16="http://schemas.microsoft.com/office/drawing/2014/main" id="{B9112A8D-36C4-47C0-BEBE-42AFD4046296}"/>
+                <a16:creationId xmlns:a16="http://schemas.microsoft.com/office/drawing/2014/main" id="{11F1D534-0480-4C9F-B3E3-7B6898428E17}"/>
               </a:ext>
             </a:extLst>
           </p:cNvPr>
@@ -6560,7 +6447,7 @@
             </a:fld>
             <a:r>
               <a:rPr lang="en-US" dirty="0"/>
-              <a:t>/24</a:t>
+              <a:t>/25</a:t>
             </a:r>
           </a:p>
         </p:txBody>
@@ -6568,7 +6455,7 @@
     </p:spTree>
     <p:extLst>
       <p:ext uri="{BB962C8B-B14F-4D97-AF65-F5344CB8AC3E}">
-        <p14:creationId xmlns:p14="http://schemas.microsoft.com/office/powerpoint/2010/main" val="1619566643"/>
+        <p14:creationId xmlns:p14="http://schemas.microsoft.com/office/powerpoint/2010/main" val="501616756"/>
       </p:ext>
     </p:extLst>
   </p:cSld>
@@ -6600,7 +6487,7 @@
           <p:cNvPr id="2" name="Titolo 1">
             <a:extLst>
               <a:ext uri="{FF2B5EF4-FFF2-40B4-BE49-F238E27FC236}">
-                <a16:creationId xmlns:a16="http://schemas.microsoft.com/office/drawing/2014/main" id="{140B69D8-8E17-4948-8BBD-3AA38FF02906}"/>
+                <a16:creationId xmlns:a16="http://schemas.microsoft.com/office/drawing/2014/main" id="{826F8336-9AA8-4E84-91EC-5EBA148F68C4}"/>
               </a:ext>
             </a:extLst>
           </p:cNvPr>
@@ -6618,8 +6505,13 @@
           <a:p>
             <a:r>
               <a:rPr lang="it-IT" dirty="0"/>
-              <a:t>Mutua esclusione contatore</a:t>
-            </a:r>
+              <a:t>Presenza di </a:t>
+            </a:r>
+            <a:r>
+              <a:rPr lang="it-IT" dirty="0" err="1"/>
+              <a:t>Livelock</a:t>
+            </a:r>
+            <a:endParaRPr lang="it-IT" dirty="0"/>
           </a:p>
         </p:txBody>
       </p:sp>
@@ -6628,7 +6520,7 @@
           <p:cNvPr id="3" name="Segnaposto contenuto 2">
             <a:extLst>
               <a:ext uri="{FF2B5EF4-FFF2-40B4-BE49-F238E27FC236}">
-                <a16:creationId xmlns:a16="http://schemas.microsoft.com/office/drawing/2014/main" id="{16BF2A75-5829-4942-8CBE-0FDDBC3A91C2}"/>
+                <a16:creationId xmlns:a16="http://schemas.microsoft.com/office/drawing/2014/main" id="{B139232C-BC82-47F0-9F38-6DAB6CF0AF51}"/>
               </a:ext>
             </a:extLst>
           </p:cNvPr>
@@ -6646,28 +6538,106 @@
           </a:bodyPr>
           <a:lstStyle/>
           <a:p>
+            <a:pPr marL="0" indent="0" algn="ctr">
+              <a:buNone/>
+            </a:pPr>
+            <a:endParaRPr lang="it-IT" sz="1800" b="1" dirty="0"/>
+          </a:p>
+          <a:p>
+            <a:pPr marL="0" indent="0" algn="ctr">
+              <a:buNone/>
+            </a:pPr>
+            <a:r>
+              <a:rPr lang="it-IT" sz="2000" b="1" dirty="0" err="1">
+                <a:latin typeface="LMSans10-Regular"/>
+              </a:rPr>
+              <a:t>TauLoop</a:t>
+            </a:r>
+            <a:r>
+              <a:rPr lang="it-IT" sz="2000" b="1" dirty="0">
+                <a:latin typeface="LMSans10-Regular"/>
+              </a:rPr>
+              <a:t> = max (X. &lt;tau&gt; X);</a:t>
+            </a:r>
+          </a:p>
+          <a:p>
+            <a:pPr marL="0" indent="0" algn="ctr">
+              <a:buNone/>
+            </a:pPr>
+            <a:r>
+              <a:rPr lang="it-IT" sz="2000" b="1" dirty="0" err="1">
+                <a:latin typeface="LMSans10-Regular"/>
+              </a:rPr>
+              <a:t>Livelock</a:t>
+            </a:r>
+            <a:r>
+              <a:rPr lang="it-IT" sz="2000" b="1" dirty="0">
+                <a:latin typeface="LMSans10-Regular"/>
+              </a:rPr>
+              <a:t> = Pos( </a:t>
+            </a:r>
+            <a:r>
+              <a:rPr lang="it-IT" sz="2000" b="1" dirty="0" err="1">
+                <a:latin typeface="LMSans10-Regular"/>
+              </a:rPr>
+              <a:t>TauLoop</a:t>
+            </a:r>
+            <a:r>
+              <a:rPr lang="it-IT" sz="2000" b="1" dirty="0">
+                <a:latin typeface="LMSans10-Regular"/>
+              </a:rPr>
+              <a:t> );</a:t>
+            </a:r>
+          </a:p>
+          <a:p>
+            <a:pPr marL="0" indent="0" algn="ctr">
+              <a:buNone/>
+            </a:pPr>
+            <a:endParaRPr lang="it-IT" sz="1800" b="1" dirty="0"/>
+          </a:p>
+          <a:p>
             <a:pPr marL="0" indent="0">
               <a:buNone/>
             </a:pPr>
             <a:r>
-              <a:rPr lang="it-IT" sz="1800" dirty="0"/>
-              <a:t>Al più un solo processo </a:t>
-            </a:r>
-            <a:r>
-              <a:rPr lang="it-IT" sz="1800" b="1" dirty="0">
-                <a:latin typeface="LMSans10-Regular"/>
-              </a:rPr>
-              <a:t>Customer-</a:t>
-            </a:r>
-            <a:r>
-              <a:rPr lang="it-IT" sz="1800" b="1" i="1" dirty="0">
-                <a:latin typeface="LMSans10-Regular"/>
-              </a:rPr>
-              <a:t>i</a:t>
-            </a:r>
-            <a:r>
-              <a:rPr lang="it-IT" sz="1800" dirty="0"/>
-              <a:t> può modificare il contatore </a:t>
+              <a:rPr lang="it-IT" sz="2000" dirty="0"/>
+              <a:t>Attraverso </a:t>
+            </a:r>
+            <a:r>
+              <a:rPr lang="it-IT" sz="2000" b="1" dirty="0" err="1"/>
+              <a:t>checkprop</a:t>
+            </a:r>
+            <a:r>
+              <a:rPr lang="it-IT" sz="2000" b="1" dirty="0"/>
+              <a:t>(</a:t>
+            </a:r>
+            <a:r>
+              <a:rPr lang="it-IT" sz="2000" b="1" dirty="0" err="1"/>
+              <a:t>Sys</a:t>
+            </a:r>
+            <a:r>
+              <a:rPr lang="it-IT" sz="2000" b="1" dirty="0"/>
+              <a:t>, </a:t>
+            </a:r>
+            <a:r>
+              <a:rPr lang="it-IT" sz="2000" b="1" dirty="0" err="1"/>
+              <a:t>Livelock</a:t>
+            </a:r>
+            <a:r>
+              <a:rPr lang="it-IT" sz="2000" b="1" dirty="0"/>
+              <a:t>) </a:t>
+            </a:r>
+            <a:r>
+              <a:rPr lang="it-IT" sz="2000" dirty="0"/>
+              <a:t>si ottiene </a:t>
+            </a:r>
+            <a:r>
+              <a:rPr lang="it-IT" sz="2000" b="1" dirty="0"/>
+              <a:t>False</a:t>
+            </a:r>
+            <a:r>
+              <a:rPr lang="it-IT" sz="2000" dirty="0"/>
+              <a:t>.</a:t>
             </a:r>
           </a:p>
           <a:p>
@@ -6675,118 +6645,16 @@
               <a:buNone/>
             </a:pPr>
             <a:r>
-              <a:rPr lang="it-IT" sz="1800" dirty="0"/>
-              <a:t>È sempre vero che al più solo uno dei tre processi è in grado di fare </a:t>
-            </a:r>
-            <a:r>
-              <a:rPr lang="it-IT" sz="1800" b="1" dirty="0">
-                <a:latin typeface="LMSans10-Regular"/>
-              </a:rPr>
-              <a:t>exit-</a:t>
-            </a:r>
-            <a:r>
-              <a:rPr lang="it-IT" sz="1800" b="1" i="1" dirty="0">
-                <a:latin typeface="LMSans10-Regular"/>
-              </a:rPr>
-              <a:t>i</a:t>
-            </a:r>
-            <a:r>
-              <a:rPr lang="it-IT" sz="1800" dirty="0"/>
+              <a:rPr lang="it-IT" sz="2000" dirty="0"/>
+              <a:t>Non vi è la presenza di </a:t>
+            </a:r>
+            <a:r>
+              <a:rPr lang="it-IT" sz="2000" dirty="0" err="1"/>
+              <a:t>Livelock</a:t>
+            </a:r>
+            <a:r>
+              <a:rPr lang="it-IT" sz="2000" dirty="0"/>
               <a:t>.</a:t>
-            </a:r>
-          </a:p>
-          <a:p>
-            <a:pPr marL="0" indent="0">
-              <a:buNone/>
-            </a:pPr>
-            <a:endParaRPr lang="it-IT" sz="1800" dirty="0"/>
-          </a:p>
-          <a:p>
-            <a:pPr marL="0" indent="0" algn="ctr">
-              <a:buNone/>
-            </a:pPr>
-            <a:r>
-              <a:rPr lang="it-IT" sz="2000" b="1" dirty="0" err="1">
-                <a:latin typeface="LMSans10-Regular"/>
-              </a:rPr>
-              <a:t>MutexC</a:t>
-            </a:r>
-            <a:r>
-              <a:rPr lang="it-IT" sz="2000" b="1" dirty="0">
-                <a:latin typeface="LMSans10-Regular"/>
-              </a:rPr>
-              <a:t> = </a:t>
-            </a:r>
-            <a:r>
-              <a:rPr lang="it-IT" sz="2000" b="1" dirty="0" err="1">
-                <a:latin typeface="LMSans10-Regular"/>
-              </a:rPr>
-              <a:t>Inv</a:t>
-            </a:r>
-            <a:r>
-              <a:rPr lang="it-IT" sz="2000" b="1" dirty="0">
-                <a:latin typeface="LMSans10-Regular"/>
-              </a:rPr>
-              <a:t>( ([[exit1]]F | [[exit2]]F) &amp; ([[exit2]]F | [[exit3]]F) &amp; ([[exit1]]F | [[exit3]]F));</a:t>
-            </a:r>
-          </a:p>
-          <a:p>
-            <a:pPr marL="0" indent="0">
-              <a:buNone/>
-            </a:pPr>
-            <a:endParaRPr lang="it-IT" sz="1800" b="1" dirty="0">
-              <a:latin typeface="LMSans10-Regular"/>
-            </a:endParaRPr>
-          </a:p>
-          <a:p>
-            <a:pPr marL="0" indent="0">
-              <a:buNone/>
-            </a:pPr>
-            <a:r>
-              <a:rPr lang="it-IT" sz="1800" dirty="0"/>
-              <a:t>Con il commando </a:t>
-            </a:r>
-            <a:r>
-              <a:rPr lang="it-IT" sz="1800" b="1" dirty="0" err="1"/>
-              <a:t>checkprop</a:t>
-            </a:r>
-            <a:r>
-              <a:rPr lang="it-IT" sz="1800" b="1" dirty="0"/>
-              <a:t>(</a:t>
-            </a:r>
-            <a:r>
-              <a:rPr lang="it-IT" sz="1800" b="1" dirty="0" err="1"/>
-              <a:t>Sys</a:t>
-            </a:r>
-            <a:r>
-              <a:rPr lang="it-IT" sz="1800" b="1" dirty="0"/>
-              <a:t>, </a:t>
-            </a:r>
-            <a:r>
-              <a:rPr lang="it-IT" sz="1800" b="1" dirty="0" err="1"/>
-              <a:t>MutexC</a:t>
-            </a:r>
-            <a:r>
-              <a:rPr lang="it-IT" sz="1800" b="1" dirty="0"/>
-              <a:t>) </a:t>
-            </a:r>
-            <a:r>
-              <a:rPr lang="it-IT" sz="1800" dirty="0"/>
-              <a:t>si ottiene </a:t>
-            </a:r>
-            <a:r>
-              <a:rPr lang="it-IT" sz="1800" b="1" dirty="0"/>
-              <a:t>True.</a:t>
-            </a:r>
-            <a:endParaRPr lang="it-IT" sz="1800" dirty="0"/>
-          </a:p>
-          <a:p>
-            <a:pPr marL="0" indent="0">
-              <a:buNone/>
-            </a:pPr>
-            <a:r>
-              <a:rPr lang="it-IT" sz="1800" dirty="0"/>
-              <a:t>Vale la mutua esclusione.</a:t>
             </a:r>
           </a:p>
         </p:txBody>
@@ -6796,7 +6664,7 @@
           <p:cNvPr id="5" name="Segnaposto numero diapositiva 4">
             <a:extLst>
               <a:ext uri="{FF2B5EF4-FFF2-40B4-BE49-F238E27FC236}">
-                <a16:creationId xmlns:a16="http://schemas.microsoft.com/office/drawing/2014/main" id="{33B77F62-0340-4BC3-ADF8-C1C2F34C4240}"/>
+                <a16:creationId xmlns:a16="http://schemas.microsoft.com/office/drawing/2014/main" id="{B9112A8D-36C4-47C0-BEBE-42AFD4046296}"/>
               </a:ext>
             </a:extLst>
           </p:cNvPr>
@@ -6819,7 +6687,7 @@
             </a:fld>
             <a:r>
               <a:rPr lang="en-US" dirty="0"/>
-              <a:t>/24</a:t>
+              <a:t>/25</a:t>
             </a:r>
           </a:p>
         </p:txBody>
@@ -6827,7 +6695,7 @@
     </p:spTree>
     <p:extLst>
       <p:ext uri="{BB962C8B-B14F-4D97-AF65-F5344CB8AC3E}">
-        <p14:creationId xmlns:p14="http://schemas.microsoft.com/office/powerpoint/2010/main" val="1955208778"/>
+        <p14:creationId xmlns:p14="http://schemas.microsoft.com/office/powerpoint/2010/main" val="1619566643"/>
       </p:ext>
     </p:extLst>
   </p:cSld>
@@ -6859,7 +6727,7 @@
           <p:cNvPr id="2" name="Titolo 1">
             <a:extLst>
               <a:ext uri="{FF2B5EF4-FFF2-40B4-BE49-F238E27FC236}">
-                <a16:creationId xmlns:a16="http://schemas.microsoft.com/office/drawing/2014/main" id="{7E0B0E7D-88D9-4BCB-992D-DB9B7666ED14}"/>
+                <a16:creationId xmlns:a16="http://schemas.microsoft.com/office/drawing/2014/main" id="{140B69D8-8E17-4948-8BBD-3AA38FF02906}"/>
               </a:ext>
             </a:extLst>
           </p:cNvPr>
@@ -6868,6 +6736,34 @@
           </p:cNvSpPr>
           <p:nvPr>
             <p:ph type="title"/>
+          </p:nvPr>
+        </p:nvSpPr>
+        <p:spPr/>
+        <p:txBody>
+          <a:bodyPr/>
+          <a:lstStyle/>
+          <a:p>
+            <a:r>
+              <a:rPr lang="it-IT" dirty="0"/>
+              <a:t>Mutua esclusione contatore</a:t>
+            </a:r>
+          </a:p>
+        </p:txBody>
+      </p:sp>
+      <p:sp>
+        <p:nvSpPr>
+          <p:cNvPr id="3" name="Segnaposto contenuto 2">
+            <a:extLst>
+              <a:ext uri="{FF2B5EF4-FFF2-40B4-BE49-F238E27FC236}">
+                <a16:creationId xmlns:a16="http://schemas.microsoft.com/office/drawing/2014/main" id="{16BF2A75-5829-4942-8CBE-0FDDBC3A91C2}"/>
+              </a:ext>
+            </a:extLst>
+          </p:cNvPr>
+          <p:cNvSpPr>
+            <a:spLocks noGrp="1"/>
+          </p:cNvSpPr>
+          <p:nvPr>
+            <p:ph idx="1"/>
           </p:nvPr>
         </p:nvSpPr>
         <p:spPr/>
@@ -6877,46 +6773,28 @@
           </a:bodyPr>
           <a:lstStyle/>
           <a:p>
-            <a:r>
-              <a:rPr lang="it-IT" dirty="0"/>
-              <a:t>Mutua</a:t>
-            </a:r>
-            <a:r>
-              <a:rPr lang="it-IT" sz="3600" dirty="0"/>
-              <a:t> esclusione nell’esecuzione del taglio</a:t>
-            </a:r>
-          </a:p>
-        </p:txBody>
-      </p:sp>
-      <p:sp>
-        <p:nvSpPr>
-          <p:cNvPr id="3" name="Segnaposto contenuto 2">
-            <a:extLst>
-              <a:ext uri="{FF2B5EF4-FFF2-40B4-BE49-F238E27FC236}">
-                <a16:creationId xmlns:a16="http://schemas.microsoft.com/office/drawing/2014/main" id="{3A27C00D-A7E8-42B9-8F3E-B2A1AC27C845}"/>
-              </a:ext>
-            </a:extLst>
-          </p:cNvPr>
-          <p:cNvSpPr>
-            <a:spLocks noGrp="1"/>
-          </p:cNvSpPr>
-          <p:nvPr>
-            <p:ph idx="1"/>
-          </p:nvPr>
-        </p:nvSpPr>
-        <p:spPr/>
-        <p:txBody>
-          <a:bodyPr>
-            <a:normAutofit/>
-          </a:bodyPr>
-          <a:lstStyle/>
-          <a:p>
             <a:pPr marL="0" indent="0">
               <a:buNone/>
             </a:pPr>
             <a:r>
               <a:rPr lang="it-IT" sz="1800" dirty="0"/>
-              <a:t>Ogni cliente viene servito uno alla volta.</a:t>
+              <a:t>Al più un solo processo </a:t>
+            </a:r>
+            <a:r>
+              <a:rPr lang="it-IT" sz="1800" b="1" dirty="0">
+                <a:latin typeface="LMSans10-Regular"/>
+              </a:rPr>
+              <a:t>Customer-</a:t>
+            </a:r>
+            <a:r>
+              <a:rPr lang="it-IT" sz="1800" b="1" i="1" dirty="0">
+                <a:latin typeface="LMSans10-Regular"/>
+              </a:rPr>
+              <a:t>i</a:t>
+            </a:r>
+            <a:r>
+              <a:rPr lang="it-IT" sz="1800" dirty="0"/>
+              <a:t> può modificare il contatore.</a:t>
             </a:r>
           </a:p>
           <a:p>
@@ -6928,16 +6806,10 @@
               <a:t>È sempre vero che al più solo uno dei tre processi è in grado di fare </a:t>
             </a:r>
             <a:r>
-              <a:rPr lang="it-IT" sz="1800" b="1" dirty="0" err="1">
-                <a:latin typeface="LMSans10-Regular"/>
-              </a:rPr>
-              <a:t>getHairCut</a:t>
-            </a:r>
-            <a:r>
               <a:rPr lang="it-IT" sz="1800" b="1" dirty="0">
                 <a:latin typeface="LMSans10-Regular"/>
               </a:rPr>
-              <a:t>-</a:t>
+              <a:t>exit-</a:t>
             </a:r>
             <a:r>
               <a:rPr lang="it-IT" sz="1800" b="1" i="1" dirty="0">
@@ -6964,7 +6836,7 @@
               <a:rPr lang="it-IT" sz="2000" b="1" dirty="0" err="1">
                 <a:latin typeface="LMSans10-Regular"/>
               </a:rPr>
-              <a:t>MutexB</a:t>
+              <a:t>MutexC</a:t>
             </a:r>
             <a:r>
               <a:rPr lang="it-IT" sz="2000" b="1" dirty="0">
@@ -6982,25 +6854,16 @@
               <a:rPr lang="it-IT" sz="2000" b="1" dirty="0">
                 <a:latin typeface="LMSans10-Regular"/>
               </a:rPr>
-              <a:t>(([[getHairCut1]]F | [[getHairCut2]]F) &amp; ([[getHairCut2]]F |</a:t>
-            </a:r>
-          </a:p>
-          <a:p>
-            <a:pPr marL="0" indent="0" algn="ctr">
-              <a:buNone/>
-            </a:pPr>
-            <a:r>
-              <a:rPr lang="it-IT" sz="2000" b="1" dirty="0">
-                <a:latin typeface="LMSans10-Regular"/>
-              </a:rPr>
-              <a:t>[[getHairCut3]]F) &amp; ([[getHairCut1]]F | [[getHairCut3]]F)); </a:t>
-            </a:r>
-          </a:p>
-          <a:p>
-            <a:pPr marL="0" indent="0" algn="ctr">
-              <a:buNone/>
-            </a:pPr>
-            <a:endParaRPr lang="it-IT" sz="2000" dirty="0"/>
+              <a:t>( ([[exit1]]F | [[exit2]]F) &amp; ([[exit2]]F | [[exit3]]F) &amp; ([[exit1]]F | [[exit3]]F));</a:t>
+            </a:r>
+          </a:p>
+          <a:p>
+            <a:pPr marL="0" indent="0">
+              <a:buNone/>
+            </a:pPr>
+            <a:endParaRPr lang="it-IT" sz="1800" b="1" dirty="0">
+              <a:latin typeface="LMSans10-Regular"/>
+            </a:endParaRPr>
           </a:p>
           <a:p>
             <a:pPr marL="0" indent="0">
@@ -7028,7 +6891,7 @@
             </a:r>
             <a:r>
               <a:rPr lang="it-IT" sz="1800" b="1" dirty="0" err="1"/>
-              <a:t>MutexB</a:t>
+              <a:t>MutexC</a:t>
             </a:r>
             <a:r>
               <a:rPr lang="it-IT" sz="1800" b="1" dirty="0"/>
@@ -7042,6 +6905,7 @@
               <a:rPr lang="it-IT" sz="1800" b="1" dirty="0"/>
               <a:t>True.</a:t>
             </a:r>
+            <a:endParaRPr lang="it-IT" sz="1800" dirty="0"/>
           </a:p>
           <a:p>
             <a:pPr marL="0" indent="0">
@@ -7059,7 +6923,7 @@
           <p:cNvPr id="5" name="Segnaposto numero diapositiva 4">
             <a:extLst>
               <a:ext uri="{FF2B5EF4-FFF2-40B4-BE49-F238E27FC236}">
-                <a16:creationId xmlns:a16="http://schemas.microsoft.com/office/drawing/2014/main" id="{90F56FB1-1526-4453-9F8B-D3492C9BEA62}"/>
+                <a16:creationId xmlns:a16="http://schemas.microsoft.com/office/drawing/2014/main" id="{33B77F62-0340-4BC3-ADF8-C1C2F34C4240}"/>
               </a:ext>
             </a:extLst>
           </p:cNvPr>
@@ -7082,7 +6946,7 @@
             </a:fld>
             <a:r>
               <a:rPr lang="en-US" dirty="0"/>
-              <a:t>/24</a:t>
+              <a:t>/25</a:t>
             </a:r>
           </a:p>
         </p:txBody>
@@ -7090,7 +6954,7 @@
     </p:spTree>
     <p:extLst>
       <p:ext uri="{BB962C8B-B14F-4D97-AF65-F5344CB8AC3E}">
-        <p14:creationId xmlns:p14="http://schemas.microsoft.com/office/powerpoint/2010/main" val="2418348252"/>
+        <p14:creationId xmlns:p14="http://schemas.microsoft.com/office/powerpoint/2010/main" val="1955208778"/>
       </p:ext>
     </p:extLst>
   </p:cSld>
@@ -7122,7 +6986,7 @@
           <p:cNvPr id="2" name="Titolo 1">
             <a:extLst>
               <a:ext uri="{FF2B5EF4-FFF2-40B4-BE49-F238E27FC236}">
-                <a16:creationId xmlns:a16="http://schemas.microsoft.com/office/drawing/2014/main" id="{6ADD48CA-A205-41B1-BE1C-46493E2F02F0}"/>
+                <a16:creationId xmlns:a16="http://schemas.microsoft.com/office/drawing/2014/main" id="{7E0B0E7D-88D9-4BCB-992D-DB9B7666ED14}"/>
               </a:ext>
             </a:extLst>
           </p:cNvPr>
@@ -7134,53 +6998,52 @@
           </p:nvPr>
         </p:nvSpPr>
         <p:spPr/>
-        <p:txBody>
-          <a:bodyPr>
-            <a:noAutofit/>
-          </a:bodyPr>
-          <a:lstStyle/>
-          <a:p>
-            <a:r>
-              <a:rPr lang="it-IT" sz="3000" dirty="0"/>
-              <a:t>Verifica comportamento del barbiere nell’attesa dell’arrivo di un nuovo cliente</a:t>
-            </a:r>
-          </a:p>
-        </p:txBody>
-      </p:sp>
-      <p:sp>
-        <p:nvSpPr>
-          <p:cNvPr id="3" name="Segnaposto contenuto 2">
-            <a:extLst>
-              <a:ext uri="{FF2B5EF4-FFF2-40B4-BE49-F238E27FC236}">
-                <a16:creationId xmlns:a16="http://schemas.microsoft.com/office/drawing/2014/main" id="{251D0A2A-BB7B-4CBD-98DA-CC908B0FA4AF}"/>
-              </a:ext>
-            </a:extLst>
-          </p:cNvPr>
-          <p:cNvSpPr>
-            <a:spLocks noGrp="1"/>
-          </p:cNvSpPr>
-          <p:nvPr>
-            <p:ph idx="1"/>
-          </p:nvPr>
-        </p:nvSpPr>
-        <p:spPr>
-          <a:xfrm>
-            <a:off x="725865" y="2103120"/>
-            <a:ext cx="10784263" cy="3849624"/>
-          </a:xfrm>
-        </p:spPr>
         <p:txBody>
           <a:bodyPr>
             <a:normAutofit/>
           </a:bodyPr>
           <a:lstStyle/>
           <a:p>
+            <a:r>
+              <a:rPr lang="it-IT" dirty="0"/>
+              <a:t>Mutua</a:t>
+            </a:r>
+            <a:r>
+              <a:rPr lang="it-IT" sz="3600" dirty="0"/>
+              <a:t> esclusione nell’esecuzione del taglio</a:t>
+            </a:r>
+          </a:p>
+        </p:txBody>
+      </p:sp>
+      <p:sp>
+        <p:nvSpPr>
+          <p:cNvPr id="3" name="Segnaposto contenuto 2">
+            <a:extLst>
+              <a:ext uri="{FF2B5EF4-FFF2-40B4-BE49-F238E27FC236}">
+                <a16:creationId xmlns:a16="http://schemas.microsoft.com/office/drawing/2014/main" id="{3A27C00D-A7E8-42B9-8F3E-B2A1AC27C845}"/>
+              </a:ext>
+            </a:extLst>
+          </p:cNvPr>
+          <p:cNvSpPr>
+            <a:spLocks noGrp="1"/>
+          </p:cNvSpPr>
+          <p:nvPr>
+            <p:ph idx="1"/>
+          </p:nvPr>
+        </p:nvSpPr>
+        <p:spPr/>
+        <p:txBody>
+          <a:bodyPr>
+            <a:normAutofit/>
+          </a:bodyPr>
+          <a:lstStyle/>
+          <a:p>
             <a:pPr marL="0" indent="0">
               <a:buNone/>
             </a:pPr>
             <a:r>
               <a:rPr lang="it-IT" sz="1800" dirty="0"/>
-              <a:t>Il barbiere aspetta, cioè dorme, finché non entra un cliente.</a:t>
+              <a:t>Ogni cliente viene servito uno alla volta.</a:t>
             </a:r>
           </a:p>
           <a:p>
@@ -7189,137 +7052,131 @@
             </a:pPr>
             <a:r>
               <a:rPr lang="it-IT" sz="1800" dirty="0"/>
-              <a:t>Si aggiungo i canali </a:t>
+              <a:t>È sempre vero che al più solo uno dei tre processi è in grado di fare </a:t>
             </a:r>
             <a:r>
               <a:rPr lang="it-IT" sz="1800" b="1" dirty="0" err="1">
                 <a:latin typeface="LMSans10-Regular"/>
               </a:rPr>
-              <a:t>entered</a:t>
+              <a:t>getHairCut</a:t>
+            </a:r>
+            <a:r>
+              <a:rPr lang="it-IT" sz="1800" b="1" dirty="0">
+                <a:latin typeface="LMSans10-Regular"/>
+              </a:rPr>
+              <a:t>-</a:t>
+            </a:r>
+            <a:r>
+              <a:rPr lang="it-IT" sz="1800" b="1" i="1" dirty="0">
+                <a:latin typeface="LMSans10-Regular"/>
+              </a:rPr>
+              <a:t>i</a:t>
             </a:r>
             <a:r>
               <a:rPr lang="it-IT" sz="1800" dirty="0"/>
-              <a:t> in tutti i processi</a:t>
-            </a:r>
-            <a:r>
-              <a:rPr lang="it-IT" sz="1800" b="1" dirty="0">
-                <a:latin typeface="LMSans10-Regular"/>
-              </a:rPr>
-              <a:t> C-</a:t>
-            </a:r>
-            <a:r>
-              <a:rPr lang="it-IT" sz="1800" b="1" i="1" dirty="0">
-                <a:latin typeface="LMSans10-Regular"/>
-              </a:rPr>
-              <a:t>i</a:t>
-            </a:r>
+              <a:t>.</a:t>
+            </a:r>
+          </a:p>
+          <a:p>
+            <a:pPr marL="0" indent="0">
+              <a:buNone/>
+            </a:pPr>
+            <a:endParaRPr lang="it-IT" sz="1800" dirty="0"/>
+          </a:p>
+          <a:p>
+            <a:pPr marL="0" indent="0" algn="ctr">
+              <a:buNone/>
+            </a:pPr>
+            <a:r>
+              <a:rPr lang="it-IT" sz="2000" b="1" dirty="0" err="1">
+                <a:latin typeface="LMSans10-Regular"/>
+              </a:rPr>
+              <a:t>MutexB</a:t>
+            </a:r>
+            <a:r>
+              <a:rPr lang="it-IT" sz="2000" b="1" dirty="0">
+                <a:latin typeface="LMSans10-Regular"/>
+              </a:rPr>
+              <a:t> = </a:t>
+            </a:r>
+            <a:r>
+              <a:rPr lang="it-IT" sz="2000" b="1" dirty="0" err="1">
+                <a:latin typeface="LMSans10-Regular"/>
+              </a:rPr>
+              <a:t>Inv</a:t>
+            </a:r>
+            <a:r>
+              <a:rPr lang="it-IT" sz="2000" b="1" dirty="0">
+                <a:latin typeface="LMSans10-Regular"/>
+              </a:rPr>
+              <a:t>(([[getHairCut1]]F | [[getHairCut2]]F) &amp; ([[getHairCut2]]F |</a:t>
+            </a:r>
+          </a:p>
+          <a:p>
+            <a:pPr marL="0" indent="0" algn="ctr">
+              <a:buNone/>
+            </a:pPr>
+            <a:r>
+              <a:rPr lang="it-IT" sz="2000" b="1" dirty="0">
+                <a:latin typeface="LMSans10-Regular"/>
+              </a:rPr>
+              <a:t>[[getHairCut3]]F) &amp; ([[getHairCut1]]F | [[getHairCut3]]F)); </a:t>
+            </a:r>
+          </a:p>
+          <a:p>
+            <a:pPr marL="0" indent="0" algn="ctr">
+              <a:buNone/>
+            </a:pPr>
+            <a:endParaRPr lang="it-IT" sz="2000" dirty="0"/>
+          </a:p>
+          <a:p>
+            <a:pPr marL="0" indent="0">
+              <a:buNone/>
+            </a:pPr>
             <a:r>
               <a:rPr lang="it-IT" sz="1800" dirty="0"/>
-              <a:t>, quindi:</a:t>
+              <a:t>Con il commando </a:t>
+            </a:r>
+            <a:r>
+              <a:rPr lang="it-IT" sz="1800" b="1" dirty="0" err="1"/>
+              <a:t>checkprop</a:t>
+            </a:r>
+            <a:r>
+              <a:rPr lang="it-IT" sz="1800" b="1" dirty="0"/>
+              <a:t>(</a:t>
+            </a:r>
+            <a:r>
+              <a:rPr lang="it-IT" sz="1800" b="1" dirty="0" err="1"/>
+              <a:t>Sys</a:t>
+            </a:r>
+            <a:r>
+              <a:rPr lang="it-IT" sz="1800" b="1" dirty="0"/>
+              <a:t>, </a:t>
+            </a:r>
+            <a:r>
+              <a:rPr lang="it-IT" sz="1800" b="1" dirty="0" err="1"/>
+              <a:t>MutexB</a:t>
+            </a:r>
+            <a:r>
+              <a:rPr lang="it-IT" sz="1800" b="1" dirty="0"/>
+              <a:t>) </a:t>
+            </a:r>
+            <a:r>
+              <a:rPr lang="it-IT" sz="1800" dirty="0"/>
+              <a:t>si ottiene </a:t>
+            </a:r>
+            <a:r>
+              <a:rPr lang="it-IT" sz="1800" b="1" dirty="0"/>
+              <a:t>True.</a:t>
             </a:r>
           </a:p>
           <a:p>
             <a:pPr marL="0" indent="0">
               <a:buNone/>
             </a:pPr>
-            <a:endParaRPr lang="it-IT" sz="1800" dirty="0"/>
-          </a:p>
-          <a:p>
-            <a:pPr marL="0" indent="0" algn="ctr">
-              <a:buNone/>
-            </a:pPr>
-            <a:r>
-              <a:rPr lang="it-IT" sz="2000" b="1" dirty="0">
-                <a:latin typeface="LMSans10-Regular"/>
-              </a:rPr>
-              <a:t>C-i = semCustomer.entered.’semBarber.getHairCut-i.semCustomerDone.’semBarberDone.</a:t>
-            </a:r>
-          </a:p>
-          <a:p>
-            <a:pPr marL="0" indent="0" algn="ctr">
-              <a:buNone/>
-            </a:pPr>
-            <a:r>
-              <a:rPr lang="it-IT" sz="2000" b="1" dirty="0">
-                <a:latin typeface="LMSans10-Regular"/>
-              </a:rPr>
-              <a:t>’enter.enter-i.exit-i.’</a:t>
-            </a:r>
-            <a:r>
-              <a:rPr lang="it-IT" sz="2000" b="1" dirty="0" err="1">
-                <a:latin typeface="LMSans10-Regular"/>
-              </a:rPr>
-              <a:t>decExit.Customer</a:t>
-            </a:r>
-            <a:r>
-              <a:rPr lang="it-IT" sz="2000" b="1" dirty="0">
-                <a:latin typeface="LMSans10-Regular"/>
-              </a:rPr>
-              <a:t>-i;</a:t>
-            </a:r>
-          </a:p>
-          <a:p>
-            <a:pPr marL="0" indent="0" algn="ctr">
-              <a:buNone/>
-            </a:pPr>
-            <a:endParaRPr lang="it-IT" sz="2000" b="1" dirty="0">
-              <a:latin typeface="LMSans10-Regular"/>
-            </a:endParaRPr>
-          </a:p>
-          <a:p>
-            <a:pPr marL="0" indent="0">
-              <a:buNone/>
-            </a:pPr>
             <a:r>
               <a:rPr lang="it-IT" sz="1800" dirty="0"/>
-              <a:t>Mentre nel processo </a:t>
-            </a:r>
-            <a:r>
-              <a:rPr lang="it-IT" sz="1800" b="1" dirty="0">
-                <a:latin typeface="LMSans10-Regular"/>
-              </a:rPr>
-              <a:t>Barber</a:t>
-            </a:r>
-            <a:r>
-              <a:rPr lang="it-IT" sz="1800" dirty="0"/>
-              <a:t> si aggiungono </a:t>
-            </a:r>
-            <a:r>
-              <a:rPr lang="it-IT" sz="1800" b="1" dirty="0" err="1">
-                <a:latin typeface="LMSans10-Regular"/>
-              </a:rPr>
-              <a:t>sleep</a:t>
-            </a:r>
-            <a:r>
-              <a:rPr lang="it-IT" sz="1800" dirty="0"/>
-              <a:t> e </a:t>
-            </a:r>
-            <a:r>
-              <a:rPr lang="it-IT" sz="1800" b="1" dirty="0" err="1">
-                <a:latin typeface="LMSans10-Regular"/>
-              </a:rPr>
-              <a:t>waked</a:t>
-            </a:r>
-            <a:r>
-              <a:rPr lang="it-IT" sz="1800" dirty="0"/>
-              <a:t>, quindi:</a:t>
-            </a:r>
-          </a:p>
-          <a:p>
-            <a:pPr marL="0" indent="0">
-              <a:buNone/>
-            </a:pPr>
-            <a:endParaRPr lang="it-IT" sz="1800" dirty="0"/>
-          </a:p>
-          <a:p>
-            <a:pPr marL="0" indent="0" algn="ctr">
-              <a:buNone/>
-            </a:pPr>
-            <a:r>
-              <a:rPr lang="it-IT" sz="2000" b="1" dirty="0">
-                <a:latin typeface="LMSans10-Regular"/>
-              </a:rPr>
-              <a:t>Barber = sleep.’semCustomer.waked.semBarber.cutHair.’semCustomerDone.semBarberDone.Barber; </a:t>
+              <a:t>Vale la mutua esclusione.</a:t>
             </a:r>
           </a:p>
         </p:txBody>
@@ -7329,7 +7186,7 @@
           <p:cNvPr id="5" name="Segnaposto numero diapositiva 4">
             <a:extLst>
               <a:ext uri="{FF2B5EF4-FFF2-40B4-BE49-F238E27FC236}">
-                <a16:creationId xmlns:a16="http://schemas.microsoft.com/office/drawing/2014/main" id="{A705B94C-0A9D-4899-A84A-ABE0D863F730}"/>
+                <a16:creationId xmlns:a16="http://schemas.microsoft.com/office/drawing/2014/main" id="{90F56FB1-1526-4453-9F8B-D3492C9BEA62}"/>
               </a:ext>
             </a:extLst>
           </p:cNvPr>
@@ -7352,7 +7209,7 @@
             </a:fld>
             <a:r>
               <a:rPr lang="en-US" dirty="0"/>
-              <a:t>/24</a:t>
+              <a:t>/25</a:t>
             </a:r>
           </a:p>
         </p:txBody>
@@ -7360,7 +7217,7 @@
     </p:spTree>
     <p:extLst>
       <p:ext uri="{BB962C8B-B14F-4D97-AF65-F5344CB8AC3E}">
-        <p14:creationId xmlns:p14="http://schemas.microsoft.com/office/powerpoint/2010/main" val="3611702261"/>
+        <p14:creationId xmlns:p14="http://schemas.microsoft.com/office/powerpoint/2010/main" val="2418348252"/>
       </p:ext>
     </p:extLst>
   </p:cSld>
@@ -7389,10 +7246,40 @@
       </p:grpSpPr>
       <p:sp>
         <p:nvSpPr>
+          <p:cNvPr id="2" name="Titolo 1">
+            <a:extLst>
+              <a:ext uri="{FF2B5EF4-FFF2-40B4-BE49-F238E27FC236}">
+                <a16:creationId xmlns:a16="http://schemas.microsoft.com/office/drawing/2014/main" id="{6ADD48CA-A205-41B1-BE1C-46493E2F02F0}"/>
+              </a:ext>
+            </a:extLst>
+          </p:cNvPr>
+          <p:cNvSpPr>
+            <a:spLocks noGrp="1"/>
+          </p:cNvSpPr>
+          <p:nvPr>
+            <p:ph type="title"/>
+          </p:nvPr>
+        </p:nvSpPr>
+        <p:spPr/>
+        <p:txBody>
+          <a:bodyPr>
+            <a:noAutofit/>
+          </a:bodyPr>
+          <a:lstStyle/>
+          <a:p>
+            <a:r>
+              <a:rPr lang="it-IT" sz="3000" dirty="0"/>
+              <a:t>Verifica comportamento del barbiere nell’attesa dell’arrivo di un nuovo cliente</a:t>
+            </a:r>
+          </a:p>
+        </p:txBody>
+      </p:sp>
+      <p:sp>
+        <p:nvSpPr>
           <p:cNvPr id="3" name="Segnaposto contenuto 2">
             <a:extLst>
               <a:ext uri="{FF2B5EF4-FFF2-40B4-BE49-F238E27FC236}">
-                <a16:creationId xmlns:a16="http://schemas.microsoft.com/office/drawing/2014/main" id="{02C19888-4BED-4DEB-B626-4654C576F3E1}"/>
+                <a16:creationId xmlns:a16="http://schemas.microsoft.com/office/drawing/2014/main" id="{251D0A2A-BB7B-4CBD-98DA-CC908B0FA4AF}"/>
               </a:ext>
             </a:extLst>
           </p:cNvPr>
@@ -7405,64 +7292,47 @@
         </p:nvSpPr>
         <p:spPr>
           <a:xfrm>
-            <a:off x="1066800" y="1555423"/>
-            <a:ext cx="10058400" cy="4397321"/>
+            <a:off x="725865" y="2103120"/>
+            <a:ext cx="10784263" cy="3849624"/>
           </a:xfrm>
         </p:spPr>
         <p:txBody>
-          <a:bodyPr/>
+          <a:bodyPr>
+            <a:normAutofit/>
+          </a:bodyPr>
           <a:lstStyle/>
           <a:p>
             <a:pPr marL="0" indent="0">
               <a:buNone/>
             </a:pPr>
             <a:r>
-              <a:rPr lang="it-IT" sz="1800" dirty="0">
-                <a:latin typeface="+mj-lt"/>
-              </a:rPr>
-              <a:t>È sempre vero che in qualunque modo venga eseguito </a:t>
+              <a:rPr lang="it-IT" sz="1800" dirty="0"/>
+              <a:t>Il barbiere aspetta, cioè dorme, finché non entra un cliente.</a:t>
+            </a:r>
+          </a:p>
+          <a:p>
+            <a:pPr marL="0" indent="0">
+              <a:buNone/>
+            </a:pPr>
+            <a:r>
+              <a:rPr lang="it-IT" sz="1800" dirty="0"/>
+              <a:t>Si aggiungo i canali </a:t>
             </a:r>
             <a:r>
               <a:rPr lang="it-IT" sz="1800" b="1" dirty="0" err="1">
                 <a:latin typeface="LMSans10-Regular"/>
               </a:rPr>
-              <a:t>sleep</a:t>
-            </a:r>
-            <a:r>
-              <a:rPr lang="it-IT" sz="1800" dirty="0">
-                <a:latin typeface="+mj-lt"/>
-              </a:rPr>
-              <a:t> è vero che il processo </a:t>
+              <a:t>entered</a:t>
+            </a:r>
+            <a:r>
+              <a:rPr lang="it-IT" sz="1800" dirty="0"/>
+              <a:t> in tutti i processi</a:t>
             </a:r>
             <a:r>
               <a:rPr lang="it-IT" sz="1800" b="1" dirty="0">
                 <a:latin typeface="LMSans10-Regular"/>
               </a:rPr>
-              <a:t>Barber</a:t>
-            </a:r>
-            <a:r>
-              <a:rPr lang="it-IT" sz="1800" dirty="0">
-                <a:latin typeface="+mj-lt"/>
-              </a:rPr>
-              <a:t> non sa fare </a:t>
-            </a:r>
-            <a:r>
-              <a:rPr lang="it-IT" sz="1800" b="1" dirty="0" err="1">
-                <a:latin typeface="LMSans10-Regular"/>
-              </a:rPr>
-              <a:t>waked</a:t>
-            </a:r>
-            <a:r>
-              <a:rPr lang="it-IT" sz="1800" dirty="0">
-                <a:latin typeface="+mj-lt"/>
-              </a:rPr>
-              <a:t> finché non diventa vero che un processo </a:t>
-            </a:r>
-            <a:r>
-              <a:rPr lang="it-IT" sz="1800" b="1" dirty="0">
-                <a:latin typeface="LMSans10-Regular"/>
-              </a:rPr>
-              <a:t>Customer-</a:t>
+              <a:t> C-</a:t>
             </a:r>
             <a:r>
               <a:rPr lang="it-IT" sz="1800" b="1" i="1" dirty="0">
@@ -7471,274 +7341,122 @@
               <a:t>i</a:t>
             </a:r>
             <a:r>
-              <a:rPr lang="it-IT" sz="1800" dirty="0">
-                <a:latin typeface="+mj-lt"/>
-              </a:rPr>
-              <a:t> può fare </a:t>
-            </a:r>
-            <a:r>
-              <a:rPr lang="it-IT" sz="1800" b="1" dirty="0" err="1">
-                <a:latin typeface="LMSans10-Regular"/>
-              </a:rPr>
-              <a:t>entered</a:t>
-            </a:r>
-            <a:r>
-              <a:rPr lang="it-IT" sz="1800" dirty="0">
-                <a:latin typeface="+mj-lt"/>
-              </a:rPr>
-              <a:t>.</a:t>
+              <a:rPr lang="it-IT" sz="1800" dirty="0"/>
+              <a:t>, quindi:</a:t>
             </a:r>
           </a:p>
           <a:p>
             <a:pPr marL="0" indent="0">
               <a:buNone/>
             </a:pPr>
-            <a:endParaRPr lang="it-IT" sz="1800" dirty="0">
-              <a:latin typeface="+mj-lt"/>
-            </a:endParaRPr>
+            <a:endParaRPr lang="it-IT" sz="1800" dirty="0"/>
           </a:p>
           <a:p>
             <a:pPr marL="0" indent="0" algn="ctr">
               <a:buNone/>
             </a:pPr>
             <a:r>
-              <a:rPr lang="en-US" sz="2000" b="1" dirty="0" err="1">
-                <a:latin typeface="LMSans10-Regular"/>
-              </a:rPr>
-              <a:t>UntilB</a:t>
-            </a:r>
-            <a:r>
-              <a:rPr lang="en-US" sz="2000" b="1" dirty="0">
-                <a:latin typeface="LMSans10-Regular"/>
-              </a:rPr>
-              <a:t> = Inv([[sleep]]</a:t>
-            </a:r>
-            <a:r>
-              <a:rPr lang="en-US" sz="2000" b="1" dirty="0" err="1">
-                <a:latin typeface="LMSans10-Regular"/>
-              </a:rPr>
-              <a:t>WUntil</a:t>
-            </a:r>
-            <a:r>
-              <a:rPr lang="en-US" sz="2000" b="1" dirty="0">
-                <a:latin typeface="LMSans10-Regular"/>
-              </a:rPr>
-              <a:t>([[waked]]F, «</a:t>
-            </a:r>
-            <a:r>
-              <a:rPr lang="en-US" sz="2000" b="1" dirty="0" err="1">
-                <a:latin typeface="LMSans10-Regular"/>
-              </a:rPr>
-              <a:t>entered»T</a:t>
-            </a:r>
-            <a:r>
-              <a:rPr lang="en-US" sz="2000" b="1" dirty="0">
-                <a:latin typeface="LMSans10-Regular"/>
-              </a:rPr>
-              <a:t>));</a:t>
+              <a:rPr lang="it-IT" sz="2000" b="1" dirty="0">
+                <a:latin typeface="LMSans10-Regular"/>
+              </a:rPr>
+              <a:t>C-i = semCustomer.entered.’semBarber.getHairCut-i.semCustomerDone.’semBarberDone.</a:t>
             </a:r>
           </a:p>
           <a:p>
             <a:pPr marL="0" indent="0" algn="ctr">
               <a:buNone/>
             </a:pPr>
-            <a:endParaRPr lang="en-US" sz="1800" b="1" dirty="0">
+            <a:r>
+              <a:rPr lang="it-IT" sz="2000" b="1" dirty="0">
+                <a:latin typeface="LMSans10-Regular"/>
+              </a:rPr>
+              <a:t>’enter.enter-i.exit-i.’</a:t>
+            </a:r>
+            <a:r>
+              <a:rPr lang="it-IT" sz="2000" b="1" dirty="0" err="1">
+                <a:latin typeface="LMSans10-Regular"/>
+              </a:rPr>
+              <a:t>decExit.Customer</a:t>
+            </a:r>
+            <a:r>
+              <a:rPr lang="it-IT" sz="2000" b="1" dirty="0">
+                <a:latin typeface="LMSans10-Regular"/>
+              </a:rPr>
+              <a:t>-i;</a:t>
+            </a:r>
+          </a:p>
+          <a:p>
+            <a:pPr marL="0" indent="0" algn="ctr">
+              <a:buNone/>
+            </a:pPr>
+            <a:endParaRPr lang="it-IT" sz="2000" b="1" dirty="0">
               <a:latin typeface="LMSans10-Regular"/>
             </a:endParaRPr>
           </a:p>
           <a:p>
-            <a:pPr marL="0" marR="0" lvl="0" indent="0" algn="l" defTabSz="914400" rtl="0" eaLnBrk="1" fontAlgn="auto" latinLnBrk="0" hangingPunct="1">
-              <a:lnSpc>
-                <a:spcPct val="110000"/>
-              </a:lnSpc>
-              <a:spcBef>
-                <a:spcPts val="900"/>
-              </a:spcBef>
-              <a:spcAft>
-                <a:spcPts val="0"/>
-              </a:spcAft>
-              <a:buClr>
-                <a:prstClr val="black">
-                  <a:lumMod val="85000"/>
-                  <a:lumOff val="15000"/>
-                </a:prstClr>
-              </a:buClr>
-              <a:buSzTx/>
-              <a:buFont typeface="Garamond" pitchFamily="18" charset="0"/>
-              <a:buNone/>
-              <a:tabLst/>
-              <a:defRPr/>
-            </a:pPr>
-            <a:r>
-              <a:rPr kumimoji="0" lang="it-IT" sz="1800" b="0" i="0" u="none" strike="noStrike" kern="1200" cap="none" spc="0" normalizeH="0" baseline="0" noProof="0" dirty="0">
-                <a:ln>
-                  <a:noFill/>
-                </a:ln>
-                <a:solidFill>
-                  <a:prstClr val="black"/>
-                </a:solidFill>
-                <a:effectLst/>
-                <a:uLnTx/>
-                <a:uFillTx/>
-                <a:latin typeface="Century Gothic" panose="020F0302020204030204"/>
-                <a:ea typeface="+mn-ea"/>
-                <a:cs typeface="+mn-cs"/>
-              </a:rPr>
-              <a:t>Con il commando </a:t>
-            </a:r>
-            <a:r>
-              <a:rPr kumimoji="0" lang="it-IT" sz="1800" b="1" i="0" u="none" strike="noStrike" kern="1200" cap="none" spc="0" normalizeH="0" baseline="0" noProof="0" dirty="0" err="1">
-                <a:ln>
-                  <a:noFill/>
-                </a:ln>
-                <a:solidFill>
-                  <a:prstClr val="black"/>
-                </a:solidFill>
-                <a:effectLst/>
-                <a:uLnTx/>
-                <a:uFillTx/>
-                <a:latin typeface="Century Gothic" panose="020F0302020204030204"/>
-                <a:ea typeface="+mn-ea"/>
-                <a:cs typeface="+mn-cs"/>
-              </a:rPr>
-              <a:t>checkprop</a:t>
-            </a:r>
-            <a:r>
-              <a:rPr kumimoji="0" lang="it-IT" sz="1800" b="1" i="0" u="none" strike="noStrike" kern="1200" cap="none" spc="0" normalizeH="0" baseline="0" noProof="0" dirty="0">
-                <a:ln>
-                  <a:noFill/>
-                </a:ln>
-                <a:solidFill>
-                  <a:prstClr val="black"/>
-                </a:solidFill>
-                <a:effectLst/>
-                <a:uLnTx/>
-                <a:uFillTx/>
-                <a:latin typeface="Century Gothic" panose="020F0302020204030204"/>
-                <a:ea typeface="+mn-ea"/>
-                <a:cs typeface="+mn-cs"/>
-              </a:rPr>
-              <a:t>(</a:t>
-            </a:r>
-            <a:r>
-              <a:rPr kumimoji="0" lang="it-IT" sz="1800" b="1" i="0" u="none" strike="noStrike" kern="1200" cap="none" spc="0" normalizeH="0" baseline="0" noProof="0" dirty="0" err="1">
-                <a:ln>
-                  <a:noFill/>
-                </a:ln>
-                <a:solidFill>
-                  <a:prstClr val="black"/>
-                </a:solidFill>
-                <a:effectLst/>
-                <a:uLnTx/>
-                <a:uFillTx/>
-                <a:latin typeface="Century Gothic" panose="020F0302020204030204"/>
-                <a:ea typeface="+mn-ea"/>
-                <a:cs typeface="+mn-cs"/>
-              </a:rPr>
-              <a:t>Sys</a:t>
-            </a:r>
-            <a:r>
-              <a:rPr kumimoji="0" lang="it-IT" sz="1800" b="1" i="0" u="none" strike="noStrike" kern="1200" cap="none" spc="0" normalizeH="0" baseline="0" noProof="0" dirty="0">
-                <a:ln>
-                  <a:noFill/>
-                </a:ln>
-                <a:solidFill>
-                  <a:prstClr val="black"/>
-                </a:solidFill>
-                <a:effectLst/>
-                <a:uLnTx/>
-                <a:uFillTx/>
-                <a:latin typeface="Century Gothic" panose="020F0302020204030204"/>
-                <a:ea typeface="+mn-ea"/>
-                <a:cs typeface="+mn-cs"/>
-              </a:rPr>
-              <a:t>’, </a:t>
-            </a:r>
-            <a:r>
-              <a:rPr kumimoji="0" lang="it-IT" sz="1800" b="1" i="0" u="none" strike="noStrike" kern="1200" cap="none" spc="0" normalizeH="0" baseline="0" noProof="0" dirty="0" err="1">
-                <a:ln>
-                  <a:noFill/>
-                </a:ln>
-                <a:solidFill>
-                  <a:prstClr val="black"/>
-                </a:solidFill>
-                <a:effectLst/>
-                <a:uLnTx/>
-                <a:uFillTx/>
-                <a:latin typeface="Century Gothic" panose="020F0302020204030204"/>
-                <a:ea typeface="+mn-ea"/>
-                <a:cs typeface="+mn-cs"/>
-              </a:rPr>
-              <a:t>UntilB</a:t>
-            </a:r>
-            <a:r>
-              <a:rPr kumimoji="0" lang="it-IT" sz="1800" b="1" i="0" u="none" strike="noStrike" kern="1200" cap="none" spc="0" normalizeH="0" baseline="0" noProof="0" dirty="0">
-                <a:ln>
-                  <a:noFill/>
-                </a:ln>
-                <a:solidFill>
-                  <a:prstClr val="black"/>
-                </a:solidFill>
-                <a:effectLst/>
-                <a:uLnTx/>
-                <a:uFillTx/>
-                <a:latin typeface="Century Gothic" panose="020F0302020204030204"/>
-                <a:ea typeface="+mn-ea"/>
-                <a:cs typeface="+mn-cs"/>
-              </a:rPr>
-              <a:t>) </a:t>
-            </a:r>
-            <a:r>
-              <a:rPr kumimoji="0" lang="it-IT" sz="1800" b="0" i="0" u="none" strike="noStrike" kern="1200" cap="none" spc="0" normalizeH="0" baseline="0" noProof="0" dirty="0">
-                <a:ln>
-                  <a:noFill/>
-                </a:ln>
-                <a:solidFill>
-                  <a:prstClr val="black"/>
-                </a:solidFill>
-                <a:effectLst/>
-                <a:uLnTx/>
-                <a:uFillTx/>
-                <a:latin typeface="Century Gothic" panose="020F0302020204030204"/>
-                <a:ea typeface="+mn-ea"/>
-                <a:cs typeface="+mn-cs"/>
-              </a:rPr>
-              <a:t>si ottiene </a:t>
-            </a:r>
-            <a:r>
-              <a:rPr kumimoji="0" lang="it-IT" sz="1800" b="1" i="0" u="none" strike="noStrike" kern="1200" cap="none" spc="0" normalizeH="0" baseline="0" noProof="0" dirty="0">
-                <a:ln>
-                  <a:noFill/>
-                </a:ln>
-                <a:solidFill>
-                  <a:prstClr val="black"/>
-                </a:solidFill>
-                <a:effectLst/>
-                <a:uLnTx/>
-                <a:uFillTx/>
-                <a:latin typeface="Century Gothic" panose="020F0302020204030204"/>
-                <a:ea typeface="+mn-ea"/>
-                <a:cs typeface="+mn-cs"/>
-              </a:rPr>
-              <a:t>True.</a:t>
-            </a:r>
-          </a:p>
-          <a:p>
             <a:pPr marL="0" indent="0">
               <a:buNone/>
             </a:pPr>
-            <a:endParaRPr lang="it-IT" sz="1800" b="1" dirty="0">
-              <a:latin typeface="LMSans10-Regular"/>
-            </a:endParaRPr>
-          </a:p>
-        </p:txBody>
-      </p:sp>
-      <p:sp>
-        <p:nvSpPr>
-          <p:cNvPr id="2" name="Segnaposto numero diapositiva 1">
+            <a:r>
+              <a:rPr lang="it-IT" sz="1800" dirty="0"/>
+              <a:t>Mentre nel processo </a:t>
+            </a:r>
+            <a:r>
+              <a:rPr lang="it-IT" sz="1800" b="1" dirty="0">
+                <a:latin typeface="LMSans10-Regular"/>
+              </a:rPr>
+              <a:t>Barber</a:t>
+            </a:r>
+            <a:r>
+              <a:rPr lang="it-IT" sz="1800" dirty="0"/>
+              <a:t> si aggiungono </a:t>
+            </a:r>
+            <a:r>
+              <a:rPr lang="it-IT" sz="1800" b="1" dirty="0" err="1">
+                <a:latin typeface="LMSans10-Regular"/>
+              </a:rPr>
+              <a:t>sleep</a:t>
+            </a:r>
+            <a:r>
+              <a:rPr lang="it-IT" sz="1800" dirty="0"/>
+              <a:t> e </a:t>
+            </a:r>
+            <a:r>
+              <a:rPr lang="it-IT" sz="1800" b="1" dirty="0" err="1">
+                <a:latin typeface="LMSans10-Regular"/>
+              </a:rPr>
+              <a:t>waked</a:t>
+            </a:r>
+            <a:r>
+              <a:rPr lang="it-IT" sz="1800" dirty="0"/>
+              <a:t>, quindi:</a:t>
+            </a:r>
+          </a:p>
+          <a:p>
+            <a:pPr marL="0" indent="0">
+              <a:buNone/>
+            </a:pPr>
+            <a:endParaRPr lang="it-IT" sz="1800" dirty="0"/>
+          </a:p>
+          <a:p>
+            <a:pPr marL="0" indent="0" algn="ctr">
+              <a:buNone/>
+            </a:pPr>
+            <a:r>
+              <a:rPr lang="it-IT" sz="2000" b="1" dirty="0">
+                <a:latin typeface="LMSans10-Regular"/>
+              </a:rPr>
+              <a:t>Barber = sleep.’semCustomer.waked.semBarber.cutHair.’semCustomerDone.semBarberDone.Barber; </a:t>
+            </a:r>
+          </a:p>
+        </p:txBody>
+      </p:sp>
+      <p:sp>
+        <p:nvSpPr>
+          <p:cNvPr id="5" name="Segnaposto numero diapositiva 4">
             <a:extLst>
               <a:ext uri="{FF2B5EF4-FFF2-40B4-BE49-F238E27FC236}">
-                <a16:creationId xmlns:a16="http://schemas.microsoft.com/office/drawing/2014/main" id="{EE55C698-4972-43E7-B9BB-EE78817FD72D}"/>
+                <a16:creationId xmlns:a16="http://schemas.microsoft.com/office/drawing/2014/main" id="{A705B94C-0A9D-4899-A84A-ABE0D863F730}"/>
               </a:ext>
             </a:extLst>
           </p:cNvPr>
@@ -7761,7 +7479,7 @@
             </a:fld>
             <a:r>
               <a:rPr lang="en-US" dirty="0"/>
-              <a:t>/24</a:t>
+              <a:t>/25</a:t>
             </a:r>
           </a:p>
         </p:txBody>
@@ -7769,7 +7487,7 @@
     </p:spTree>
     <p:extLst>
       <p:ext uri="{BB962C8B-B14F-4D97-AF65-F5344CB8AC3E}">
-        <p14:creationId xmlns:p14="http://schemas.microsoft.com/office/powerpoint/2010/main" val="2146410286"/>
+        <p14:creationId xmlns:p14="http://schemas.microsoft.com/office/powerpoint/2010/main" val="3611702261"/>
       </p:ext>
     </p:extLst>
   </p:cSld>
@@ -7798,10 +7516,10 @@
       </p:grpSpPr>
       <p:sp>
         <p:nvSpPr>
-          <p:cNvPr id="2" name="Titolo 1">
+          <p:cNvPr id="3" name="Segnaposto contenuto 2">
             <a:extLst>
               <a:ext uri="{FF2B5EF4-FFF2-40B4-BE49-F238E27FC236}">
-                <a16:creationId xmlns:a16="http://schemas.microsoft.com/office/drawing/2014/main" id="{20345322-ECEC-4A40-81AE-16ACDC9F3F07}"/>
+                <a16:creationId xmlns:a16="http://schemas.microsoft.com/office/drawing/2014/main" id="{02C19888-4BED-4DEB-B626-4654C576F3E1}"/>
               </a:ext>
             </a:extLst>
           </p:cNvPr>
@@ -7809,183 +7527,345 @@
             <a:spLocks noGrp="1"/>
           </p:cNvSpPr>
           <p:nvPr>
-            <p:ph type="title"/>
-          </p:nvPr>
-        </p:nvSpPr>
-        <p:spPr/>
+            <p:ph idx="1"/>
+          </p:nvPr>
+        </p:nvSpPr>
+        <p:spPr>
+          <a:xfrm>
+            <a:off x="1066800" y="1555423"/>
+            <a:ext cx="10058400" cy="4397321"/>
+          </a:xfrm>
+        </p:spPr>
         <p:txBody>
           <a:bodyPr/>
           <a:lstStyle/>
           <a:p>
-            <a:r>
-              <a:rPr lang="it-IT" dirty="0" err="1"/>
-              <a:t>Fairness</a:t>
-            </a:r>
-            <a:endParaRPr lang="it-IT" dirty="0"/>
-          </a:p>
-        </p:txBody>
-      </p:sp>
-      <p:sp>
-        <p:nvSpPr>
-          <p:cNvPr id="3" name="Segnaposto contenuto 2">
+            <a:pPr marL="0" indent="0">
+              <a:buNone/>
+            </a:pPr>
+            <a:r>
+              <a:rPr lang="it-IT" sz="1800" dirty="0">
+                <a:latin typeface="+mj-lt"/>
+              </a:rPr>
+              <a:t>È sempre vero che in qualunque modo venga eseguito </a:t>
+            </a:r>
+            <a:r>
+              <a:rPr lang="it-IT" sz="1800" b="1" dirty="0" err="1">
+                <a:latin typeface="LMSans10-Regular"/>
+              </a:rPr>
+              <a:t>sleep</a:t>
+            </a:r>
+            <a:r>
+              <a:rPr lang="it-IT" sz="1800" dirty="0">
+                <a:latin typeface="+mj-lt"/>
+              </a:rPr>
+              <a:t> è vero che il processo </a:t>
+            </a:r>
+            <a:r>
+              <a:rPr lang="it-IT" sz="1800" b="1" dirty="0">
+                <a:latin typeface="LMSans10-Regular"/>
+              </a:rPr>
+              <a:t>Barber</a:t>
+            </a:r>
+            <a:r>
+              <a:rPr lang="it-IT" sz="1800" dirty="0">
+                <a:latin typeface="+mj-lt"/>
+              </a:rPr>
+              <a:t> non sa fare </a:t>
+            </a:r>
+            <a:r>
+              <a:rPr lang="it-IT" sz="1800" b="1" dirty="0" err="1">
+                <a:latin typeface="LMSans10-Regular"/>
+              </a:rPr>
+              <a:t>waked</a:t>
+            </a:r>
+            <a:r>
+              <a:rPr lang="it-IT" sz="1800" dirty="0">
+                <a:latin typeface="+mj-lt"/>
+              </a:rPr>
+              <a:t> finché non diventa vero che un processo </a:t>
+            </a:r>
+            <a:r>
+              <a:rPr lang="it-IT" sz="1800" b="1" dirty="0">
+                <a:latin typeface="LMSans10-Regular"/>
+              </a:rPr>
+              <a:t>Customer-</a:t>
+            </a:r>
+            <a:r>
+              <a:rPr lang="it-IT" sz="1800" b="1" i="1" dirty="0">
+                <a:latin typeface="LMSans10-Regular"/>
+              </a:rPr>
+              <a:t>i</a:t>
+            </a:r>
+            <a:r>
+              <a:rPr lang="it-IT" sz="1800" dirty="0">
+                <a:latin typeface="+mj-lt"/>
+              </a:rPr>
+              <a:t> può fare </a:t>
+            </a:r>
+            <a:r>
+              <a:rPr lang="it-IT" sz="1800" b="1" dirty="0" err="1">
+                <a:latin typeface="LMSans10-Regular"/>
+              </a:rPr>
+              <a:t>entered</a:t>
+            </a:r>
+            <a:r>
+              <a:rPr lang="it-IT" sz="1800" dirty="0">
+                <a:latin typeface="+mj-lt"/>
+              </a:rPr>
+              <a:t>.</a:t>
+            </a:r>
+          </a:p>
+          <a:p>
+            <a:pPr marL="0" indent="0">
+              <a:buNone/>
+            </a:pPr>
+            <a:endParaRPr lang="it-IT" sz="1800" dirty="0">
+              <a:latin typeface="+mj-lt"/>
+            </a:endParaRPr>
+          </a:p>
+          <a:p>
+            <a:pPr marL="0" indent="0" algn="ctr">
+              <a:buNone/>
+            </a:pPr>
+            <a:r>
+              <a:rPr lang="en-US" sz="2000" b="1" dirty="0" err="1">
+                <a:latin typeface="LMSans10-Regular"/>
+              </a:rPr>
+              <a:t>UntilB</a:t>
+            </a:r>
+            <a:r>
+              <a:rPr lang="en-US" sz="2000" b="1" dirty="0">
+                <a:latin typeface="LMSans10-Regular"/>
+              </a:rPr>
+              <a:t> = Inv([[sleep]]</a:t>
+            </a:r>
+            <a:r>
+              <a:rPr lang="en-US" sz="2000" b="1" dirty="0" err="1">
+                <a:latin typeface="LMSans10-Regular"/>
+              </a:rPr>
+              <a:t>WUntil</a:t>
+            </a:r>
+            <a:r>
+              <a:rPr lang="en-US" sz="2000" b="1" dirty="0">
+                <a:latin typeface="LMSans10-Regular"/>
+              </a:rPr>
+              <a:t>([[waked]]F, «</a:t>
+            </a:r>
+            <a:r>
+              <a:rPr lang="en-US" sz="2000" b="1" dirty="0" err="1">
+                <a:latin typeface="LMSans10-Regular"/>
+              </a:rPr>
+              <a:t>entered»T</a:t>
+            </a:r>
+            <a:r>
+              <a:rPr lang="en-US" sz="2000" b="1" dirty="0">
+                <a:latin typeface="LMSans10-Regular"/>
+              </a:rPr>
+              <a:t>));</a:t>
+            </a:r>
+          </a:p>
+          <a:p>
+            <a:pPr marL="0" indent="0" algn="ctr">
+              <a:buNone/>
+            </a:pPr>
+            <a:endParaRPr lang="en-US" sz="1800" b="1" dirty="0">
+              <a:latin typeface="LMSans10-Regular"/>
+            </a:endParaRPr>
+          </a:p>
+          <a:p>
+            <a:pPr marL="0" marR="0" lvl="0" indent="0" algn="l" defTabSz="914400" rtl="0" eaLnBrk="1" fontAlgn="auto" latinLnBrk="0" hangingPunct="1">
+              <a:lnSpc>
+                <a:spcPct val="110000"/>
+              </a:lnSpc>
+              <a:spcBef>
+                <a:spcPts val="900"/>
+              </a:spcBef>
+              <a:spcAft>
+                <a:spcPts val="0"/>
+              </a:spcAft>
+              <a:buClr>
+                <a:prstClr val="black">
+                  <a:lumMod val="85000"/>
+                  <a:lumOff val="15000"/>
+                </a:prstClr>
+              </a:buClr>
+              <a:buSzTx/>
+              <a:buFont typeface="Garamond" pitchFamily="18" charset="0"/>
+              <a:buNone/>
+              <a:tabLst/>
+              <a:defRPr/>
+            </a:pPr>
+            <a:r>
+              <a:rPr kumimoji="0" lang="it-IT" sz="1800" b="0" i="0" u="none" strike="noStrike" kern="1200" cap="none" spc="0" normalizeH="0" baseline="0" noProof="0" dirty="0">
+                <a:ln>
+                  <a:noFill/>
+                </a:ln>
+                <a:solidFill>
+                  <a:prstClr val="black"/>
+                </a:solidFill>
+                <a:effectLst/>
+                <a:uLnTx/>
+                <a:uFillTx/>
+                <a:latin typeface="Century Gothic" panose="020F0302020204030204"/>
+                <a:ea typeface="+mn-ea"/>
+                <a:cs typeface="+mn-cs"/>
+              </a:rPr>
+              <a:t>Con il commando </a:t>
+            </a:r>
+            <a:r>
+              <a:rPr kumimoji="0" lang="it-IT" sz="1800" b="1" i="0" u="none" strike="noStrike" kern="1200" cap="none" spc="0" normalizeH="0" baseline="0" noProof="0" dirty="0" err="1">
+                <a:ln>
+                  <a:noFill/>
+                </a:ln>
+                <a:solidFill>
+                  <a:prstClr val="black"/>
+                </a:solidFill>
+                <a:effectLst/>
+                <a:uLnTx/>
+                <a:uFillTx/>
+                <a:latin typeface="Century Gothic" panose="020F0302020204030204"/>
+                <a:ea typeface="+mn-ea"/>
+                <a:cs typeface="+mn-cs"/>
+              </a:rPr>
+              <a:t>checkprop</a:t>
+            </a:r>
+            <a:r>
+              <a:rPr kumimoji="0" lang="it-IT" sz="1800" b="1" i="0" u="none" strike="noStrike" kern="1200" cap="none" spc="0" normalizeH="0" baseline="0" noProof="0" dirty="0">
+                <a:ln>
+                  <a:noFill/>
+                </a:ln>
+                <a:solidFill>
+                  <a:prstClr val="black"/>
+                </a:solidFill>
+                <a:effectLst/>
+                <a:uLnTx/>
+                <a:uFillTx/>
+                <a:latin typeface="Century Gothic" panose="020F0302020204030204"/>
+                <a:ea typeface="+mn-ea"/>
+                <a:cs typeface="+mn-cs"/>
+              </a:rPr>
+              <a:t>(</a:t>
+            </a:r>
+            <a:r>
+              <a:rPr kumimoji="0" lang="it-IT" sz="1800" b="1" i="0" u="none" strike="noStrike" kern="1200" cap="none" spc="0" normalizeH="0" baseline="0" noProof="0" dirty="0" err="1">
+                <a:ln>
+                  <a:noFill/>
+                </a:ln>
+                <a:solidFill>
+                  <a:prstClr val="black"/>
+                </a:solidFill>
+                <a:effectLst/>
+                <a:uLnTx/>
+                <a:uFillTx/>
+                <a:latin typeface="Century Gothic" panose="020F0302020204030204"/>
+                <a:ea typeface="+mn-ea"/>
+                <a:cs typeface="+mn-cs"/>
+              </a:rPr>
+              <a:t>Sys</a:t>
+            </a:r>
+            <a:r>
+              <a:rPr kumimoji="0" lang="it-IT" sz="1800" b="1" i="0" u="none" strike="noStrike" kern="1200" cap="none" spc="0" normalizeH="0" baseline="0" noProof="0" dirty="0">
+                <a:ln>
+                  <a:noFill/>
+                </a:ln>
+                <a:solidFill>
+                  <a:prstClr val="black"/>
+                </a:solidFill>
+                <a:effectLst/>
+                <a:uLnTx/>
+                <a:uFillTx/>
+                <a:latin typeface="Century Gothic" panose="020F0302020204030204"/>
+                <a:ea typeface="+mn-ea"/>
+                <a:cs typeface="+mn-cs"/>
+              </a:rPr>
+              <a:t>’, </a:t>
+            </a:r>
+            <a:r>
+              <a:rPr kumimoji="0" lang="it-IT" sz="1800" b="1" i="0" u="none" strike="noStrike" kern="1200" cap="none" spc="0" normalizeH="0" baseline="0" noProof="0" dirty="0" err="1">
+                <a:ln>
+                  <a:noFill/>
+                </a:ln>
+                <a:solidFill>
+                  <a:prstClr val="black"/>
+                </a:solidFill>
+                <a:effectLst/>
+                <a:uLnTx/>
+                <a:uFillTx/>
+                <a:latin typeface="Century Gothic" panose="020F0302020204030204"/>
+                <a:ea typeface="+mn-ea"/>
+                <a:cs typeface="+mn-cs"/>
+              </a:rPr>
+              <a:t>UntilB</a:t>
+            </a:r>
+            <a:r>
+              <a:rPr kumimoji="0" lang="it-IT" sz="1800" b="1" i="0" u="none" strike="noStrike" kern="1200" cap="none" spc="0" normalizeH="0" baseline="0" noProof="0" dirty="0">
+                <a:ln>
+                  <a:noFill/>
+                </a:ln>
+                <a:solidFill>
+                  <a:prstClr val="black"/>
+                </a:solidFill>
+                <a:effectLst/>
+                <a:uLnTx/>
+                <a:uFillTx/>
+                <a:latin typeface="Century Gothic" panose="020F0302020204030204"/>
+                <a:ea typeface="+mn-ea"/>
+                <a:cs typeface="+mn-cs"/>
+              </a:rPr>
+              <a:t>) </a:t>
+            </a:r>
+            <a:r>
+              <a:rPr kumimoji="0" lang="it-IT" sz="1800" b="0" i="0" u="none" strike="noStrike" kern="1200" cap="none" spc="0" normalizeH="0" baseline="0" noProof="0" dirty="0">
+                <a:ln>
+                  <a:noFill/>
+                </a:ln>
+                <a:solidFill>
+                  <a:prstClr val="black"/>
+                </a:solidFill>
+                <a:effectLst/>
+                <a:uLnTx/>
+                <a:uFillTx/>
+                <a:latin typeface="Century Gothic" panose="020F0302020204030204"/>
+                <a:ea typeface="+mn-ea"/>
+                <a:cs typeface="+mn-cs"/>
+              </a:rPr>
+              <a:t>si ottiene </a:t>
+            </a:r>
+            <a:r>
+              <a:rPr kumimoji="0" lang="it-IT" sz="1800" b="1" i="0" u="none" strike="noStrike" kern="1200" cap="none" spc="0" normalizeH="0" baseline="0" noProof="0" dirty="0">
+                <a:ln>
+                  <a:noFill/>
+                </a:ln>
+                <a:solidFill>
+                  <a:prstClr val="black"/>
+                </a:solidFill>
+                <a:effectLst/>
+                <a:uLnTx/>
+                <a:uFillTx/>
+                <a:latin typeface="Century Gothic" panose="020F0302020204030204"/>
+                <a:ea typeface="+mn-ea"/>
+                <a:cs typeface="+mn-cs"/>
+              </a:rPr>
+              <a:t>True.</a:t>
+            </a:r>
+          </a:p>
+          <a:p>
+            <a:pPr marL="0" indent="0">
+              <a:buNone/>
+            </a:pPr>
+            <a:endParaRPr lang="it-IT" sz="1800" b="1" dirty="0">
+              <a:latin typeface="LMSans10-Regular"/>
+            </a:endParaRPr>
+          </a:p>
+        </p:txBody>
+      </p:sp>
+      <p:sp>
+        <p:nvSpPr>
+          <p:cNvPr id="2" name="Segnaposto numero diapositiva 1">
             <a:extLst>
               <a:ext uri="{FF2B5EF4-FFF2-40B4-BE49-F238E27FC236}">
-                <a16:creationId xmlns:a16="http://schemas.microsoft.com/office/drawing/2014/main" id="{1A6339B6-8C53-4C36-9EBA-886F0DBA6769}"/>
-              </a:ext>
-            </a:extLst>
-          </p:cNvPr>
-          <p:cNvSpPr>
-            <a:spLocks noGrp="1"/>
-          </p:cNvSpPr>
-          <p:nvPr>
-            <p:ph idx="1"/>
-          </p:nvPr>
-        </p:nvSpPr>
-        <p:spPr/>
-        <p:txBody>
-          <a:bodyPr>
-            <a:normAutofit/>
-          </a:bodyPr>
-          <a:lstStyle/>
-          <a:p>
-            <a:pPr marL="0" indent="0">
-              <a:buNone/>
-            </a:pPr>
-            <a:r>
-              <a:rPr lang="it-IT" sz="1800" dirty="0"/>
-              <a:t>La soluzione data al problema non garantisce una piena </a:t>
-            </a:r>
-            <a:r>
-              <a:rPr lang="it-IT" sz="1800" dirty="0" err="1"/>
-              <a:t>fairness</a:t>
-            </a:r>
-            <a:r>
-              <a:rPr lang="it-IT" sz="1800" dirty="0"/>
-              <a:t>.</a:t>
-            </a:r>
-          </a:p>
-          <a:p>
-            <a:pPr marL="0" indent="0">
-              <a:buNone/>
-            </a:pPr>
-            <a:r>
-              <a:rPr lang="it-IT" sz="1800" dirty="0"/>
-              <a:t>Vi è garantita solo la possibilità che si possa ricevere il taglio, non la certezza.</a:t>
-            </a:r>
-          </a:p>
-          <a:p>
-            <a:pPr marL="0" indent="0">
-              <a:buNone/>
-            </a:pPr>
-            <a:r>
-              <a:rPr lang="it-IT" sz="1800" dirty="0"/>
-              <a:t>Per dimostrare ciò si aggiunge ad ogni processo </a:t>
-            </a:r>
-            <a:r>
-              <a:rPr lang="it-IT" sz="1800" b="1" dirty="0">
-                <a:latin typeface="LMSans10-Regular"/>
-              </a:rPr>
-              <a:t>Customer-</a:t>
-            </a:r>
-            <a:r>
-              <a:rPr lang="it-IT" sz="1800" b="1" i="1" dirty="0">
-                <a:latin typeface="LMSans10-Regular"/>
-              </a:rPr>
-              <a:t>i</a:t>
-            </a:r>
-            <a:r>
-              <a:rPr lang="it-IT" sz="1800" dirty="0"/>
-              <a:t> il canale </a:t>
-            </a:r>
-            <a:r>
-              <a:rPr lang="it-IT" sz="1800" b="1" dirty="0" err="1">
-                <a:latin typeface="LMSans10-Regular"/>
-              </a:rPr>
-              <a:t>will</a:t>
-            </a:r>
-            <a:r>
-              <a:rPr lang="it-IT" sz="1800" b="1" dirty="0">
-                <a:latin typeface="LMSans10-Regular"/>
-              </a:rPr>
-              <a:t>-</a:t>
-            </a:r>
-            <a:r>
-              <a:rPr lang="it-IT" sz="1800" b="1" i="1" dirty="0">
-                <a:latin typeface="LMSans10-Regular"/>
-              </a:rPr>
-              <a:t>i</a:t>
-            </a:r>
-            <a:r>
-              <a:rPr lang="it-IT" sz="1800" dirty="0"/>
-              <a:t> per esprimere la volontà di effettuare un taglio dopo essersi seduto.</a:t>
-            </a:r>
-          </a:p>
-          <a:p>
-            <a:pPr marL="0" indent="0">
-              <a:buNone/>
-            </a:pPr>
-            <a:endParaRPr lang="it-IT" sz="1800" dirty="0"/>
-          </a:p>
-          <a:p>
-            <a:pPr marL="0" indent="0" algn="ctr">
-              <a:buNone/>
-            </a:pPr>
-            <a:r>
-              <a:rPr lang="it-IT" sz="2000" b="1" dirty="0">
-                <a:latin typeface="LMSans10-Regular"/>
-              </a:rPr>
-              <a:t>C-i = will-i.semCustomer.’semBarber.getHairCut-i.semCustomerDone.’semBarberDone.</a:t>
-            </a:r>
-          </a:p>
-          <a:p>
-            <a:pPr marL="0" indent="0" algn="ctr">
-              <a:buNone/>
-            </a:pPr>
-            <a:r>
-              <a:rPr lang="it-IT" sz="2000" b="1" dirty="0">
-                <a:latin typeface="LMSans10-Regular"/>
-              </a:rPr>
-              <a:t>’</a:t>
-            </a:r>
-            <a:r>
-              <a:rPr lang="it-IT" sz="2000" b="1" dirty="0" err="1">
-                <a:latin typeface="LMSans10-Regular"/>
-              </a:rPr>
-              <a:t>enter</a:t>
-            </a:r>
-            <a:r>
-              <a:rPr lang="it-IT" sz="2000" b="1" dirty="0">
-                <a:latin typeface="LMSans10-Regular"/>
-              </a:rPr>
-              <a:t>.’</a:t>
-            </a:r>
-            <a:r>
-              <a:rPr lang="it-IT" sz="2000" b="1" dirty="0" err="1">
-                <a:latin typeface="LMSans10-Regular"/>
-              </a:rPr>
-              <a:t>decExit.Customer</a:t>
-            </a:r>
-            <a:r>
-              <a:rPr lang="it-IT" sz="2000" b="1" dirty="0">
-                <a:latin typeface="LMSans10-Regular"/>
-              </a:rPr>
-              <a:t>-i;</a:t>
-            </a:r>
-          </a:p>
-          <a:p>
-            <a:pPr marL="0" indent="0">
-              <a:buNone/>
-            </a:pPr>
-            <a:endParaRPr lang="it-IT" sz="1800" dirty="0"/>
-          </a:p>
-        </p:txBody>
-      </p:sp>
-      <p:sp>
-        <p:nvSpPr>
-          <p:cNvPr id="5" name="Segnaposto numero diapositiva 4">
-            <a:extLst>
-              <a:ext uri="{FF2B5EF4-FFF2-40B4-BE49-F238E27FC236}">
-                <a16:creationId xmlns:a16="http://schemas.microsoft.com/office/drawing/2014/main" id="{00E633E3-BE46-4616-A6C9-00D4C6EA8180}"/>
+                <a16:creationId xmlns:a16="http://schemas.microsoft.com/office/drawing/2014/main" id="{EE55C698-4972-43E7-B9BB-EE78817FD72D}"/>
               </a:ext>
             </a:extLst>
           </p:cNvPr>
@@ -8008,7 +7888,7 @@
             </a:fld>
             <a:r>
               <a:rPr lang="en-US" dirty="0"/>
-              <a:t> / 24</a:t>
+              <a:t>/25</a:t>
             </a:r>
           </a:p>
         </p:txBody>
@@ -8016,7 +7896,7 @@
     </p:spTree>
     <p:extLst>
       <p:ext uri="{BB962C8B-B14F-4D97-AF65-F5344CB8AC3E}">
-        <p14:creationId xmlns:p14="http://schemas.microsoft.com/office/powerpoint/2010/main" val="2739633208"/>
+        <p14:creationId xmlns:p14="http://schemas.microsoft.com/office/powerpoint/2010/main" val="2146410286"/>
       </p:ext>
     </p:extLst>
   </p:cSld>
@@ -8045,10 +7925,39 @@
       </p:grpSpPr>
       <p:sp>
         <p:nvSpPr>
+          <p:cNvPr id="2" name="Titolo 1">
+            <a:extLst>
+              <a:ext uri="{FF2B5EF4-FFF2-40B4-BE49-F238E27FC236}">
+                <a16:creationId xmlns:a16="http://schemas.microsoft.com/office/drawing/2014/main" id="{20345322-ECEC-4A40-81AE-16ACDC9F3F07}"/>
+              </a:ext>
+            </a:extLst>
+          </p:cNvPr>
+          <p:cNvSpPr>
+            <a:spLocks noGrp="1"/>
+          </p:cNvSpPr>
+          <p:nvPr>
+            <p:ph type="title"/>
+          </p:nvPr>
+        </p:nvSpPr>
+        <p:spPr/>
+        <p:txBody>
+          <a:bodyPr/>
+          <a:lstStyle/>
+          <a:p>
+            <a:r>
+              <a:rPr lang="it-IT" dirty="0" err="1"/>
+              <a:t>Fairness</a:t>
+            </a:r>
+            <a:endParaRPr lang="it-IT" dirty="0"/>
+          </a:p>
+        </p:txBody>
+      </p:sp>
+      <p:sp>
+        <p:nvSpPr>
           <p:cNvPr id="3" name="Segnaposto contenuto 2">
             <a:extLst>
               <a:ext uri="{FF2B5EF4-FFF2-40B4-BE49-F238E27FC236}">
-                <a16:creationId xmlns:a16="http://schemas.microsoft.com/office/drawing/2014/main" id="{10DF9DD9-3CC9-46A3-86F5-45811FE292CF}"/>
+                <a16:creationId xmlns:a16="http://schemas.microsoft.com/office/drawing/2014/main" id="{1A6339B6-8C53-4C36-9EBA-886F0DBA6769}"/>
               </a:ext>
             </a:extLst>
           </p:cNvPr>
@@ -8059,15 +7968,10 @@
             <p:ph idx="1"/>
           </p:nvPr>
         </p:nvSpPr>
-        <p:spPr>
-          <a:xfrm>
-            <a:off x="772999" y="697584"/>
-            <a:ext cx="10652288" cy="5448692"/>
-          </a:xfrm>
-        </p:spPr>
+        <p:spPr/>
         <p:txBody>
           <a:bodyPr>
-            <a:normAutofit fontScale="85000" lnSpcReduction="20000"/>
+            <a:normAutofit/>
           </a:bodyPr>
           <a:lstStyle/>
           <a:p>
@@ -8075,917 +7979,140 @@
               <a:buNone/>
             </a:pPr>
             <a:r>
-              <a:rPr lang="it-IT" sz="1900" dirty="0"/>
-              <a:t>Una volta espressa la volontà di eseguire un taglio esiste uno stato in cui è possibile effettuarlo.</a:t>
-            </a:r>
+              <a:rPr lang="it-IT" sz="1800" dirty="0"/>
+              <a:t>La soluzione data al problema non garantisce una piena </a:t>
+            </a:r>
+            <a:r>
+              <a:rPr lang="it-IT" sz="1800" dirty="0" err="1"/>
+              <a:t>fairness</a:t>
+            </a:r>
+            <a:r>
+              <a:rPr lang="it-IT" sz="1800" dirty="0"/>
+              <a:t>.</a:t>
+            </a:r>
+          </a:p>
+          <a:p>
+            <a:pPr marL="0" indent="0">
+              <a:buNone/>
+            </a:pPr>
+            <a:r>
+              <a:rPr lang="it-IT" sz="1800" dirty="0"/>
+              <a:t>Vi è garantita solo la possibilità che si possa ricevere il taglio, non la certezza.</a:t>
+            </a:r>
+          </a:p>
+          <a:p>
+            <a:pPr marL="0" indent="0">
+              <a:buNone/>
+            </a:pPr>
+            <a:r>
+              <a:rPr lang="it-IT" sz="1800" dirty="0"/>
+              <a:t>Per dimostrare ciò si aggiunge ad ogni processo </a:t>
+            </a:r>
+            <a:r>
+              <a:rPr lang="it-IT" sz="1800" b="1" dirty="0">
+                <a:latin typeface="LMSans10-Regular"/>
+              </a:rPr>
+              <a:t>Customer-</a:t>
+            </a:r>
+            <a:r>
+              <a:rPr lang="it-IT" sz="1800" b="1" i="1" dirty="0">
+                <a:latin typeface="LMSans10-Regular"/>
+              </a:rPr>
+              <a:t>i</a:t>
+            </a:r>
+            <a:r>
+              <a:rPr lang="it-IT" sz="1800" dirty="0"/>
+              <a:t> il canale </a:t>
+            </a:r>
+            <a:r>
+              <a:rPr lang="it-IT" sz="1800" b="1" dirty="0" err="1">
+                <a:latin typeface="LMSans10-Regular"/>
+              </a:rPr>
+              <a:t>will</a:t>
+            </a:r>
+            <a:r>
+              <a:rPr lang="it-IT" sz="1800" b="1" dirty="0">
+                <a:latin typeface="LMSans10-Regular"/>
+              </a:rPr>
+              <a:t>-</a:t>
+            </a:r>
+            <a:r>
+              <a:rPr lang="it-IT" sz="1800" b="1" i="1" dirty="0">
+                <a:latin typeface="LMSans10-Regular"/>
+              </a:rPr>
+              <a:t>i</a:t>
+            </a:r>
+            <a:r>
+              <a:rPr lang="it-IT" sz="1800" dirty="0"/>
+              <a:t> per esprimere la volontà di effettuare un taglio dopo essersi seduto.</a:t>
+            </a:r>
+          </a:p>
+          <a:p>
+            <a:pPr marL="0" indent="0">
+              <a:buNone/>
+            </a:pPr>
+            <a:endParaRPr lang="it-IT" sz="1800" dirty="0"/>
           </a:p>
           <a:p>
             <a:pPr marL="0" indent="0" algn="ctr">
               <a:buNone/>
             </a:pPr>
-            <a:endParaRPr lang="en-US" sz="1800" b="1" dirty="0">
-              <a:latin typeface="LMSans10-Regular"/>
-            </a:endParaRPr>
+            <a:r>
+              <a:rPr lang="it-IT" sz="2000" b="1" dirty="0">
+                <a:latin typeface="LMSans10-Regular"/>
+              </a:rPr>
+              <a:t>C-i = will-i.semCustomer.’semBarber.getHairCut-i.semCustomerDone.’semBarberDone.</a:t>
+            </a:r>
           </a:p>
           <a:p>
             <a:pPr marL="0" indent="0" algn="ctr">
               <a:buNone/>
             </a:pPr>
             <a:r>
-              <a:rPr lang="en-US" sz="1900" b="1" dirty="0" err="1">
-                <a:latin typeface="LMSans10-Regular"/>
-              </a:rPr>
-              <a:t>FairC</a:t>
-            </a:r>
-            <a:r>
-              <a:rPr lang="en-US" sz="1900" b="1" dirty="0">
-                <a:latin typeface="LMSans10-Regular"/>
-              </a:rPr>
-              <a:t> = Inv([[will1]] Pos(«getHairCut1»T)</a:t>
-            </a:r>
-          </a:p>
-          <a:p>
-            <a:pPr marL="0" indent="0" algn="ctr">
-              <a:buNone/>
-            </a:pPr>
-            <a:r>
-              <a:rPr lang="en-US" sz="1900" b="1" dirty="0">
-                <a:latin typeface="LMSans10-Regular"/>
-              </a:rPr>
-              <a:t>&amp; [[[will2]] Pos(«getHairCut2»T)</a:t>
-            </a:r>
-          </a:p>
-          <a:p>
-            <a:pPr marL="0" indent="0" algn="ctr">
-              <a:buNone/>
-            </a:pPr>
-            <a:r>
-              <a:rPr lang="en-US" sz="1900" b="1" dirty="0">
-                <a:latin typeface="LMSans10-Regular"/>
-              </a:rPr>
-              <a:t>&amp; [[will3]] Pos(«getHairCut3»T));</a:t>
-            </a:r>
-          </a:p>
-          <a:p>
-            <a:pPr marL="0" indent="0" algn="ctr">
-              <a:buNone/>
-            </a:pPr>
-            <a:endParaRPr lang="en-US" sz="1800" b="1" dirty="0">
-              <a:latin typeface="LMSans10-Regular"/>
-            </a:endParaRPr>
-          </a:p>
-          <a:p>
-            <a:pPr marL="0" marR="0" lvl="0" indent="0" algn="l" defTabSz="914400" rtl="0" eaLnBrk="1" fontAlgn="auto" latinLnBrk="0" hangingPunct="1">
-              <a:lnSpc>
-                <a:spcPct val="110000"/>
-              </a:lnSpc>
-              <a:spcBef>
-                <a:spcPts val="900"/>
-              </a:spcBef>
-              <a:spcAft>
-                <a:spcPts val="0"/>
-              </a:spcAft>
-              <a:buClr>
-                <a:prstClr val="black">
-                  <a:lumMod val="85000"/>
-                  <a:lumOff val="15000"/>
-                </a:prstClr>
-              </a:buClr>
-              <a:buSzTx/>
-              <a:buFont typeface="Garamond" pitchFamily="18" charset="0"/>
-              <a:buNone/>
-              <a:tabLst/>
-              <a:defRPr/>
-            </a:pPr>
-            <a:r>
-              <a:rPr kumimoji="0" lang="it-IT" sz="1900" b="0" i="0" u="none" strike="noStrike" kern="1200" cap="none" spc="0" normalizeH="0" baseline="0" noProof="0" dirty="0">
-                <a:ln>
-                  <a:noFill/>
-                </a:ln>
-                <a:solidFill>
-                  <a:prstClr val="black"/>
-                </a:solidFill>
-                <a:effectLst/>
-                <a:uLnTx/>
-                <a:uFillTx/>
-                <a:latin typeface="Century Gothic" panose="020F0302020204030204"/>
-                <a:ea typeface="+mn-ea"/>
-                <a:cs typeface="+mn-cs"/>
-              </a:rPr>
-              <a:t>Con il commando </a:t>
-            </a:r>
-            <a:r>
-              <a:rPr kumimoji="0" lang="it-IT" sz="1900" b="1" i="0" u="none" strike="noStrike" kern="1200" cap="none" spc="0" normalizeH="0" baseline="0" noProof="0" dirty="0" err="1">
-                <a:ln>
-                  <a:noFill/>
-                </a:ln>
-                <a:solidFill>
-                  <a:prstClr val="black"/>
-                </a:solidFill>
-                <a:effectLst/>
-                <a:uLnTx/>
-                <a:uFillTx/>
-                <a:latin typeface="Century Gothic" panose="020F0302020204030204"/>
-                <a:ea typeface="+mn-ea"/>
-                <a:cs typeface="+mn-cs"/>
-              </a:rPr>
-              <a:t>checkprop</a:t>
-            </a:r>
-            <a:r>
-              <a:rPr kumimoji="0" lang="it-IT" sz="1900" b="1" i="0" u="none" strike="noStrike" kern="1200" cap="none" spc="0" normalizeH="0" baseline="0" noProof="0" dirty="0">
-                <a:ln>
-                  <a:noFill/>
-                </a:ln>
-                <a:solidFill>
-                  <a:prstClr val="black"/>
-                </a:solidFill>
-                <a:effectLst/>
-                <a:uLnTx/>
-                <a:uFillTx/>
-                <a:latin typeface="Century Gothic" panose="020F0302020204030204"/>
-                <a:ea typeface="+mn-ea"/>
-                <a:cs typeface="+mn-cs"/>
-              </a:rPr>
-              <a:t>(</a:t>
-            </a:r>
-            <a:r>
-              <a:rPr kumimoji="0" lang="it-IT" sz="1900" b="1" i="0" u="none" strike="noStrike" kern="1200" cap="none" spc="0" normalizeH="0" baseline="0" noProof="0" dirty="0" err="1">
-                <a:ln>
-                  <a:noFill/>
-                </a:ln>
-                <a:solidFill>
-                  <a:prstClr val="black"/>
-                </a:solidFill>
-                <a:effectLst/>
-                <a:uLnTx/>
-                <a:uFillTx/>
-                <a:latin typeface="Century Gothic" panose="020F0302020204030204"/>
-                <a:ea typeface="+mn-ea"/>
-                <a:cs typeface="+mn-cs"/>
-              </a:rPr>
-              <a:t>Sys</a:t>
-            </a:r>
-            <a:r>
-              <a:rPr kumimoji="0" lang="it-IT" sz="1900" b="1" i="0" u="none" strike="noStrike" kern="1200" cap="none" spc="0" normalizeH="0" baseline="0" noProof="0" dirty="0">
-                <a:ln>
-                  <a:noFill/>
-                </a:ln>
-                <a:solidFill>
-                  <a:prstClr val="black"/>
-                </a:solidFill>
-                <a:effectLst/>
-                <a:uLnTx/>
-                <a:uFillTx/>
-                <a:latin typeface="Century Gothic" panose="020F0302020204030204"/>
-                <a:ea typeface="+mn-ea"/>
-                <a:cs typeface="+mn-cs"/>
-              </a:rPr>
-              <a:t>’, </a:t>
-            </a:r>
-            <a:r>
-              <a:rPr kumimoji="0" lang="it-IT" sz="1900" b="1" i="0" u="none" strike="noStrike" kern="1200" cap="none" spc="0" normalizeH="0" baseline="0" noProof="0" dirty="0" err="1">
-                <a:ln>
-                  <a:noFill/>
-                </a:ln>
-                <a:solidFill>
-                  <a:prstClr val="black"/>
-                </a:solidFill>
-                <a:effectLst/>
-                <a:uLnTx/>
-                <a:uFillTx/>
-                <a:latin typeface="Century Gothic" panose="020F0302020204030204"/>
-                <a:ea typeface="+mn-ea"/>
-                <a:cs typeface="+mn-cs"/>
-              </a:rPr>
-              <a:t>FairC</a:t>
-            </a:r>
-            <a:r>
-              <a:rPr kumimoji="0" lang="it-IT" sz="1900" b="1" i="0" u="none" strike="noStrike" kern="1200" cap="none" spc="0" normalizeH="0" baseline="0" noProof="0" dirty="0">
-                <a:ln>
-                  <a:noFill/>
-                </a:ln>
-                <a:solidFill>
-                  <a:prstClr val="black"/>
-                </a:solidFill>
-                <a:effectLst/>
-                <a:uLnTx/>
-                <a:uFillTx/>
-                <a:latin typeface="Century Gothic" panose="020F0302020204030204"/>
-                <a:ea typeface="+mn-ea"/>
-                <a:cs typeface="+mn-cs"/>
-              </a:rPr>
-              <a:t>) </a:t>
-            </a:r>
-            <a:r>
-              <a:rPr kumimoji="0" lang="it-IT" sz="1900" b="0" i="0" u="none" strike="noStrike" kern="1200" cap="none" spc="0" normalizeH="0" baseline="0" noProof="0" dirty="0">
-                <a:ln>
-                  <a:noFill/>
-                </a:ln>
-                <a:solidFill>
-                  <a:prstClr val="black"/>
-                </a:solidFill>
-                <a:effectLst/>
-                <a:uLnTx/>
-                <a:uFillTx/>
-                <a:latin typeface="Century Gothic" panose="020F0302020204030204"/>
-                <a:ea typeface="+mn-ea"/>
-                <a:cs typeface="+mn-cs"/>
-              </a:rPr>
-              <a:t>si ottiene </a:t>
-            </a:r>
-            <a:r>
-              <a:rPr kumimoji="0" lang="it-IT" sz="1900" b="1" i="0" u="none" strike="noStrike" kern="1200" cap="none" spc="0" normalizeH="0" baseline="0" noProof="0" dirty="0">
-                <a:ln>
-                  <a:noFill/>
-                </a:ln>
-                <a:solidFill>
-                  <a:prstClr val="black"/>
-                </a:solidFill>
-                <a:effectLst/>
-                <a:uLnTx/>
-                <a:uFillTx/>
-                <a:latin typeface="Century Gothic" panose="020F0302020204030204"/>
-                <a:ea typeface="+mn-ea"/>
-                <a:cs typeface="+mn-cs"/>
-              </a:rPr>
-              <a:t>True. </a:t>
-            </a:r>
-            <a:r>
-              <a:rPr kumimoji="0" lang="it-IT" sz="1900" i="0" u="none" strike="noStrike" kern="1200" cap="none" spc="0" normalizeH="0" baseline="0" noProof="0" dirty="0">
-                <a:ln>
-                  <a:noFill/>
-                </a:ln>
-                <a:solidFill>
-                  <a:prstClr val="black"/>
-                </a:solidFill>
-                <a:effectLst/>
-                <a:uLnTx/>
-                <a:uFillTx/>
-                <a:latin typeface="Century Gothic" panose="020F0302020204030204"/>
-                <a:ea typeface="+mn-ea"/>
-                <a:cs typeface="+mn-cs"/>
-              </a:rPr>
-              <a:t>Quindi è possibile ricevere un taglio ma….</a:t>
-            </a:r>
-          </a:p>
-          <a:p>
-            <a:pPr marL="0" marR="0" lvl="0" indent="0" algn="l" defTabSz="914400" rtl="0" eaLnBrk="1" fontAlgn="auto" latinLnBrk="0" hangingPunct="1">
-              <a:lnSpc>
-                <a:spcPct val="110000"/>
-              </a:lnSpc>
-              <a:spcBef>
-                <a:spcPts val="900"/>
-              </a:spcBef>
-              <a:spcAft>
-                <a:spcPts val="0"/>
-              </a:spcAft>
-              <a:buClr>
-                <a:prstClr val="black">
-                  <a:lumMod val="85000"/>
-                  <a:lumOff val="15000"/>
-                </a:prstClr>
-              </a:buClr>
-              <a:buSzTx/>
-              <a:buFont typeface="Garamond" pitchFamily="18" charset="0"/>
-              <a:buNone/>
-              <a:tabLst/>
-              <a:defRPr/>
-            </a:pPr>
-            <a:r>
-              <a:rPr kumimoji="0" lang="it-IT" sz="1900" i="0" u="none" strike="noStrike" kern="1200" cap="none" spc="0" normalizeH="0" baseline="0" noProof="0" dirty="0">
-                <a:ln>
-                  <a:noFill/>
-                </a:ln>
-                <a:solidFill>
-                  <a:prstClr val="black"/>
-                </a:solidFill>
-                <a:effectLst/>
-                <a:uLnTx/>
-                <a:uFillTx/>
-                <a:latin typeface="Century Gothic" panose="020F0302020204030204"/>
-                <a:ea typeface="+mn-ea"/>
-                <a:cs typeface="+mn-cs"/>
-              </a:rPr>
-              <a:t>Si può verificare che non vale: è sempre vero che dopo aver espresso la volontà di eseguire un taglio attraverso </a:t>
-            </a:r>
-            <a:r>
-              <a:rPr kumimoji="0" lang="it-IT" sz="2100" b="1" i="0" u="none" strike="noStrike" kern="1200" cap="none" spc="0" normalizeH="0" baseline="0" noProof="0" dirty="0" err="1">
-                <a:ln>
-                  <a:noFill/>
-                </a:ln>
-                <a:solidFill>
-                  <a:prstClr val="black"/>
-                </a:solidFill>
-                <a:effectLst/>
-                <a:uLnTx/>
-                <a:uFillTx/>
-                <a:latin typeface="LMSans10-Regular"/>
-              </a:rPr>
-              <a:t>will</a:t>
-            </a:r>
-            <a:r>
-              <a:rPr kumimoji="0" lang="it-IT" sz="2100" b="1" i="0" u="none" strike="noStrike" kern="1200" cap="none" spc="0" normalizeH="0" baseline="0" noProof="0" dirty="0">
-                <a:ln>
-                  <a:noFill/>
-                </a:ln>
-                <a:solidFill>
-                  <a:prstClr val="black"/>
-                </a:solidFill>
-                <a:effectLst/>
-                <a:uLnTx/>
-                <a:uFillTx/>
-                <a:latin typeface="LMSans10-Regular"/>
-              </a:rPr>
-              <a:t>-j</a:t>
-            </a:r>
-            <a:endParaRPr kumimoji="0" lang="it-IT" sz="1900" b="1" i="0" u="none" strike="noStrike" kern="1200" cap="none" spc="0" normalizeH="0" baseline="0" noProof="0" dirty="0">
-              <a:ln>
-                <a:noFill/>
-              </a:ln>
-              <a:solidFill>
-                <a:prstClr val="black"/>
-              </a:solidFill>
-              <a:effectLst/>
-              <a:uLnTx/>
-              <a:uFillTx/>
-              <a:latin typeface="LMSans10-Regular"/>
-            </a:endParaRPr>
-          </a:p>
-          <a:p>
-            <a:pPr marL="0" marR="0" lvl="0" indent="0" algn="l" defTabSz="914400" rtl="0" eaLnBrk="1" fontAlgn="auto" latinLnBrk="0" hangingPunct="1">
-              <a:lnSpc>
-                <a:spcPct val="110000"/>
-              </a:lnSpc>
-              <a:spcBef>
-                <a:spcPts val="900"/>
-              </a:spcBef>
-              <a:spcAft>
-                <a:spcPts val="0"/>
-              </a:spcAft>
-              <a:buClr>
-                <a:prstClr val="black">
-                  <a:lumMod val="85000"/>
-                  <a:lumOff val="15000"/>
-                </a:prstClr>
-              </a:buClr>
-              <a:buSzTx/>
-              <a:buFont typeface="Garamond" pitchFamily="18" charset="0"/>
-              <a:buNone/>
-              <a:tabLst/>
-              <a:defRPr/>
-            </a:pPr>
-            <a:r>
-              <a:rPr kumimoji="0" lang="it-IT" sz="1900" i="0" u="none" strike="noStrike" kern="1200" cap="none" spc="0" normalizeH="0" baseline="0" noProof="0" dirty="0">
-                <a:ln>
-                  <a:noFill/>
-                </a:ln>
-                <a:solidFill>
-                  <a:prstClr val="black"/>
-                </a:solidFill>
-                <a:effectLst/>
-                <a:uLnTx/>
-                <a:uFillTx/>
-                <a:latin typeface="Century Gothic" panose="020F0302020204030204"/>
-                <a:ea typeface="+mn-ea"/>
-                <a:cs typeface="+mn-cs"/>
-              </a:rPr>
-              <a:t>prima o poi il processo </a:t>
-            </a:r>
-            <a:r>
-              <a:rPr kumimoji="0" lang="it-IT" sz="2100" b="1" i="0" u="none" strike="noStrike" kern="1200" cap="none" spc="0" normalizeH="0" baseline="0" noProof="0" dirty="0">
-                <a:ln>
-                  <a:noFill/>
-                </a:ln>
-                <a:solidFill>
-                  <a:prstClr val="black"/>
-                </a:solidFill>
-                <a:effectLst/>
-                <a:uLnTx/>
-                <a:uFillTx/>
-                <a:latin typeface="LMSans10-Regular"/>
-              </a:rPr>
-              <a:t>Customer-j</a:t>
-            </a:r>
-            <a:r>
-              <a:rPr kumimoji="0" lang="it-IT" sz="1900" b="1" i="0" u="none" strike="noStrike" kern="1200" cap="none" spc="0" normalizeH="0" baseline="0" noProof="0" dirty="0">
-                <a:ln>
-                  <a:noFill/>
-                </a:ln>
-                <a:solidFill>
-                  <a:prstClr val="black"/>
-                </a:solidFill>
-                <a:effectLst/>
-                <a:uLnTx/>
-                <a:uFillTx/>
-                <a:latin typeface="LMSans10-Regular"/>
-              </a:rPr>
-              <a:t> </a:t>
-            </a:r>
-            <a:r>
-              <a:rPr kumimoji="0" lang="it-IT" sz="1900" i="0" u="none" strike="noStrike" kern="1200" cap="none" spc="0" normalizeH="0" baseline="0" noProof="0" dirty="0">
-                <a:ln>
-                  <a:noFill/>
-                </a:ln>
-                <a:solidFill>
-                  <a:prstClr val="black"/>
-                </a:solidFill>
-                <a:effectLst/>
-                <a:uLnTx/>
-                <a:uFillTx/>
-                <a:latin typeface="Century Gothic" panose="020F0302020204030204"/>
-                <a:ea typeface="+mn-ea"/>
-                <a:cs typeface="+mn-cs"/>
-              </a:rPr>
-              <a:t>lo riceverà.</a:t>
-            </a:r>
-          </a:p>
-          <a:p>
-            <a:pPr marL="0" marR="0" lvl="0" indent="0" algn="ctr" defTabSz="914400" rtl="0" eaLnBrk="1" fontAlgn="auto" latinLnBrk="0" hangingPunct="1">
-              <a:lnSpc>
-                <a:spcPct val="110000"/>
-              </a:lnSpc>
-              <a:spcBef>
-                <a:spcPts val="900"/>
-              </a:spcBef>
-              <a:spcAft>
-                <a:spcPts val="0"/>
-              </a:spcAft>
-              <a:buClr>
-                <a:prstClr val="black">
-                  <a:lumMod val="85000"/>
-                  <a:lumOff val="15000"/>
-                </a:prstClr>
-              </a:buClr>
-              <a:buSzTx/>
-              <a:buFont typeface="Garamond" pitchFamily="18" charset="0"/>
-              <a:buNone/>
-              <a:tabLst/>
-              <a:defRPr/>
-            </a:pPr>
-            <a:endParaRPr kumimoji="0" lang="en-US" sz="1800" b="1" i="0" u="none" strike="noStrike" kern="1200" cap="none" spc="0" normalizeH="0" baseline="0" noProof="0" dirty="0">
-              <a:ln>
-                <a:noFill/>
-              </a:ln>
-              <a:solidFill>
-                <a:prstClr val="black"/>
-              </a:solidFill>
-              <a:effectLst/>
-              <a:uLnTx/>
-              <a:uFillTx/>
-              <a:latin typeface="LMSans10-Regular"/>
-            </a:endParaRPr>
-          </a:p>
-          <a:p>
-            <a:pPr marL="0" marR="0" lvl="0" indent="0" algn="ctr" defTabSz="914400" rtl="0" eaLnBrk="1" fontAlgn="auto" latinLnBrk="0" hangingPunct="1">
-              <a:lnSpc>
-                <a:spcPct val="110000"/>
-              </a:lnSpc>
-              <a:spcBef>
-                <a:spcPts val="900"/>
-              </a:spcBef>
-              <a:spcAft>
-                <a:spcPts val="0"/>
-              </a:spcAft>
-              <a:buClr>
-                <a:prstClr val="black">
-                  <a:lumMod val="85000"/>
-                  <a:lumOff val="15000"/>
-                </a:prstClr>
-              </a:buClr>
-              <a:buSzTx/>
-              <a:buFont typeface="Garamond" pitchFamily="18" charset="0"/>
-              <a:buNone/>
-              <a:tabLst/>
-              <a:defRPr/>
-            </a:pPr>
-            <a:r>
-              <a:rPr kumimoji="0" lang="en-US" sz="1900" b="1" i="0" u="none" strike="noStrike" kern="1200" cap="none" spc="0" normalizeH="0" baseline="0" noProof="0" dirty="0">
-                <a:ln>
-                  <a:noFill/>
-                </a:ln>
-                <a:solidFill>
-                  <a:prstClr val="black"/>
-                </a:solidFill>
-                <a:effectLst/>
-                <a:uLnTx/>
-                <a:uFillTx/>
-                <a:latin typeface="LMSans10-Regular"/>
-              </a:rPr>
-              <a:t>FairC2 = Inv([[will1]]</a:t>
-            </a:r>
-            <a:r>
-              <a:rPr kumimoji="0" lang="en-US" sz="1900" b="1" i="0" u="none" strike="noStrike" kern="1200" cap="none" spc="0" normalizeH="0" baseline="0" noProof="0" dirty="0" err="1">
-                <a:ln>
-                  <a:noFill/>
-                </a:ln>
-                <a:solidFill>
-                  <a:prstClr val="black"/>
-                </a:solidFill>
-                <a:effectLst/>
-                <a:uLnTx/>
-                <a:uFillTx/>
-                <a:latin typeface="LMSans10-Regular"/>
-              </a:rPr>
-              <a:t>WeakEven</a:t>
-            </a:r>
-            <a:r>
-              <a:rPr kumimoji="0" lang="en-US" sz="1900" b="1" i="0" u="none" strike="noStrike" kern="1200" cap="none" spc="0" normalizeH="0" baseline="0" noProof="0" dirty="0">
-                <a:ln>
-                  <a:noFill/>
-                </a:ln>
-                <a:solidFill>
-                  <a:prstClr val="black"/>
-                </a:solidFill>
-                <a:effectLst/>
-                <a:uLnTx/>
-                <a:uFillTx/>
-                <a:latin typeface="LMSans10-Regular"/>
-              </a:rPr>
-              <a:t>(«getHairCut1»T)</a:t>
-            </a:r>
-          </a:p>
-          <a:p>
-            <a:pPr marL="0" marR="0" lvl="0" indent="0" algn="ctr" defTabSz="914400" rtl="0" eaLnBrk="1" fontAlgn="auto" latinLnBrk="0" hangingPunct="1">
-              <a:lnSpc>
-                <a:spcPct val="110000"/>
-              </a:lnSpc>
-              <a:spcBef>
-                <a:spcPts val="900"/>
-              </a:spcBef>
-              <a:spcAft>
-                <a:spcPts val="0"/>
-              </a:spcAft>
-              <a:buClr>
-                <a:prstClr val="black">
-                  <a:lumMod val="85000"/>
-                  <a:lumOff val="15000"/>
-                </a:prstClr>
-              </a:buClr>
-              <a:buSzTx/>
-              <a:buFont typeface="Garamond" pitchFamily="18" charset="0"/>
-              <a:buNone/>
-              <a:tabLst/>
-              <a:defRPr/>
-            </a:pPr>
-            <a:r>
-              <a:rPr kumimoji="0" lang="en-US" sz="1900" b="1" i="0" u="none" strike="noStrike" kern="1200" cap="none" spc="0" normalizeH="0" baseline="0" noProof="0" dirty="0">
-                <a:ln>
-                  <a:noFill/>
-                </a:ln>
-                <a:solidFill>
-                  <a:prstClr val="black"/>
-                </a:solidFill>
-                <a:effectLst/>
-                <a:uLnTx/>
-                <a:uFillTx/>
-                <a:latin typeface="LMSans10-Regular"/>
-              </a:rPr>
-              <a:t>&amp; [[will2]]</a:t>
-            </a:r>
-            <a:r>
-              <a:rPr kumimoji="0" lang="en-US" sz="1900" b="1" i="0" u="none" strike="noStrike" kern="1200" cap="none" spc="0" normalizeH="0" baseline="0" noProof="0" dirty="0" err="1">
-                <a:ln>
-                  <a:noFill/>
-                </a:ln>
-                <a:solidFill>
-                  <a:prstClr val="black"/>
-                </a:solidFill>
-                <a:effectLst/>
-                <a:uLnTx/>
-                <a:uFillTx/>
-                <a:latin typeface="LMSans10-Regular"/>
-              </a:rPr>
-              <a:t>WeakEven</a:t>
-            </a:r>
-            <a:r>
-              <a:rPr kumimoji="0" lang="en-US" sz="1900" b="1" i="0" u="none" strike="noStrike" kern="1200" cap="none" spc="0" normalizeH="0" baseline="0" noProof="0" dirty="0">
-                <a:ln>
-                  <a:noFill/>
-                </a:ln>
-                <a:solidFill>
-                  <a:prstClr val="black"/>
-                </a:solidFill>
-                <a:effectLst/>
-                <a:uLnTx/>
-                <a:uFillTx/>
-                <a:latin typeface="LMSans10-Regular"/>
-              </a:rPr>
-              <a:t>(«getHairCut2»T))</a:t>
-            </a:r>
-          </a:p>
-          <a:p>
-            <a:pPr marL="0" marR="0" lvl="0" indent="0" algn="ctr" defTabSz="914400" rtl="0" eaLnBrk="1" fontAlgn="auto" latinLnBrk="0" hangingPunct="1">
-              <a:lnSpc>
-                <a:spcPct val="110000"/>
-              </a:lnSpc>
-              <a:spcBef>
-                <a:spcPts val="900"/>
-              </a:spcBef>
-              <a:spcAft>
-                <a:spcPts val="0"/>
-              </a:spcAft>
-              <a:buClr>
-                <a:prstClr val="black">
-                  <a:lumMod val="85000"/>
-                  <a:lumOff val="15000"/>
-                </a:prstClr>
-              </a:buClr>
-              <a:buSzTx/>
-              <a:buFont typeface="Garamond" pitchFamily="18" charset="0"/>
-              <a:buNone/>
-              <a:tabLst/>
-              <a:defRPr/>
-            </a:pPr>
-            <a:r>
-              <a:rPr kumimoji="0" lang="en-US" sz="1900" b="1" i="0" u="none" strike="noStrike" kern="1200" cap="none" spc="0" normalizeH="0" baseline="0" noProof="0" dirty="0">
-                <a:ln>
-                  <a:noFill/>
-                </a:ln>
-                <a:solidFill>
-                  <a:prstClr val="black"/>
-                </a:solidFill>
-                <a:effectLst/>
-                <a:uLnTx/>
-                <a:uFillTx/>
-                <a:latin typeface="LMSans10-Regular"/>
-              </a:rPr>
-              <a:t>&amp; [[will3]]</a:t>
-            </a:r>
-            <a:r>
-              <a:rPr kumimoji="0" lang="en-US" sz="1900" b="1" i="0" u="none" strike="noStrike" kern="1200" cap="none" spc="0" normalizeH="0" baseline="0" noProof="0" dirty="0" err="1">
-                <a:ln>
-                  <a:noFill/>
-                </a:ln>
-                <a:solidFill>
-                  <a:prstClr val="black"/>
-                </a:solidFill>
-                <a:effectLst/>
-                <a:uLnTx/>
-                <a:uFillTx/>
-                <a:latin typeface="LMSans10-Regular"/>
-              </a:rPr>
-              <a:t>WeakEven</a:t>
-            </a:r>
-            <a:r>
-              <a:rPr kumimoji="0" lang="en-US" sz="1900" b="1" i="0" u="none" strike="noStrike" kern="1200" cap="none" spc="0" normalizeH="0" baseline="0" noProof="0" dirty="0">
-                <a:ln>
-                  <a:noFill/>
-                </a:ln>
-                <a:solidFill>
-                  <a:prstClr val="black"/>
-                </a:solidFill>
-                <a:effectLst/>
-                <a:uLnTx/>
-                <a:uFillTx/>
-                <a:latin typeface="LMSans10-Regular"/>
-              </a:rPr>
-              <a:t>(«getHairCut3»T)));</a:t>
-            </a:r>
-          </a:p>
-          <a:p>
-            <a:pPr marL="0" marR="0" lvl="0" indent="0" algn="ctr" defTabSz="914400" rtl="0" eaLnBrk="1" fontAlgn="auto" latinLnBrk="0" hangingPunct="1">
-              <a:lnSpc>
-                <a:spcPct val="110000"/>
-              </a:lnSpc>
-              <a:spcBef>
-                <a:spcPts val="900"/>
-              </a:spcBef>
-              <a:spcAft>
-                <a:spcPts val="0"/>
-              </a:spcAft>
-              <a:buClr>
-                <a:prstClr val="black">
-                  <a:lumMod val="85000"/>
-                  <a:lumOff val="15000"/>
-                </a:prstClr>
-              </a:buClr>
-              <a:buSzTx/>
-              <a:buFont typeface="Garamond" pitchFamily="18" charset="0"/>
-              <a:buNone/>
-              <a:tabLst/>
-              <a:defRPr/>
-            </a:pPr>
-            <a:endParaRPr kumimoji="0" lang="en-US" sz="1900" b="1" i="0" u="none" strike="noStrike" kern="1200" cap="none" spc="0" normalizeH="0" baseline="0" noProof="0" dirty="0">
-              <a:ln>
-                <a:noFill/>
-              </a:ln>
-              <a:solidFill>
-                <a:prstClr val="black"/>
-              </a:solidFill>
-              <a:effectLst/>
-              <a:uLnTx/>
-              <a:uFillTx/>
-              <a:latin typeface="LMSans10-Regular"/>
-            </a:endParaRPr>
-          </a:p>
-          <a:p>
-            <a:pPr marL="0" marR="0" lvl="0" indent="0" algn="l" defTabSz="914400" rtl="0" eaLnBrk="1" fontAlgn="auto" latinLnBrk="0" hangingPunct="1">
-              <a:lnSpc>
-                <a:spcPct val="110000"/>
-              </a:lnSpc>
-              <a:spcBef>
-                <a:spcPts val="900"/>
-              </a:spcBef>
-              <a:spcAft>
-                <a:spcPts val="0"/>
-              </a:spcAft>
-              <a:buClr>
-                <a:prstClr val="black">
-                  <a:lumMod val="85000"/>
-                  <a:lumOff val="15000"/>
-                </a:prstClr>
-              </a:buClr>
-              <a:buSzTx/>
-              <a:buFont typeface="Garamond" pitchFamily="18" charset="0"/>
-              <a:buNone/>
-              <a:tabLst/>
-              <a:defRPr/>
-            </a:pPr>
-            <a:r>
-              <a:rPr kumimoji="0" lang="it-IT" sz="1900" i="0" u="none" strike="noStrike" kern="1200" cap="none" spc="0" normalizeH="0" baseline="0" noProof="0" dirty="0">
-                <a:ln>
-                  <a:noFill/>
-                </a:ln>
-                <a:solidFill>
-                  <a:prstClr val="black"/>
-                </a:solidFill>
-                <a:effectLst/>
-                <a:uLnTx/>
-                <a:uFillTx/>
-                <a:latin typeface="Century Gothic" panose="020F0302020204030204"/>
-                <a:ea typeface="+mn-ea"/>
-                <a:cs typeface="+mn-cs"/>
-              </a:rPr>
-              <a:t>Con il commando </a:t>
-            </a:r>
-            <a:r>
-              <a:rPr kumimoji="0" lang="it-IT" sz="1900" b="1" i="0" u="none" strike="noStrike" kern="1200" cap="none" spc="0" normalizeH="0" baseline="0" noProof="0" dirty="0" err="1">
-                <a:ln>
-                  <a:noFill/>
-                </a:ln>
-                <a:solidFill>
-                  <a:prstClr val="black"/>
-                </a:solidFill>
-                <a:effectLst/>
-                <a:uLnTx/>
-                <a:uFillTx/>
-                <a:latin typeface="Century Gothic" panose="020F0302020204030204"/>
-                <a:ea typeface="+mn-ea"/>
-                <a:cs typeface="+mn-cs"/>
-              </a:rPr>
-              <a:t>checkprop</a:t>
-            </a:r>
-            <a:r>
-              <a:rPr kumimoji="0" lang="it-IT" sz="1900" b="1" i="0" u="none" strike="noStrike" kern="1200" cap="none" spc="0" normalizeH="0" baseline="0" noProof="0" dirty="0">
-                <a:ln>
-                  <a:noFill/>
-                </a:ln>
-                <a:solidFill>
-                  <a:prstClr val="black"/>
-                </a:solidFill>
-                <a:effectLst/>
-                <a:uLnTx/>
-                <a:uFillTx/>
-                <a:latin typeface="Century Gothic" panose="020F0302020204030204"/>
-                <a:ea typeface="+mn-ea"/>
-                <a:cs typeface="+mn-cs"/>
-              </a:rPr>
-              <a:t>(</a:t>
-            </a:r>
-            <a:r>
-              <a:rPr kumimoji="0" lang="it-IT" sz="1900" b="1" i="0" u="none" strike="noStrike" kern="1200" cap="none" spc="0" normalizeH="0" baseline="0" noProof="0" dirty="0" err="1">
-                <a:ln>
-                  <a:noFill/>
-                </a:ln>
-                <a:solidFill>
-                  <a:prstClr val="black"/>
-                </a:solidFill>
-                <a:effectLst/>
-                <a:uLnTx/>
-                <a:uFillTx/>
-                <a:latin typeface="Century Gothic" panose="020F0302020204030204"/>
-                <a:ea typeface="+mn-ea"/>
-                <a:cs typeface="+mn-cs"/>
-              </a:rPr>
-              <a:t>Sys</a:t>
-            </a:r>
-            <a:r>
-              <a:rPr kumimoji="0" lang="it-IT" sz="1900" b="1" i="0" u="none" strike="noStrike" kern="1200" cap="none" spc="0" normalizeH="0" baseline="0" noProof="0" dirty="0">
-                <a:ln>
-                  <a:noFill/>
-                </a:ln>
-                <a:solidFill>
-                  <a:prstClr val="black"/>
-                </a:solidFill>
-                <a:effectLst/>
-                <a:uLnTx/>
-                <a:uFillTx/>
-                <a:latin typeface="Century Gothic" panose="020F0302020204030204"/>
-                <a:ea typeface="+mn-ea"/>
-                <a:cs typeface="+mn-cs"/>
-              </a:rPr>
-              <a:t>’, FairC2) </a:t>
-            </a:r>
-            <a:r>
-              <a:rPr kumimoji="0" lang="it-IT" sz="1900" i="0" u="none" strike="noStrike" kern="1200" cap="none" spc="0" normalizeH="0" baseline="0" noProof="0" dirty="0">
-                <a:ln>
-                  <a:noFill/>
-                </a:ln>
-                <a:solidFill>
-                  <a:prstClr val="black"/>
-                </a:solidFill>
-                <a:effectLst/>
-                <a:uLnTx/>
-                <a:uFillTx/>
-                <a:latin typeface="Century Gothic" panose="020F0302020204030204"/>
-                <a:ea typeface="+mn-ea"/>
-                <a:cs typeface="+mn-cs"/>
-              </a:rPr>
-              <a:t>si ottiene </a:t>
-            </a:r>
-            <a:r>
-              <a:rPr kumimoji="0" lang="it-IT" sz="1900" b="1" i="0" u="none" strike="noStrike" kern="1200" cap="none" spc="0" normalizeH="0" baseline="0" noProof="0" dirty="0">
-                <a:ln>
-                  <a:noFill/>
-                </a:ln>
-                <a:solidFill>
-                  <a:prstClr val="black"/>
-                </a:solidFill>
-                <a:effectLst/>
-                <a:uLnTx/>
-                <a:uFillTx/>
-                <a:latin typeface="Century Gothic" panose="020F0302020204030204"/>
-                <a:ea typeface="+mn-ea"/>
-                <a:cs typeface="+mn-cs"/>
-              </a:rPr>
-              <a:t>False</a:t>
-            </a:r>
-            <a:r>
-              <a:rPr kumimoji="0" lang="it-IT" sz="1900" i="0" u="none" strike="noStrike" kern="1200" cap="none" spc="0" normalizeH="0" baseline="0" noProof="0" dirty="0">
-                <a:ln>
-                  <a:noFill/>
-                </a:ln>
-                <a:solidFill>
-                  <a:prstClr val="black"/>
-                </a:solidFill>
-                <a:effectLst/>
-                <a:uLnTx/>
-                <a:uFillTx/>
-                <a:latin typeface="Century Gothic" panose="020F0302020204030204"/>
-                <a:ea typeface="+mn-ea"/>
-                <a:cs typeface="+mn-cs"/>
-              </a:rPr>
-              <a:t>. Quindi non vale la </a:t>
-            </a:r>
-            <a:r>
-              <a:rPr kumimoji="0" lang="it-IT" sz="1900" i="0" u="none" strike="noStrike" kern="1200" cap="none" spc="0" normalizeH="0" baseline="0" noProof="0" dirty="0" err="1">
-                <a:ln>
-                  <a:noFill/>
-                </a:ln>
-                <a:solidFill>
-                  <a:prstClr val="black"/>
-                </a:solidFill>
-                <a:effectLst/>
-                <a:uLnTx/>
-                <a:uFillTx/>
-                <a:latin typeface="Century Gothic" panose="020F0302020204030204"/>
-                <a:ea typeface="+mn-ea"/>
-                <a:cs typeface="+mn-cs"/>
-              </a:rPr>
-              <a:t>fairness</a:t>
-            </a:r>
-            <a:r>
-              <a:rPr kumimoji="0" lang="it-IT" sz="1900" i="0" u="none" strike="noStrike" kern="1200" cap="none" spc="0" normalizeH="0" baseline="0" noProof="0" dirty="0">
-                <a:ln>
-                  <a:noFill/>
-                </a:ln>
-                <a:solidFill>
-                  <a:prstClr val="black"/>
-                </a:solidFill>
-                <a:effectLst/>
-                <a:uLnTx/>
-                <a:uFillTx/>
-                <a:latin typeface="Century Gothic" panose="020F0302020204030204"/>
-                <a:ea typeface="+mn-ea"/>
-                <a:cs typeface="+mn-cs"/>
-              </a:rPr>
-              <a:t>.</a:t>
+              <a:rPr lang="it-IT" sz="2000" b="1" dirty="0">
+                <a:latin typeface="LMSans10-Regular"/>
+              </a:rPr>
+              <a:t>’</a:t>
+            </a:r>
+            <a:r>
+              <a:rPr lang="it-IT" sz="2000" b="1" dirty="0" err="1">
+                <a:latin typeface="LMSans10-Regular"/>
+              </a:rPr>
+              <a:t>enter</a:t>
+            </a:r>
+            <a:r>
+              <a:rPr lang="it-IT" sz="2000" b="1" dirty="0">
+                <a:latin typeface="LMSans10-Regular"/>
+              </a:rPr>
+              <a:t>.’</a:t>
+            </a:r>
+            <a:r>
+              <a:rPr lang="it-IT" sz="2000" b="1" dirty="0" err="1">
+                <a:latin typeface="LMSans10-Regular"/>
+              </a:rPr>
+              <a:t>decExit.Customer</a:t>
+            </a:r>
+            <a:r>
+              <a:rPr lang="it-IT" sz="2000" b="1" dirty="0">
+                <a:latin typeface="LMSans10-Regular"/>
+              </a:rPr>
+              <a:t>-i;</a:t>
             </a:r>
           </a:p>
           <a:p>
             <a:pPr marL="0" indent="0">
               <a:buNone/>
             </a:pPr>
-            <a:endParaRPr lang="en-US" sz="1800" dirty="0"/>
-          </a:p>
-        </p:txBody>
-      </p:sp>
-      <p:sp>
-        <p:nvSpPr>
-          <p:cNvPr id="2" name="Segnaposto numero diapositiva 1">
+            <a:endParaRPr lang="it-IT" sz="1800" dirty="0"/>
+          </a:p>
+        </p:txBody>
+      </p:sp>
+      <p:sp>
+        <p:nvSpPr>
+          <p:cNvPr id="5" name="Segnaposto numero diapositiva 4">
             <a:extLst>
               <a:ext uri="{FF2B5EF4-FFF2-40B4-BE49-F238E27FC236}">
-                <a16:creationId xmlns:a16="http://schemas.microsoft.com/office/drawing/2014/main" id="{EDDFB3DD-A10C-4EEA-A2EE-4EF1A5364657}"/>
+                <a16:creationId xmlns:a16="http://schemas.microsoft.com/office/drawing/2014/main" id="{00E633E3-BE46-4616-A6C9-00D4C6EA8180}"/>
               </a:ext>
             </a:extLst>
           </p:cNvPr>
@@ -9008,7 +8135,7 @@
             </a:fld>
             <a:r>
               <a:rPr lang="en-US" dirty="0"/>
-              <a:t> / 24</a:t>
+              <a:t> / 25</a:t>
             </a:r>
           </a:p>
         </p:txBody>
@@ -9016,7 +8143,7 @@
     </p:spTree>
     <p:extLst>
       <p:ext uri="{BB962C8B-B14F-4D97-AF65-F5344CB8AC3E}">
-        <p14:creationId xmlns:p14="http://schemas.microsoft.com/office/powerpoint/2010/main" val="4138234091"/>
+        <p14:creationId xmlns:p14="http://schemas.microsoft.com/office/powerpoint/2010/main" val="2739633208"/>
       </p:ext>
     </p:extLst>
   </p:cSld>
@@ -9241,7 +8368,7 @@
             </a:fld>
             <a:r>
               <a:rPr lang="en-US" dirty="0"/>
-              <a:t>/24</a:t>
+              <a:t>/25</a:t>
             </a:r>
           </a:p>
         </p:txBody>
@@ -9281,7 +8408,7 @@
           <p:cNvPr id="3" name="Segnaposto contenuto 2">
             <a:extLst>
               <a:ext uri="{FF2B5EF4-FFF2-40B4-BE49-F238E27FC236}">
-                <a16:creationId xmlns:a16="http://schemas.microsoft.com/office/drawing/2014/main" id="{2D8DA56F-2567-4472-8220-837CF970D4A5}"/>
+                <a16:creationId xmlns:a16="http://schemas.microsoft.com/office/drawing/2014/main" id="{10DF9DD9-3CC9-46A3-86F5-45811FE292CF}"/>
               </a:ext>
             </a:extLst>
           </p:cNvPr>
@@ -9294,183 +8421,931 @@
         </p:nvSpPr>
         <p:spPr>
           <a:xfrm>
-            <a:off x="1066800" y="791852"/>
-            <a:ext cx="10058400" cy="5160892"/>
+            <a:off x="772999" y="697584"/>
+            <a:ext cx="10652288" cy="5448692"/>
           </a:xfrm>
         </p:spPr>
         <p:txBody>
-          <a:bodyPr/>
+          <a:bodyPr>
+            <a:normAutofit fontScale="85000" lnSpcReduction="20000"/>
+          </a:bodyPr>
           <a:lstStyle/>
           <a:p>
-            <a:pPr marL="2317120" lvl="8" indent="0">
-              <a:lnSpc>
-                <a:spcPct val="90000"/>
-              </a:lnSpc>
-              <a:buNone/>
-            </a:pPr>
-            <a:r>
-              <a:rPr lang="it-IT" sz="1700" b="1" dirty="0">
-                <a:latin typeface="LMSans10-Regular"/>
-              </a:rPr>
-              <a:t>	</a:t>
-            </a:r>
-          </a:p>
-          <a:p>
-            <a:pPr marL="2317120" lvl="8" indent="0">
-              <a:lnSpc>
-                <a:spcPct val="90000"/>
-              </a:lnSpc>
-              <a:buNone/>
-            </a:pPr>
-            <a:r>
-              <a:rPr lang="it-IT" sz="1700" b="1" dirty="0">
-                <a:latin typeface="LMSans10-Regular"/>
-              </a:rPr>
-              <a:t>	</a:t>
-            </a:r>
-            <a:r>
-              <a:rPr lang="it-IT" sz="2000" b="1" dirty="0">
-                <a:latin typeface="LMSans10-Regular"/>
-              </a:rPr>
-              <a:t>WaitForever1 = max (X. «-getHairCut1» X);</a:t>
-            </a:r>
-          </a:p>
-          <a:p>
-            <a:pPr marL="2317120" lvl="8" indent="0">
-              <a:lnSpc>
-                <a:spcPct val="90000"/>
-              </a:lnSpc>
-              <a:buNone/>
-            </a:pPr>
-            <a:r>
-              <a:rPr lang="it-IT" sz="2000" b="1" dirty="0">
-                <a:latin typeface="LMSans10-Regular"/>
-              </a:rPr>
-              <a:t>	WaitForever2 = max (X. «-getHairCut2» X);</a:t>
-            </a:r>
-          </a:p>
-          <a:p>
-            <a:pPr marL="2317120" lvl="8" indent="0">
-              <a:lnSpc>
-                <a:spcPct val="90000"/>
-              </a:lnSpc>
-              <a:buNone/>
-            </a:pPr>
-            <a:r>
-              <a:rPr lang="it-IT" sz="2000" b="1" dirty="0">
-                <a:latin typeface="LMSans10-Regular"/>
-              </a:rPr>
-              <a:t>	WaitForever3 = max (X. «-getHairCut3» X);</a:t>
-            </a:r>
-          </a:p>
-          <a:p>
-            <a:pPr marL="2317120" lvl="8" indent="0">
-              <a:lnSpc>
-                <a:spcPct val="90000"/>
-              </a:lnSpc>
-              <a:buNone/>
-            </a:pPr>
-            <a:endParaRPr lang="it-IT" sz="1700" b="1" dirty="0">
+            <a:pPr marL="0" indent="0">
+              <a:buNone/>
+            </a:pPr>
+            <a:r>
+              <a:rPr lang="it-IT" sz="1900" dirty="0"/>
+              <a:t>Una volta espressa la volontà di eseguire un taglio esiste uno stato in cui è possibile effettuarlo.</a:t>
+            </a:r>
+          </a:p>
+          <a:p>
+            <a:pPr marL="0" indent="0" algn="ctr">
+              <a:buNone/>
+            </a:pPr>
+            <a:endParaRPr lang="en-US" sz="1800" b="1" dirty="0">
               <a:latin typeface="LMSans10-Regular"/>
             </a:endParaRPr>
           </a:p>
           <a:p>
+            <a:pPr marL="0" indent="0" algn="ctr">
+              <a:buNone/>
+            </a:pPr>
+            <a:r>
+              <a:rPr lang="en-US" sz="1900" b="1" dirty="0" err="1">
+                <a:latin typeface="LMSans10-Regular"/>
+              </a:rPr>
+              <a:t>FairC</a:t>
+            </a:r>
+            <a:r>
+              <a:rPr lang="en-US" sz="1900" b="1" dirty="0">
+                <a:latin typeface="LMSans10-Regular"/>
+              </a:rPr>
+              <a:t> = Inv([[will1]] Pos(«getHairCut1»T)</a:t>
+            </a:r>
+          </a:p>
+          <a:p>
+            <a:pPr marL="0" indent="0" algn="ctr">
+              <a:buNone/>
+            </a:pPr>
+            <a:r>
+              <a:rPr lang="en-US" sz="1900" b="1" dirty="0">
+                <a:latin typeface="LMSans10-Regular"/>
+              </a:rPr>
+              <a:t>&amp; [[[will2]] Pos(«getHairCut2»T)</a:t>
+            </a:r>
+          </a:p>
+          <a:p>
+            <a:pPr marL="0" indent="0" algn="ctr">
+              <a:buNone/>
+            </a:pPr>
+            <a:r>
+              <a:rPr lang="en-US" sz="1900" b="1" dirty="0">
+                <a:latin typeface="LMSans10-Regular"/>
+              </a:rPr>
+              <a:t>&amp; [[will3]] Pos(«getHairCut3»T));</a:t>
+            </a:r>
+          </a:p>
+          <a:p>
+            <a:pPr marL="0" indent="0" algn="ctr">
+              <a:buNone/>
+            </a:pPr>
+            <a:endParaRPr lang="en-US" sz="1800" b="1" dirty="0">
+              <a:latin typeface="LMSans10-Regular"/>
+            </a:endParaRPr>
+          </a:p>
+          <a:p>
+            <a:pPr marL="0" marR="0" lvl="0" indent="0" algn="l" defTabSz="914400" rtl="0" eaLnBrk="1" fontAlgn="auto" latinLnBrk="0" hangingPunct="1">
+              <a:lnSpc>
+                <a:spcPct val="110000"/>
+              </a:lnSpc>
+              <a:spcBef>
+                <a:spcPts val="900"/>
+              </a:spcBef>
+              <a:spcAft>
+                <a:spcPts val="0"/>
+              </a:spcAft>
+              <a:buClr>
+                <a:prstClr val="black">
+                  <a:lumMod val="85000"/>
+                  <a:lumOff val="15000"/>
+                </a:prstClr>
+              </a:buClr>
+              <a:buSzTx/>
+              <a:buFont typeface="Garamond" pitchFamily="18" charset="0"/>
+              <a:buNone/>
+              <a:tabLst/>
+              <a:defRPr/>
+            </a:pPr>
+            <a:r>
+              <a:rPr kumimoji="0" lang="it-IT" sz="1900" b="0" i="0" u="none" strike="noStrike" kern="1200" cap="none" spc="0" normalizeH="0" baseline="0" noProof="0" dirty="0">
+                <a:ln>
+                  <a:noFill/>
+                </a:ln>
+                <a:solidFill>
+                  <a:prstClr val="black"/>
+                </a:solidFill>
+                <a:effectLst/>
+                <a:uLnTx/>
+                <a:uFillTx/>
+                <a:latin typeface="Century Gothic" panose="020F0302020204030204"/>
+                <a:ea typeface="+mn-ea"/>
+                <a:cs typeface="+mn-cs"/>
+              </a:rPr>
+              <a:t>Con il commando </a:t>
+            </a:r>
+            <a:r>
+              <a:rPr kumimoji="0" lang="it-IT" sz="1900" b="1" i="0" u="none" strike="noStrike" kern="1200" cap="none" spc="0" normalizeH="0" baseline="0" noProof="0" dirty="0" err="1">
+                <a:ln>
+                  <a:noFill/>
+                </a:ln>
+                <a:solidFill>
+                  <a:prstClr val="black"/>
+                </a:solidFill>
+                <a:effectLst/>
+                <a:uLnTx/>
+                <a:uFillTx/>
+                <a:latin typeface="Century Gothic" panose="020F0302020204030204"/>
+                <a:ea typeface="+mn-ea"/>
+                <a:cs typeface="+mn-cs"/>
+              </a:rPr>
+              <a:t>checkprop</a:t>
+            </a:r>
+            <a:r>
+              <a:rPr kumimoji="0" lang="it-IT" sz="1900" b="1" i="0" u="none" strike="noStrike" kern="1200" cap="none" spc="0" normalizeH="0" baseline="0" noProof="0" dirty="0">
+                <a:ln>
+                  <a:noFill/>
+                </a:ln>
+                <a:solidFill>
+                  <a:prstClr val="black"/>
+                </a:solidFill>
+                <a:effectLst/>
+                <a:uLnTx/>
+                <a:uFillTx/>
+                <a:latin typeface="Century Gothic" panose="020F0302020204030204"/>
+                <a:ea typeface="+mn-ea"/>
+                <a:cs typeface="+mn-cs"/>
+              </a:rPr>
+              <a:t>(</a:t>
+            </a:r>
+            <a:r>
+              <a:rPr kumimoji="0" lang="it-IT" sz="1900" b="1" i="0" u="none" strike="noStrike" kern="1200" cap="none" spc="0" normalizeH="0" baseline="0" noProof="0" dirty="0" err="1">
+                <a:ln>
+                  <a:noFill/>
+                </a:ln>
+                <a:solidFill>
+                  <a:prstClr val="black"/>
+                </a:solidFill>
+                <a:effectLst/>
+                <a:uLnTx/>
+                <a:uFillTx/>
+                <a:latin typeface="Century Gothic" panose="020F0302020204030204"/>
+                <a:ea typeface="+mn-ea"/>
+                <a:cs typeface="+mn-cs"/>
+              </a:rPr>
+              <a:t>Sys</a:t>
+            </a:r>
+            <a:r>
+              <a:rPr kumimoji="0" lang="it-IT" sz="1900" b="1" i="0" u="none" strike="noStrike" kern="1200" cap="none" spc="0" normalizeH="0" baseline="0" noProof="0" dirty="0">
+                <a:ln>
+                  <a:noFill/>
+                </a:ln>
+                <a:solidFill>
+                  <a:prstClr val="black"/>
+                </a:solidFill>
+                <a:effectLst/>
+                <a:uLnTx/>
+                <a:uFillTx/>
+                <a:latin typeface="Century Gothic" panose="020F0302020204030204"/>
+                <a:ea typeface="+mn-ea"/>
+                <a:cs typeface="+mn-cs"/>
+              </a:rPr>
+              <a:t>’, </a:t>
+            </a:r>
+            <a:r>
+              <a:rPr kumimoji="0" lang="it-IT" sz="1900" b="1" i="0" u="none" strike="noStrike" kern="1200" cap="none" spc="0" normalizeH="0" baseline="0" noProof="0" dirty="0" err="1">
+                <a:ln>
+                  <a:noFill/>
+                </a:ln>
+                <a:solidFill>
+                  <a:prstClr val="black"/>
+                </a:solidFill>
+                <a:effectLst/>
+                <a:uLnTx/>
+                <a:uFillTx/>
+                <a:latin typeface="Century Gothic" panose="020F0302020204030204"/>
+                <a:ea typeface="+mn-ea"/>
+                <a:cs typeface="+mn-cs"/>
+              </a:rPr>
+              <a:t>FairC</a:t>
+            </a:r>
+            <a:r>
+              <a:rPr kumimoji="0" lang="it-IT" sz="1900" b="1" i="0" u="none" strike="noStrike" kern="1200" cap="none" spc="0" normalizeH="0" baseline="0" noProof="0" dirty="0">
+                <a:ln>
+                  <a:noFill/>
+                </a:ln>
+                <a:solidFill>
+                  <a:prstClr val="black"/>
+                </a:solidFill>
+                <a:effectLst/>
+                <a:uLnTx/>
+                <a:uFillTx/>
+                <a:latin typeface="Century Gothic" panose="020F0302020204030204"/>
+                <a:ea typeface="+mn-ea"/>
+                <a:cs typeface="+mn-cs"/>
+              </a:rPr>
+              <a:t>) </a:t>
+            </a:r>
+            <a:r>
+              <a:rPr kumimoji="0" lang="it-IT" sz="1900" b="0" i="0" u="none" strike="noStrike" kern="1200" cap="none" spc="0" normalizeH="0" baseline="0" noProof="0" dirty="0">
+                <a:ln>
+                  <a:noFill/>
+                </a:ln>
+                <a:solidFill>
+                  <a:prstClr val="black"/>
+                </a:solidFill>
+                <a:effectLst/>
+                <a:uLnTx/>
+                <a:uFillTx/>
+                <a:latin typeface="Century Gothic" panose="020F0302020204030204"/>
+                <a:ea typeface="+mn-ea"/>
+                <a:cs typeface="+mn-cs"/>
+              </a:rPr>
+              <a:t>si ottiene </a:t>
+            </a:r>
+            <a:r>
+              <a:rPr kumimoji="0" lang="it-IT" sz="1900" b="1" i="0" u="none" strike="noStrike" kern="1200" cap="none" spc="0" normalizeH="0" baseline="0" noProof="0" dirty="0">
+                <a:ln>
+                  <a:noFill/>
+                </a:ln>
+                <a:solidFill>
+                  <a:prstClr val="black"/>
+                </a:solidFill>
+                <a:effectLst/>
+                <a:uLnTx/>
+                <a:uFillTx/>
+                <a:latin typeface="Century Gothic" panose="020F0302020204030204"/>
+                <a:ea typeface="+mn-ea"/>
+                <a:cs typeface="+mn-cs"/>
+              </a:rPr>
+              <a:t>True. </a:t>
+            </a:r>
+            <a:r>
+              <a:rPr kumimoji="0" lang="it-IT" sz="1900" i="0" u="none" strike="noStrike" kern="1200" cap="none" spc="0" normalizeH="0" baseline="0" noProof="0" dirty="0">
+                <a:ln>
+                  <a:noFill/>
+                </a:ln>
+                <a:solidFill>
+                  <a:prstClr val="black"/>
+                </a:solidFill>
+                <a:effectLst/>
+                <a:uLnTx/>
+                <a:uFillTx/>
+                <a:latin typeface="Century Gothic" panose="020F0302020204030204"/>
+                <a:ea typeface="+mn-ea"/>
+                <a:cs typeface="+mn-cs"/>
+              </a:rPr>
+              <a:t>Quindi è possibile ricevere un taglio ma….</a:t>
+            </a:r>
+          </a:p>
+          <a:p>
+            <a:pPr marL="0" marR="0" lvl="0" indent="0" algn="l" defTabSz="914400" rtl="0" eaLnBrk="1" fontAlgn="auto" latinLnBrk="0" hangingPunct="1">
+              <a:lnSpc>
+                <a:spcPct val="110000"/>
+              </a:lnSpc>
+              <a:spcBef>
+                <a:spcPts val="900"/>
+              </a:spcBef>
+              <a:spcAft>
+                <a:spcPts val="0"/>
+              </a:spcAft>
+              <a:buClr>
+                <a:prstClr val="black">
+                  <a:lumMod val="85000"/>
+                  <a:lumOff val="15000"/>
+                </a:prstClr>
+              </a:buClr>
+              <a:buSzTx/>
+              <a:buFont typeface="Garamond" pitchFamily="18" charset="0"/>
+              <a:buNone/>
+              <a:tabLst/>
+              <a:defRPr/>
+            </a:pPr>
+            <a:r>
+              <a:rPr kumimoji="0" lang="it-IT" sz="1900" i="0" u="none" strike="noStrike" kern="1200" cap="none" spc="0" normalizeH="0" baseline="0" noProof="0" dirty="0">
+                <a:ln>
+                  <a:noFill/>
+                </a:ln>
+                <a:solidFill>
+                  <a:prstClr val="black"/>
+                </a:solidFill>
+                <a:effectLst/>
+                <a:uLnTx/>
+                <a:uFillTx/>
+                <a:latin typeface="Century Gothic" panose="020F0302020204030204"/>
+                <a:ea typeface="+mn-ea"/>
+                <a:cs typeface="+mn-cs"/>
+              </a:rPr>
+              <a:t>Si può verificare che non vale: è sempre vero che dopo aver espresso la volontà di eseguire un taglio attraverso </a:t>
+            </a:r>
+            <a:r>
+              <a:rPr kumimoji="0" lang="it-IT" sz="2100" b="1" i="0" u="none" strike="noStrike" kern="1200" cap="none" spc="0" normalizeH="0" baseline="0" noProof="0" dirty="0" err="1">
+                <a:ln>
+                  <a:noFill/>
+                </a:ln>
+                <a:solidFill>
+                  <a:prstClr val="black"/>
+                </a:solidFill>
+                <a:effectLst/>
+                <a:uLnTx/>
+                <a:uFillTx/>
+                <a:latin typeface="LMSans10-Regular"/>
+              </a:rPr>
+              <a:t>will</a:t>
+            </a:r>
+            <a:r>
+              <a:rPr kumimoji="0" lang="it-IT" sz="2100" b="1" i="0" u="none" strike="noStrike" kern="1200" cap="none" spc="0" normalizeH="0" baseline="0" noProof="0" dirty="0">
+                <a:ln>
+                  <a:noFill/>
+                </a:ln>
+                <a:solidFill>
+                  <a:prstClr val="black"/>
+                </a:solidFill>
+                <a:effectLst/>
+                <a:uLnTx/>
+                <a:uFillTx/>
+                <a:latin typeface="LMSans10-Regular"/>
+              </a:rPr>
+              <a:t>-j</a:t>
+            </a:r>
+            <a:endParaRPr kumimoji="0" lang="it-IT" sz="1900" b="1" i="0" u="none" strike="noStrike" kern="1200" cap="none" spc="0" normalizeH="0" baseline="0" noProof="0" dirty="0">
+              <a:ln>
+                <a:noFill/>
+              </a:ln>
+              <a:solidFill>
+                <a:prstClr val="black"/>
+              </a:solidFill>
+              <a:effectLst/>
+              <a:uLnTx/>
+              <a:uFillTx/>
+              <a:latin typeface="LMSans10-Regular"/>
+            </a:endParaRPr>
+          </a:p>
+          <a:p>
+            <a:pPr marL="0" marR="0" lvl="0" indent="0" algn="l" defTabSz="914400" rtl="0" eaLnBrk="1" fontAlgn="auto" latinLnBrk="0" hangingPunct="1">
+              <a:lnSpc>
+                <a:spcPct val="110000"/>
+              </a:lnSpc>
+              <a:spcBef>
+                <a:spcPts val="900"/>
+              </a:spcBef>
+              <a:spcAft>
+                <a:spcPts val="0"/>
+              </a:spcAft>
+              <a:buClr>
+                <a:prstClr val="black">
+                  <a:lumMod val="85000"/>
+                  <a:lumOff val="15000"/>
+                </a:prstClr>
+              </a:buClr>
+              <a:buSzTx/>
+              <a:buFont typeface="Garamond" pitchFamily="18" charset="0"/>
+              <a:buNone/>
+              <a:tabLst/>
+              <a:defRPr/>
+            </a:pPr>
+            <a:r>
+              <a:rPr kumimoji="0" lang="it-IT" sz="1900" i="0" u="none" strike="noStrike" kern="1200" cap="none" spc="0" normalizeH="0" baseline="0" noProof="0" dirty="0">
+                <a:ln>
+                  <a:noFill/>
+                </a:ln>
+                <a:solidFill>
+                  <a:prstClr val="black"/>
+                </a:solidFill>
+                <a:effectLst/>
+                <a:uLnTx/>
+                <a:uFillTx/>
+                <a:latin typeface="Century Gothic" panose="020F0302020204030204"/>
+                <a:ea typeface="+mn-ea"/>
+                <a:cs typeface="+mn-cs"/>
+              </a:rPr>
+              <a:t>prima o poi il processo </a:t>
+            </a:r>
+            <a:r>
+              <a:rPr kumimoji="0" lang="it-IT" sz="2100" b="1" i="0" u="none" strike="noStrike" kern="1200" cap="none" spc="0" normalizeH="0" baseline="0" noProof="0" dirty="0">
+                <a:ln>
+                  <a:noFill/>
+                </a:ln>
+                <a:solidFill>
+                  <a:prstClr val="black"/>
+                </a:solidFill>
+                <a:effectLst/>
+                <a:uLnTx/>
+                <a:uFillTx/>
+                <a:latin typeface="LMSans10-Regular"/>
+              </a:rPr>
+              <a:t>Customer-j</a:t>
+            </a:r>
+            <a:r>
+              <a:rPr kumimoji="0" lang="it-IT" sz="1900" b="1" i="0" u="none" strike="noStrike" kern="1200" cap="none" spc="0" normalizeH="0" baseline="0" noProof="0" dirty="0">
+                <a:ln>
+                  <a:noFill/>
+                </a:ln>
+                <a:solidFill>
+                  <a:prstClr val="black"/>
+                </a:solidFill>
+                <a:effectLst/>
+                <a:uLnTx/>
+                <a:uFillTx/>
+                <a:latin typeface="LMSans10-Regular"/>
+              </a:rPr>
+              <a:t> </a:t>
+            </a:r>
+            <a:r>
+              <a:rPr kumimoji="0" lang="it-IT" sz="1900" i="0" u="none" strike="noStrike" kern="1200" cap="none" spc="0" normalizeH="0" baseline="0" noProof="0" dirty="0">
+                <a:ln>
+                  <a:noFill/>
+                </a:ln>
+                <a:solidFill>
+                  <a:prstClr val="black"/>
+                </a:solidFill>
+                <a:effectLst/>
+                <a:uLnTx/>
+                <a:uFillTx/>
+                <a:latin typeface="Century Gothic" panose="020F0302020204030204"/>
+                <a:ea typeface="+mn-ea"/>
+                <a:cs typeface="+mn-cs"/>
+              </a:rPr>
+              <a:t>lo riceverà.</a:t>
+            </a:r>
+          </a:p>
+          <a:p>
+            <a:pPr marL="0" marR="0" lvl="0" indent="0" algn="ctr" defTabSz="914400" rtl="0" eaLnBrk="1" fontAlgn="auto" latinLnBrk="0" hangingPunct="1">
+              <a:lnSpc>
+                <a:spcPct val="110000"/>
+              </a:lnSpc>
+              <a:spcBef>
+                <a:spcPts val="900"/>
+              </a:spcBef>
+              <a:spcAft>
+                <a:spcPts val="0"/>
+              </a:spcAft>
+              <a:buClr>
+                <a:prstClr val="black">
+                  <a:lumMod val="85000"/>
+                  <a:lumOff val="15000"/>
+                </a:prstClr>
+              </a:buClr>
+              <a:buSzTx/>
+              <a:buFont typeface="Garamond" pitchFamily="18" charset="0"/>
+              <a:buNone/>
+              <a:tabLst/>
+              <a:defRPr/>
+            </a:pPr>
+            <a:endParaRPr kumimoji="0" lang="en-US" sz="1800" b="1" i="0" u="none" strike="noStrike" kern="1200" cap="none" spc="0" normalizeH="0" baseline="0" noProof="0" dirty="0">
+              <a:ln>
+                <a:noFill/>
+              </a:ln>
+              <a:solidFill>
+                <a:prstClr val="black"/>
+              </a:solidFill>
+              <a:effectLst/>
+              <a:uLnTx/>
+              <a:uFillTx/>
+              <a:latin typeface="LMSans10-Regular"/>
+            </a:endParaRPr>
+          </a:p>
+          <a:p>
+            <a:pPr marL="0" marR="0" lvl="0" indent="0" algn="ctr" defTabSz="914400" rtl="0" eaLnBrk="1" fontAlgn="auto" latinLnBrk="0" hangingPunct="1">
+              <a:lnSpc>
+                <a:spcPct val="110000"/>
+              </a:lnSpc>
+              <a:spcBef>
+                <a:spcPts val="900"/>
+              </a:spcBef>
+              <a:spcAft>
+                <a:spcPts val="0"/>
+              </a:spcAft>
+              <a:buClr>
+                <a:prstClr val="black">
+                  <a:lumMod val="85000"/>
+                  <a:lumOff val="15000"/>
+                </a:prstClr>
+              </a:buClr>
+              <a:buSzTx/>
+              <a:buFont typeface="Garamond" pitchFamily="18" charset="0"/>
+              <a:buNone/>
+              <a:tabLst/>
+              <a:defRPr/>
+            </a:pPr>
+            <a:r>
+              <a:rPr kumimoji="0" lang="en-US" sz="1900" b="1" i="0" u="none" strike="noStrike" kern="1200" cap="none" spc="0" normalizeH="0" baseline="0" noProof="0" dirty="0">
+                <a:ln>
+                  <a:noFill/>
+                </a:ln>
+                <a:solidFill>
+                  <a:prstClr val="black"/>
+                </a:solidFill>
+                <a:effectLst/>
+                <a:uLnTx/>
+                <a:uFillTx/>
+                <a:latin typeface="LMSans10-Regular"/>
+              </a:rPr>
+              <a:t>FairC2 = Inv([[will1]]</a:t>
+            </a:r>
+            <a:r>
+              <a:rPr kumimoji="0" lang="en-US" sz="1900" b="1" i="0" u="none" strike="noStrike" kern="1200" cap="none" spc="0" normalizeH="0" baseline="0" noProof="0" dirty="0" err="1">
+                <a:ln>
+                  <a:noFill/>
+                </a:ln>
+                <a:solidFill>
+                  <a:prstClr val="black"/>
+                </a:solidFill>
+                <a:effectLst/>
+                <a:uLnTx/>
+                <a:uFillTx/>
+                <a:latin typeface="LMSans10-Regular"/>
+              </a:rPr>
+              <a:t>WeakEven</a:t>
+            </a:r>
+            <a:r>
+              <a:rPr kumimoji="0" lang="en-US" sz="1900" b="1" i="0" u="none" strike="noStrike" kern="1200" cap="none" spc="0" normalizeH="0" baseline="0" noProof="0" dirty="0">
+                <a:ln>
+                  <a:noFill/>
+                </a:ln>
+                <a:solidFill>
+                  <a:prstClr val="black"/>
+                </a:solidFill>
+                <a:effectLst/>
+                <a:uLnTx/>
+                <a:uFillTx/>
+                <a:latin typeface="LMSans10-Regular"/>
+              </a:rPr>
+              <a:t>(«getHairCut1»T)</a:t>
+            </a:r>
+          </a:p>
+          <a:p>
+            <a:pPr marL="0" marR="0" lvl="0" indent="0" algn="ctr" defTabSz="914400" rtl="0" eaLnBrk="1" fontAlgn="auto" latinLnBrk="0" hangingPunct="1">
+              <a:lnSpc>
+                <a:spcPct val="110000"/>
+              </a:lnSpc>
+              <a:spcBef>
+                <a:spcPts val="900"/>
+              </a:spcBef>
+              <a:spcAft>
+                <a:spcPts val="0"/>
+              </a:spcAft>
+              <a:buClr>
+                <a:prstClr val="black">
+                  <a:lumMod val="85000"/>
+                  <a:lumOff val="15000"/>
+                </a:prstClr>
+              </a:buClr>
+              <a:buSzTx/>
+              <a:buFont typeface="Garamond" pitchFamily="18" charset="0"/>
+              <a:buNone/>
+              <a:tabLst/>
+              <a:defRPr/>
+            </a:pPr>
+            <a:r>
+              <a:rPr kumimoji="0" lang="en-US" sz="1900" b="1" i="0" u="none" strike="noStrike" kern="1200" cap="none" spc="0" normalizeH="0" baseline="0" noProof="0" dirty="0">
+                <a:ln>
+                  <a:noFill/>
+                </a:ln>
+                <a:solidFill>
+                  <a:prstClr val="black"/>
+                </a:solidFill>
+                <a:effectLst/>
+                <a:uLnTx/>
+                <a:uFillTx/>
+                <a:latin typeface="LMSans10-Regular"/>
+              </a:rPr>
+              <a:t>&amp; [[will2]]</a:t>
+            </a:r>
+            <a:r>
+              <a:rPr kumimoji="0" lang="en-US" sz="1900" b="1" i="0" u="none" strike="noStrike" kern="1200" cap="none" spc="0" normalizeH="0" baseline="0" noProof="0" dirty="0" err="1">
+                <a:ln>
+                  <a:noFill/>
+                </a:ln>
+                <a:solidFill>
+                  <a:prstClr val="black"/>
+                </a:solidFill>
+                <a:effectLst/>
+                <a:uLnTx/>
+                <a:uFillTx/>
+                <a:latin typeface="LMSans10-Regular"/>
+              </a:rPr>
+              <a:t>WeakEven</a:t>
+            </a:r>
+            <a:r>
+              <a:rPr kumimoji="0" lang="en-US" sz="1900" b="1" i="0" u="none" strike="noStrike" kern="1200" cap="none" spc="0" normalizeH="0" baseline="0" noProof="0" dirty="0">
+                <a:ln>
+                  <a:noFill/>
+                </a:ln>
+                <a:solidFill>
+                  <a:prstClr val="black"/>
+                </a:solidFill>
+                <a:effectLst/>
+                <a:uLnTx/>
+                <a:uFillTx/>
+                <a:latin typeface="LMSans10-Regular"/>
+              </a:rPr>
+              <a:t>(«getHairCut2»T))</a:t>
+            </a:r>
+          </a:p>
+          <a:p>
+            <a:pPr marL="0" marR="0" lvl="0" indent="0" algn="ctr" defTabSz="914400" rtl="0" eaLnBrk="1" fontAlgn="auto" latinLnBrk="0" hangingPunct="1">
+              <a:lnSpc>
+                <a:spcPct val="110000"/>
+              </a:lnSpc>
+              <a:spcBef>
+                <a:spcPts val="900"/>
+              </a:spcBef>
+              <a:spcAft>
+                <a:spcPts val="0"/>
+              </a:spcAft>
+              <a:buClr>
+                <a:prstClr val="black">
+                  <a:lumMod val="85000"/>
+                  <a:lumOff val="15000"/>
+                </a:prstClr>
+              </a:buClr>
+              <a:buSzTx/>
+              <a:buFont typeface="Garamond" pitchFamily="18" charset="0"/>
+              <a:buNone/>
+              <a:tabLst/>
+              <a:defRPr/>
+            </a:pPr>
+            <a:r>
+              <a:rPr kumimoji="0" lang="en-US" sz="1900" b="1" i="0" u="none" strike="noStrike" kern="1200" cap="none" spc="0" normalizeH="0" baseline="0" noProof="0" dirty="0">
+                <a:ln>
+                  <a:noFill/>
+                </a:ln>
+                <a:solidFill>
+                  <a:prstClr val="black"/>
+                </a:solidFill>
+                <a:effectLst/>
+                <a:uLnTx/>
+                <a:uFillTx/>
+                <a:latin typeface="LMSans10-Regular"/>
+              </a:rPr>
+              <a:t>&amp; [[will3]]</a:t>
+            </a:r>
+            <a:r>
+              <a:rPr kumimoji="0" lang="en-US" sz="1900" b="1" i="0" u="none" strike="noStrike" kern="1200" cap="none" spc="0" normalizeH="0" baseline="0" noProof="0" dirty="0" err="1">
+                <a:ln>
+                  <a:noFill/>
+                </a:ln>
+                <a:solidFill>
+                  <a:prstClr val="black"/>
+                </a:solidFill>
+                <a:effectLst/>
+                <a:uLnTx/>
+                <a:uFillTx/>
+                <a:latin typeface="LMSans10-Regular"/>
+              </a:rPr>
+              <a:t>WeakEven</a:t>
+            </a:r>
+            <a:r>
+              <a:rPr kumimoji="0" lang="en-US" sz="1900" b="1" i="0" u="none" strike="noStrike" kern="1200" cap="none" spc="0" normalizeH="0" baseline="0" noProof="0" dirty="0">
+                <a:ln>
+                  <a:noFill/>
+                </a:ln>
+                <a:solidFill>
+                  <a:prstClr val="black"/>
+                </a:solidFill>
+                <a:effectLst/>
+                <a:uLnTx/>
+                <a:uFillTx/>
+                <a:latin typeface="LMSans10-Regular"/>
+              </a:rPr>
+              <a:t>(«getHairCut3»T)));</a:t>
+            </a:r>
+          </a:p>
+          <a:p>
+            <a:pPr marL="0" marR="0" lvl="0" indent="0" algn="ctr" defTabSz="914400" rtl="0" eaLnBrk="1" fontAlgn="auto" latinLnBrk="0" hangingPunct="1">
+              <a:lnSpc>
+                <a:spcPct val="110000"/>
+              </a:lnSpc>
+              <a:spcBef>
+                <a:spcPts val="900"/>
+              </a:spcBef>
+              <a:spcAft>
+                <a:spcPts val="0"/>
+              </a:spcAft>
+              <a:buClr>
+                <a:prstClr val="black">
+                  <a:lumMod val="85000"/>
+                  <a:lumOff val="15000"/>
+                </a:prstClr>
+              </a:buClr>
+              <a:buSzTx/>
+              <a:buFont typeface="Garamond" pitchFamily="18" charset="0"/>
+              <a:buNone/>
+              <a:tabLst/>
+              <a:defRPr/>
+            </a:pPr>
+            <a:endParaRPr kumimoji="0" lang="en-US" sz="1900" b="1" i="0" u="none" strike="noStrike" kern="1200" cap="none" spc="0" normalizeH="0" baseline="0" noProof="0" dirty="0">
+              <a:ln>
+                <a:noFill/>
+              </a:ln>
+              <a:solidFill>
+                <a:prstClr val="black"/>
+              </a:solidFill>
+              <a:effectLst/>
+              <a:uLnTx/>
+              <a:uFillTx/>
+              <a:latin typeface="LMSans10-Regular"/>
+            </a:endParaRPr>
+          </a:p>
+          <a:p>
+            <a:pPr marL="0" marR="0" lvl="0" indent="0" algn="l" defTabSz="914400" rtl="0" eaLnBrk="1" fontAlgn="auto" latinLnBrk="0" hangingPunct="1">
+              <a:lnSpc>
+                <a:spcPct val="110000"/>
+              </a:lnSpc>
+              <a:spcBef>
+                <a:spcPts val="900"/>
+              </a:spcBef>
+              <a:spcAft>
+                <a:spcPts val="0"/>
+              </a:spcAft>
+              <a:buClr>
+                <a:prstClr val="black">
+                  <a:lumMod val="85000"/>
+                  <a:lumOff val="15000"/>
+                </a:prstClr>
+              </a:buClr>
+              <a:buSzTx/>
+              <a:buFont typeface="Garamond" pitchFamily="18" charset="0"/>
+              <a:buNone/>
+              <a:tabLst/>
+              <a:defRPr/>
+            </a:pPr>
+            <a:r>
+              <a:rPr kumimoji="0" lang="it-IT" sz="1900" i="0" u="none" strike="noStrike" kern="1200" cap="none" spc="0" normalizeH="0" baseline="0" noProof="0" dirty="0">
+                <a:ln>
+                  <a:noFill/>
+                </a:ln>
+                <a:solidFill>
+                  <a:prstClr val="black"/>
+                </a:solidFill>
+                <a:effectLst/>
+                <a:uLnTx/>
+                <a:uFillTx/>
+                <a:latin typeface="Century Gothic" panose="020F0302020204030204"/>
+                <a:ea typeface="+mn-ea"/>
+                <a:cs typeface="+mn-cs"/>
+              </a:rPr>
+              <a:t>Con il commando </a:t>
+            </a:r>
+            <a:r>
+              <a:rPr kumimoji="0" lang="it-IT" sz="1900" b="1" i="0" u="none" strike="noStrike" kern="1200" cap="none" spc="0" normalizeH="0" baseline="0" noProof="0" dirty="0" err="1">
+                <a:ln>
+                  <a:noFill/>
+                </a:ln>
+                <a:solidFill>
+                  <a:prstClr val="black"/>
+                </a:solidFill>
+                <a:effectLst/>
+                <a:uLnTx/>
+                <a:uFillTx/>
+                <a:latin typeface="Century Gothic" panose="020F0302020204030204"/>
+                <a:ea typeface="+mn-ea"/>
+                <a:cs typeface="+mn-cs"/>
+              </a:rPr>
+              <a:t>checkprop</a:t>
+            </a:r>
+            <a:r>
+              <a:rPr kumimoji="0" lang="it-IT" sz="1900" b="1" i="0" u="none" strike="noStrike" kern="1200" cap="none" spc="0" normalizeH="0" baseline="0" noProof="0" dirty="0">
+                <a:ln>
+                  <a:noFill/>
+                </a:ln>
+                <a:solidFill>
+                  <a:prstClr val="black"/>
+                </a:solidFill>
+                <a:effectLst/>
+                <a:uLnTx/>
+                <a:uFillTx/>
+                <a:latin typeface="Century Gothic" panose="020F0302020204030204"/>
+                <a:ea typeface="+mn-ea"/>
+                <a:cs typeface="+mn-cs"/>
+              </a:rPr>
+              <a:t>(</a:t>
+            </a:r>
+            <a:r>
+              <a:rPr kumimoji="0" lang="it-IT" sz="1900" b="1" i="0" u="none" strike="noStrike" kern="1200" cap="none" spc="0" normalizeH="0" baseline="0" noProof="0" dirty="0" err="1">
+                <a:ln>
+                  <a:noFill/>
+                </a:ln>
+                <a:solidFill>
+                  <a:prstClr val="black"/>
+                </a:solidFill>
+                <a:effectLst/>
+                <a:uLnTx/>
+                <a:uFillTx/>
+                <a:latin typeface="Century Gothic" panose="020F0302020204030204"/>
+                <a:ea typeface="+mn-ea"/>
+                <a:cs typeface="+mn-cs"/>
+              </a:rPr>
+              <a:t>Sys</a:t>
+            </a:r>
+            <a:r>
+              <a:rPr kumimoji="0" lang="it-IT" sz="1900" b="1" i="0" u="none" strike="noStrike" kern="1200" cap="none" spc="0" normalizeH="0" baseline="0" noProof="0" dirty="0">
+                <a:ln>
+                  <a:noFill/>
+                </a:ln>
+                <a:solidFill>
+                  <a:prstClr val="black"/>
+                </a:solidFill>
+                <a:effectLst/>
+                <a:uLnTx/>
+                <a:uFillTx/>
+                <a:latin typeface="Century Gothic" panose="020F0302020204030204"/>
+                <a:ea typeface="+mn-ea"/>
+                <a:cs typeface="+mn-cs"/>
+              </a:rPr>
+              <a:t>’, FairC2) </a:t>
+            </a:r>
+            <a:r>
+              <a:rPr kumimoji="0" lang="it-IT" sz="1900" i="0" u="none" strike="noStrike" kern="1200" cap="none" spc="0" normalizeH="0" baseline="0" noProof="0" dirty="0">
+                <a:ln>
+                  <a:noFill/>
+                </a:ln>
+                <a:solidFill>
+                  <a:prstClr val="black"/>
+                </a:solidFill>
+                <a:effectLst/>
+                <a:uLnTx/>
+                <a:uFillTx/>
+                <a:latin typeface="Century Gothic" panose="020F0302020204030204"/>
+                <a:ea typeface="+mn-ea"/>
+                <a:cs typeface="+mn-cs"/>
+              </a:rPr>
+              <a:t>si ottiene </a:t>
+            </a:r>
+            <a:r>
+              <a:rPr kumimoji="0" lang="it-IT" sz="1900" b="1" i="0" u="none" strike="noStrike" kern="1200" cap="none" spc="0" normalizeH="0" baseline="0" noProof="0" dirty="0">
+                <a:ln>
+                  <a:noFill/>
+                </a:ln>
+                <a:solidFill>
+                  <a:prstClr val="black"/>
+                </a:solidFill>
+                <a:effectLst/>
+                <a:uLnTx/>
+                <a:uFillTx/>
+                <a:latin typeface="Century Gothic" panose="020F0302020204030204"/>
+                <a:ea typeface="+mn-ea"/>
+                <a:cs typeface="+mn-cs"/>
+              </a:rPr>
+              <a:t>False</a:t>
+            </a:r>
+            <a:r>
+              <a:rPr kumimoji="0" lang="it-IT" sz="1900" i="0" u="none" strike="noStrike" kern="1200" cap="none" spc="0" normalizeH="0" baseline="0" noProof="0" dirty="0">
+                <a:ln>
+                  <a:noFill/>
+                </a:ln>
+                <a:solidFill>
+                  <a:prstClr val="black"/>
+                </a:solidFill>
+                <a:effectLst/>
+                <a:uLnTx/>
+                <a:uFillTx/>
+                <a:latin typeface="Century Gothic" panose="020F0302020204030204"/>
+                <a:ea typeface="+mn-ea"/>
+                <a:cs typeface="+mn-cs"/>
+              </a:rPr>
+              <a:t>. Quindi non vale la </a:t>
+            </a:r>
+            <a:r>
+              <a:rPr kumimoji="0" lang="it-IT" sz="1900" i="0" u="none" strike="noStrike" kern="1200" cap="none" spc="0" normalizeH="0" baseline="0" noProof="0" dirty="0" err="1">
+                <a:ln>
+                  <a:noFill/>
+                </a:ln>
+                <a:solidFill>
+                  <a:prstClr val="black"/>
+                </a:solidFill>
+                <a:effectLst/>
+                <a:uLnTx/>
+                <a:uFillTx/>
+                <a:latin typeface="Century Gothic" panose="020F0302020204030204"/>
+                <a:ea typeface="+mn-ea"/>
+                <a:cs typeface="+mn-cs"/>
+              </a:rPr>
+              <a:t>fairness</a:t>
+            </a:r>
+            <a:r>
+              <a:rPr kumimoji="0" lang="it-IT" sz="1900" i="0" u="none" strike="noStrike" kern="1200" cap="none" spc="0" normalizeH="0" baseline="0" noProof="0" dirty="0">
+                <a:ln>
+                  <a:noFill/>
+                </a:ln>
+                <a:solidFill>
+                  <a:prstClr val="black"/>
+                </a:solidFill>
+                <a:effectLst/>
+                <a:uLnTx/>
+                <a:uFillTx/>
+                <a:latin typeface="Century Gothic" panose="020F0302020204030204"/>
+                <a:ea typeface="+mn-ea"/>
+                <a:cs typeface="+mn-cs"/>
+              </a:rPr>
+              <a:t>.</a:t>
+            </a:r>
+          </a:p>
+          <a:p>
             <a:pPr marL="0" indent="0">
-              <a:lnSpc>
-                <a:spcPct val="90000"/>
-              </a:lnSpc>
-              <a:buNone/>
-            </a:pPr>
-            <a:r>
-              <a:rPr lang="it-IT" sz="2000" b="1" dirty="0" err="1">
-                <a:latin typeface="LMSans10-Regular"/>
-              </a:rPr>
-              <a:t>WaitForeverWill</a:t>
-            </a:r>
-            <a:r>
-              <a:rPr lang="it-IT" sz="2000" b="1" dirty="0">
-                <a:latin typeface="LMSans10-Regular"/>
-              </a:rPr>
-              <a:t> = Pos(«will1» WaitForever1) &amp; Pos(«will2» WaitForever2) &amp; Pos(«will3»</a:t>
-            </a:r>
-          </a:p>
-          <a:p>
-            <a:pPr marL="0" indent="0">
-              <a:lnSpc>
-                <a:spcPct val="90000"/>
-              </a:lnSpc>
-              <a:buNone/>
-            </a:pPr>
-            <a:r>
-              <a:rPr lang="it-IT" sz="2000" b="1" dirty="0">
-                <a:latin typeface="LMSans10-Regular"/>
-              </a:rPr>
-              <a:t>WaitForever3);</a:t>
-            </a:r>
-          </a:p>
-          <a:p>
-            <a:pPr marL="0" indent="0">
-              <a:buNone/>
-            </a:pPr>
-            <a:endParaRPr lang="it-IT" dirty="0"/>
-          </a:p>
-          <a:p>
-            <a:pPr marL="0" indent="0">
-              <a:buNone/>
-            </a:pPr>
-            <a:r>
-              <a:rPr lang="it-IT" sz="1800" dirty="0"/>
-              <a:t>Con il commando </a:t>
-            </a:r>
-            <a:r>
-              <a:rPr lang="it-IT" sz="1800" b="1" dirty="0" err="1"/>
-              <a:t>checkprop</a:t>
-            </a:r>
-            <a:r>
-              <a:rPr lang="it-IT" sz="1800" b="1" dirty="0"/>
-              <a:t>(</a:t>
-            </a:r>
-            <a:r>
-              <a:rPr lang="it-IT" sz="1800" b="1" dirty="0" err="1"/>
-              <a:t>Sys</a:t>
-            </a:r>
-            <a:r>
-              <a:rPr lang="it-IT" sz="1800" b="1" dirty="0"/>
-              <a:t>’, </a:t>
-            </a:r>
-            <a:r>
-              <a:rPr lang="it-IT" sz="1800" b="1" dirty="0" err="1"/>
-              <a:t>WaitForeverWill</a:t>
-            </a:r>
-            <a:r>
-              <a:rPr lang="it-IT" sz="1800" dirty="0"/>
-              <a:t> </a:t>
-            </a:r>
-            <a:r>
-              <a:rPr lang="it-IT" sz="1800" b="1" dirty="0"/>
-              <a:t>)</a:t>
-            </a:r>
-            <a:r>
-              <a:rPr lang="it-IT" sz="1800" dirty="0"/>
-              <a:t> si ottiene </a:t>
-            </a:r>
-            <a:r>
-              <a:rPr lang="it-IT" sz="1800" b="1" dirty="0"/>
-              <a:t>True</a:t>
-            </a:r>
-            <a:r>
-              <a:rPr lang="it-IT" sz="1800" dirty="0"/>
-              <a:t>. Quindi vi è la possibilità di avere attesa infinita nel ricevere il taglio.</a:t>
-            </a:r>
-          </a:p>
-        </p:txBody>
-      </p:sp>
-      <p:sp>
-        <p:nvSpPr>
-          <p:cNvPr id="4" name="Segnaposto numero diapositiva 3">
+              <a:buNone/>
+            </a:pPr>
+            <a:endParaRPr lang="en-US" sz="1800" dirty="0"/>
+          </a:p>
+        </p:txBody>
+      </p:sp>
+      <p:sp>
+        <p:nvSpPr>
+          <p:cNvPr id="2" name="Segnaposto numero diapositiva 1">
             <a:extLst>
               <a:ext uri="{FF2B5EF4-FFF2-40B4-BE49-F238E27FC236}">
-                <a16:creationId xmlns:a16="http://schemas.microsoft.com/office/drawing/2014/main" id="{7783E907-2CD7-4186-A7ED-7F30ACC9E7C5}"/>
+                <a16:creationId xmlns:a16="http://schemas.microsoft.com/office/drawing/2014/main" id="{EDDFB3DD-A10C-4EEA-A2EE-4EF1A5364657}"/>
               </a:ext>
             </a:extLst>
           </p:cNvPr>
@@ -9493,7 +9368,7 @@
             </a:fld>
             <a:r>
               <a:rPr lang="en-US" dirty="0"/>
-              <a:t>/24</a:t>
+              <a:t> / 25</a:t>
             </a:r>
           </a:p>
         </p:txBody>
@@ -9501,7 +9376,7 @@
     </p:spTree>
     <p:extLst>
       <p:ext uri="{BB962C8B-B14F-4D97-AF65-F5344CB8AC3E}">
-        <p14:creationId xmlns:p14="http://schemas.microsoft.com/office/powerpoint/2010/main" val="523531005"/>
+        <p14:creationId xmlns:p14="http://schemas.microsoft.com/office/powerpoint/2010/main" val="4138234091"/>
       </p:ext>
     </p:extLst>
   </p:cSld>
@@ -9533,7 +9408,7 @@
           <p:cNvPr id="3" name="Segnaposto contenuto 2">
             <a:extLst>
               <a:ext uri="{FF2B5EF4-FFF2-40B4-BE49-F238E27FC236}">
-                <a16:creationId xmlns:a16="http://schemas.microsoft.com/office/drawing/2014/main" id="{07E305D5-CADB-41D6-BCC8-530106374A66}"/>
+                <a16:creationId xmlns:a16="http://schemas.microsoft.com/office/drawing/2014/main" id="{2D8DA56F-2567-4472-8220-837CF970D4A5}"/>
               </a:ext>
             </a:extLst>
           </p:cNvPr>
@@ -9546,157 +9421,183 @@
         </p:nvSpPr>
         <p:spPr>
           <a:xfrm>
-            <a:off x="499621" y="593889"/>
-            <a:ext cx="11161336" cy="5618375"/>
+            <a:off x="1066800" y="791852"/>
+            <a:ext cx="10058400" cy="5160892"/>
           </a:xfrm>
         </p:spPr>
         <p:txBody>
-          <a:bodyPr>
-            <a:normAutofit/>
-          </a:bodyPr>
+          <a:bodyPr/>
           <a:lstStyle/>
           <a:p>
-            <a:pPr marL="0" indent="0">
-              <a:buNone/>
-            </a:pPr>
-            <a:r>
-              <a:rPr lang="it-IT" sz="1800" dirty="0"/>
-              <a:t>Una soluzione possibile soluzione per ottenere la </a:t>
-            </a:r>
-            <a:r>
-              <a:rPr lang="it-IT" sz="1800" dirty="0" err="1"/>
-              <a:t>fairness</a:t>
-            </a:r>
-            <a:r>
-              <a:rPr lang="it-IT" sz="1800" dirty="0"/>
-              <a:t>… </a:t>
-            </a:r>
-          </a:p>
-          <a:p>
-            <a:pPr marL="0" indent="0">
-              <a:buNone/>
-            </a:pPr>
-            <a:r>
-              <a:rPr lang="it-IT" sz="1800" dirty="0"/>
-              <a:t>può essere quella di fermare i processi senza terminarli, o meglio rendere equo il numero di tagli effettuati da ogni processo, fermandoli nel momento giusto.</a:t>
-            </a:r>
-          </a:p>
-          <a:p>
-            <a:pPr marL="0" indent="0">
-              <a:buNone/>
-            </a:pPr>
-            <a:r>
-              <a:rPr lang="it-IT" sz="1800" dirty="0"/>
-              <a:t>Quindi si aggiunge una nuova serie di processi che sono i seguenti:</a:t>
-            </a:r>
-          </a:p>
-          <a:p>
-            <a:pPr marL="0" indent="0">
-              <a:buNone/>
-            </a:pPr>
-            <a:endParaRPr lang="it-IT" sz="1800" b="1" i="1" dirty="0">
+            <a:pPr marL="2317120" lvl="8" indent="0">
+              <a:lnSpc>
+                <a:spcPct val="90000"/>
+              </a:lnSpc>
+              <a:buNone/>
+            </a:pPr>
+            <a:r>
+              <a:rPr lang="it-IT" sz="1700" b="1" dirty="0">
+                <a:latin typeface="LMSans10-Regular"/>
+              </a:rPr>
+              <a:t>	</a:t>
+            </a:r>
+          </a:p>
+          <a:p>
+            <a:pPr marL="2317120" lvl="8" indent="0">
+              <a:lnSpc>
+                <a:spcPct val="90000"/>
+              </a:lnSpc>
+              <a:buNone/>
+            </a:pPr>
+            <a:r>
+              <a:rPr lang="it-IT" sz="1700" b="1" dirty="0">
+                <a:latin typeface="LMSans10-Regular"/>
+              </a:rPr>
+              <a:t>	</a:t>
+            </a:r>
+            <a:r>
+              <a:rPr lang="it-IT" sz="2000" b="1" dirty="0">
+                <a:latin typeface="LMSans10-Regular"/>
+              </a:rPr>
+              <a:t>WaitForever1 = max (X. «-getHairCut1» X);</a:t>
+            </a:r>
+          </a:p>
+          <a:p>
+            <a:pPr marL="2317120" lvl="8" indent="0">
+              <a:lnSpc>
+                <a:spcPct val="90000"/>
+              </a:lnSpc>
+              <a:buNone/>
+            </a:pPr>
+            <a:r>
+              <a:rPr lang="it-IT" sz="2000" b="1" dirty="0">
+                <a:latin typeface="LMSans10-Regular"/>
+              </a:rPr>
+              <a:t>	WaitForever2 = max (X. «-getHairCut2» X);</a:t>
+            </a:r>
+          </a:p>
+          <a:p>
+            <a:pPr marL="2317120" lvl="8" indent="0">
+              <a:lnSpc>
+                <a:spcPct val="90000"/>
+              </a:lnSpc>
+              <a:buNone/>
+            </a:pPr>
+            <a:r>
+              <a:rPr lang="it-IT" sz="2000" b="1" dirty="0">
+                <a:latin typeface="LMSans10-Regular"/>
+              </a:rPr>
+              <a:t>	WaitForever3 = max (X. «-getHairCut3» X);</a:t>
+            </a:r>
+          </a:p>
+          <a:p>
+            <a:pPr marL="2317120" lvl="8" indent="0">
+              <a:lnSpc>
+                <a:spcPct val="90000"/>
+              </a:lnSpc>
+              <a:buNone/>
+            </a:pPr>
+            <a:endParaRPr lang="it-IT" sz="1700" b="1" dirty="0">
               <a:latin typeface="LMSans10-Regular"/>
             </a:endParaRPr>
           </a:p>
           <a:p>
-            <a:pPr marL="2317120" lvl="8" indent="0">
-              <a:buNone/>
-            </a:pPr>
-            <a:r>
-              <a:rPr lang="it-IT" sz="2200" b="1" dirty="0" err="1">
-                <a:latin typeface="LMSans10-Regular"/>
-              </a:rPr>
-              <a:t>Sreset</a:t>
-            </a:r>
-            <a:r>
-              <a:rPr lang="it-IT" sz="2200" b="1" dirty="0">
-                <a:latin typeface="LMSans10-Regular"/>
-              </a:rPr>
-              <a:t> = ’sleep1.Sreset1 + ’sleep2.Sreset2 + ’sleep3.Sreset3;  </a:t>
-            </a:r>
-          </a:p>
-          <a:p>
-            <a:pPr marL="2317120" lvl="8" indent="0">
-              <a:buNone/>
-            </a:pPr>
-            <a:r>
-              <a:rPr lang="it-IT" sz="2200" b="1" dirty="0">
-                <a:latin typeface="LMSans10-Regular"/>
-              </a:rPr>
-              <a:t>Sreset1 = ’sleep2.Sreset12-21 + ’sleep3.Sreset13-31;</a:t>
-            </a:r>
-          </a:p>
-          <a:p>
-            <a:pPr marL="2317120" lvl="8" indent="0">
-              <a:buNone/>
-            </a:pPr>
-            <a:r>
-              <a:rPr lang="it-IT" sz="2200" b="1" dirty="0">
-                <a:latin typeface="LMSans10-Regular"/>
-              </a:rPr>
-              <a:t>Sreset12-21 = ’sleep3.Wreset;</a:t>
-            </a:r>
-          </a:p>
-          <a:p>
-            <a:pPr marL="2317120" lvl="8" indent="0">
-              <a:buNone/>
-            </a:pPr>
-            <a:r>
-              <a:rPr lang="it-IT" sz="2200" b="1" dirty="0">
-                <a:latin typeface="LMSans10-Regular"/>
-              </a:rPr>
-              <a:t>Sreset13-31 = ’sleep2.Wreset;</a:t>
-            </a:r>
-          </a:p>
-          <a:p>
-            <a:pPr marL="2317120" lvl="8" indent="0">
-              <a:buNone/>
-            </a:pPr>
-            <a:r>
-              <a:rPr lang="it-IT" sz="2200" b="1" dirty="0">
-                <a:latin typeface="LMSans10-Regular"/>
-              </a:rPr>
-              <a:t>Sreset2 = ’sleep1.Sreset12-21 + ’sleep3.Sreset23-32;</a:t>
-            </a:r>
-          </a:p>
-          <a:p>
-            <a:pPr marL="2317120" lvl="8" indent="0">
-              <a:buNone/>
-            </a:pPr>
-            <a:r>
-              <a:rPr lang="it-IT" sz="2200" b="1" dirty="0">
-                <a:latin typeface="LMSans10-Regular"/>
-              </a:rPr>
-              <a:t>Sreset23-32 = ’sleep1.Wreset;</a:t>
-            </a:r>
-          </a:p>
-          <a:p>
-            <a:pPr marL="2317120" lvl="8" indent="0">
-              <a:buNone/>
-            </a:pPr>
-            <a:r>
-              <a:rPr lang="it-IT" sz="2200" b="1" dirty="0">
-                <a:latin typeface="LMSans10-Regular"/>
-              </a:rPr>
-              <a:t>Sreset3 = ’sleep1.Sreset13-31 + ’sleep2.Sreset23-32;</a:t>
-            </a:r>
-          </a:p>
-          <a:p>
             <a:pPr marL="0" indent="0">
-              <a:buNone/>
-            </a:pPr>
-            <a:endParaRPr lang="it-IT" sz="1800" b="1" i="1" dirty="0">
-              <a:latin typeface="LMSans10-Regular"/>
-            </a:endParaRPr>
-          </a:p>
-        </p:txBody>
-      </p:sp>
-      <p:sp>
-        <p:nvSpPr>
-          <p:cNvPr id="2" name="Segnaposto numero diapositiva 1">
+              <a:lnSpc>
+                <a:spcPct val="90000"/>
+              </a:lnSpc>
+              <a:buNone/>
+            </a:pPr>
+            <a:r>
+              <a:rPr lang="it-IT" sz="2000" b="1" dirty="0" err="1">
+                <a:latin typeface="LMSans10-Regular"/>
+              </a:rPr>
+              <a:t>WaitForeverWill</a:t>
+            </a:r>
+            <a:r>
+              <a:rPr lang="it-IT" sz="2000" b="1" dirty="0">
+                <a:latin typeface="LMSans10-Regular"/>
+              </a:rPr>
+              <a:t> = Pos(«will1» WaitForever1) &amp; Pos(«will2» WaitForever2) &amp; Pos(«will3»</a:t>
+            </a:r>
+          </a:p>
+          <a:p>
+            <a:pPr marL="0" indent="0">
+              <a:lnSpc>
+                <a:spcPct val="90000"/>
+              </a:lnSpc>
+              <a:buNone/>
+            </a:pPr>
+            <a:r>
+              <a:rPr lang="it-IT" sz="2000" b="1" dirty="0">
+                <a:latin typeface="LMSans10-Regular"/>
+              </a:rPr>
+              <a:t>WaitForever3);</a:t>
+            </a:r>
+          </a:p>
+          <a:p>
+            <a:pPr marL="0" indent="0">
+              <a:buNone/>
+            </a:pPr>
+            <a:endParaRPr lang="it-IT" dirty="0"/>
+          </a:p>
+          <a:p>
+            <a:pPr marL="0" indent="0">
+              <a:buNone/>
+            </a:pPr>
+            <a:r>
+              <a:rPr lang="it-IT" sz="1800" dirty="0"/>
+              <a:t>Con il commando </a:t>
+            </a:r>
+            <a:r>
+              <a:rPr lang="it-IT" sz="1800" b="1" dirty="0" err="1"/>
+              <a:t>checkprop</a:t>
+            </a:r>
+            <a:r>
+              <a:rPr lang="it-IT" sz="1800" b="1" dirty="0"/>
+              <a:t>(</a:t>
+            </a:r>
+            <a:r>
+              <a:rPr lang="it-IT" sz="1800" b="1" dirty="0" err="1"/>
+              <a:t>Sys</a:t>
+            </a:r>
+            <a:r>
+              <a:rPr lang="it-IT" sz="1800" b="1" dirty="0"/>
+              <a:t>’, </a:t>
+            </a:r>
+            <a:r>
+              <a:rPr lang="it-IT" sz="1800" b="1" dirty="0" err="1"/>
+              <a:t>WaitForeverWill</a:t>
+            </a:r>
+            <a:r>
+              <a:rPr lang="it-IT" sz="1800" dirty="0"/>
+              <a:t> </a:t>
+            </a:r>
+            <a:r>
+              <a:rPr lang="it-IT" sz="1800" b="1" dirty="0"/>
+              <a:t>)</a:t>
+            </a:r>
+            <a:r>
+              <a:rPr lang="it-IT" sz="1800" dirty="0"/>
+              <a:t> si ottiene </a:t>
+            </a:r>
+            <a:r>
+              <a:rPr lang="it-IT" sz="1800" b="1" dirty="0"/>
+              <a:t>True</a:t>
+            </a:r>
+            <a:r>
+              <a:rPr lang="it-IT" sz="1800" dirty="0"/>
+              <a:t>. Quindi vi è la possibilità di avere attesa infinita nel ricevere il taglio.</a:t>
+            </a:r>
+          </a:p>
+        </p:txBody>
+      </p:sp>
+      <p:sp>
+        <p:nvSpPr>
+          <p:cNvPr id="4" name="Segnaposto numero diapositiva 3">
             <a:extLst>
               <a:ext uri="{FF2B5EF4-FFF2-40B4-BE49-F238E27FC236}">
-                <a16:creationId xmlns:a16="http://schemas.microsoft.com/office/drawing/2014/main" id="{06549CC3-4F60-4A4E-8403-31A868525905}"/>
+                <a16:creationId xmlns:a16="http://schemas.microsoft.com/office/drawing/2014/main" id="{7783E907-2CD7-4186-A7ED-7F30ACC9E7C5}"/>
               </a:ext>
             </a:extLst>
           </p:cNvPr>
@@ -9719,7 +9620,7 @@
             </a:fld>
             <a:r>
               <a:rPr lang="en-US" dirty="0"/>
-              <a:t> / 24</a:t>
+              <a:t>/25</a:t>
             </a:r>
           </a:p>
         </p:txBody>
@@ -9727,7 +9628,7 @@
     </p:spTree>
     <p:extLst>
       <p:ext uri="{BB962C8B-B14F-4D97-AF65-F5344CB8AC3E}">
-        <p14:creationId xmlns:p14="http://schemas.microsoft.com/office/powerpoint/2010/main" val="1479865811"/>
+        <p14:creationId xmlns:p14="http://schemas.microsoft.com/office/powerpoint/2010/main" val="523531005"/>
       </p:ext>
     </p:extLst>
   </p:cSld>
@@ -9759,7 +9660,7 @@
           <p:cNvPr id="3" name="Segnaposto contenuto 2">
             <a:extLst>
               <a:ext uri="{FF2B5EF4-FFF2-40B4-BE49-F238E27FC236}">
-                <a16:creationId xmlns:a16="http://schemas.microsoft.com/office/drawing/2014/main" id="{49C71B30-BFF1-4EDA-9C1C-600AA6FB7501}"/>
+                <a16:creationId xmlns:a16="http://schemas.microsoft.com/office/drawing/2014/main" id="{07E305D5-CADB-41D6-BCC8-530106374A66}"/>
               </a:ext>
             </a:extLst>
           </p:cNvPr>
@@ -9772,266 +9673,148 @@
         </p:nvSpPr>
         <p:spPr>
           <a:xfrm>
-            <a:off x="716437" y="678730"/>
-            <a:ext cx="10991653" cy="5722069"/>
+            <a:off x="499621" y="593889"/>
+            <a:ext cx="11161336" cy="5618375"/>
           </a:xfrm>
         </p:spPr>
         <p:txBody>
           <a:bodyPr>
-            <a:normAutofit fontScale="92500" lnSpcReduction="20000"/>
+            <a:normAutofit/>
           </a:bodyPr>
           <a:lstStyle/>
           <a:p>
-            <a:pPr marL="2317120" lvl="8" indent="0">
-              <a:buNone/>
-            </a:pPr>
-            <a:r>
-              <a:rPr lang="it-IT" sz="2200" b="1" dirty="0" err="1">
-                <a:latin typeface="LMSans10-Regular"/>
-              </a:rPr>
-              <a:t>Wreset</a:t>
-            </a:r>
-            <a:r>
-              <a:rPr lang="it-IT" sz="2200" b="1" dirty="0">
-                <a:latin typeface="LMSans10-Regular"/>
-              </a:rPr>
-              <a:t> = wakeUp1.Wreset23 + wakeUp2.Wreset13 + wakeUp3.Wreset12;</a:t>
-            </a:r>
-          </a:p>
-          <a:p>
-            <a:pPr marL="2317120" lvl="8" indent="0">
-              <a:buNone/>
-            </a:pPr>
-            <a:r>
-              <a:rPr lang="it-IT" sz="2200" b="1" dirty="0">
-                <a:latin typeface="LMSans10-Regular"/>
-              </a:rPr>
-              <a:t>Wreset23 = wakeUp2.Wreset3 + wakeUp3.Wreset2;</a:t>
-            </a:r>
-          </a:p>
-          <a:p>
-            <a:pPr marL="2317120" lvl="8" indent="0">
-              <a:buNone/>
-            </a:pPr>
-            <a:r>
-              <a:rPr lang="it-IT" sz="2200" b="1" dirty="0">
-                <a:latin typeface="LMSans10-Regular"/>
-              </a:rPr>
-              <a:t>Wreset13 = wakeUp1.Wreset3 + wakeUp3.Wreset1;</a:t>
-            </a:r>
-          </a:p>
-          <a:p>
-            <a:pPr marL="2317120" lvl="8" indent="0">
-              <a:buNone/>
-            </a:pPr>
-            <a:r>
-              <a:rPr lang="it-IT" sz="2200" b="1" dirty="0">
-                <a:latin typeface="LMSans10-Regular"/>
-              </a:rPr>
-              <a:t>Wreset12 = wakeUp1.Wreset2 + wakeUp2.Wreset1;</a:t>
-            </a:r>
-          </a:p>
-          <a:p>
-            <a:pPr marL="2317120" lvl="8" indent="0">
-              <a:buNone/>
-            </a:pPr>
-            <a:r>
-              <a:rPr lang="it-IT" sz="2200" b="1" dirty="0">
-                <a:latin typeface="LMSans10-Regular"/>
-              </a:rPr>
-              <a:t>Wreset1 = wakeUp1.Sreset;</a:t>
-            </a:r>
-          </a:p>
-          <a:p>
-            <a:pPr marL="2317120" lvl="8" indent="0">
-              <a:buNone/>
-            </a:pPr>
-            <a:r>
-              <a:rPr lang="it-IT" sz="2200" b="1" dirty="0">
-                <a:latin typeface="LMSans10-Regular"/>
-              </a:rPr>
-              <a:t>Wreset2 = wakeUp2.Sreset;</a:t>
-            </a:r>
-          </a:p>
-          <a:p>
-            <a:pPr marL="2317120" lvl="8" indent="0">
-              <a:buNone/>
-            </a:pPr>
-            <a:r>
-              <a:rPr lang="it-IT" sz="2200" b="1" dirty="0">
-                <a:latin typeface="LMSans10-Regular"/>
-              </a:rPr>
-              <a:t>Wreset3 = wakeUp3.Sreset;</a:t>
-            </a:r>
-          </a:p>
-          <a:p>
             <a:pPr marL="0" indent="0">
               <a:buNone/>
             </a:pPr>
-            <a:endParaRPr lang="it-IT" sz="1800" b="1" dirty="0">
+            <a:r>
+              <a:rPr lang="it-IT" sz="1800" dirty="0"/>
+              <a:t>Una soluzione possibile soluzione per ottenere la </a:t>
+            </a:r>
+            <a:r>
+              <a:rPr lang="it-IT" sz="1800" dirty="0" err="1"/>
+              <a:t>fairness</a:t>
+            </a:r>
+            <a:r>
+              <a:rPr lang="it-IT" sz="1800" dirty="0"/>
+              <a:t>… </a:t>
+            </a:r>
+          </a:p>
+          <a:p>
+            <a:pPr marL="0" indent="0">
+              <a:buNone/>
+            </a:pPr>
+            <a:r>
+              <a:rPr lang="it-IT" sz="1800" dirty="0"/>
+              <a:t>può essere quella di fermare i processi senza terminarli, o meglio rendere equo il numero di tagli effettuati da ogni processo, fermandoli nel momento giusto.</a:t>
+            </a:r>
+          </a:p>
+          <a:p>
+            <a:pPr marL="0" indent="0">
+              <a:buNone/>
+            </a:pPr>
+            <a:r>
+              <a:rPr lang="it-IT" sz="1800" dirty="0"/>
+              <a:t>Quindi si aggiunge una nuova serie di processi che sono i seguenti:</a:t>
+            </a:r>
+          </a:p>
+          <a:p>
+            <a:pPr marL="0" indent="0">
+              <a:buNone/>
+            </a:pPr>
+            <a:endParaRPr lang="it-IT" sz="1800" b="1" i="1" dirty="0">
               <a:latin typeface="LMSans10-Regular"/>
             </a:endParaRPr>
           </a:p>
           <a:p>
+            <a:pPr marL="2317120" lvl="8" indent="0">
+              <a:buNone/>
+            </a:pPr>
+            <a:r>
+              <a:rPr lang="it-IT" sz="2200" b="1" dirty="0" err="1">
+                <a:latin typeface="LMSans10-Regular"/>
+              </a:rPr>
+              <a:t>Sreset</a:t>
+            </a:r>
+            <a:r>
+              <a:rPr lang="it-IT" sz="2200" b="1" dirty="0">
+                <a:latin typeface="LMSans10-Regular"/>
+              </a:rPr>
+              <a:t> = ’sleep1.Sreset1 + ’sleep2.Sreset2 + ’sleep3.Sreset3;  </a:t>
+            </a:r>
+          </a:p>
+          <a:p>
+            <a:pPr marL="2317120" lvl="8" indent="0">
+              <a:buNone/>
+            </a:pPr>
+            <a:r>
+              <a:rPr lang="it-IT" sz="2200" b="1" dirty="0">
+                <a:latin typeface="LMSans10-Regular"/>
+              </a:rPr>
+              <a:t>Sreset1 = ’sleep2.Sreset12-21 + ’sleep3.Sreset13-31;</a:t>
+            </a:r>
+          </a:p>
+          <a:p>
+            <a:pPr marL="2317120" lvl="8" indent="0">
+              <a:buNone/>
+            </a:pPr>
+            <a:r>
+              <a:rPr lang="it-IT" sz="2200" b="1" dirty="0">
+                <a:latin typeface="LMSans10-Regular"/>
+              </a:rPr>
+              <a:t>Sreset12-21 = ’sleep3.Wreset;</a:t>
+            </a:r>
+          </a:p>
+          <a:p>
+            <a:pPr marL="2317120" lvl="8" indent="0">
+              <a:buNone/>
+            </a:pPr>
+            <a:r>
+              <a:rPr lang="it-IT" sz="2200" b="1" dirty="0">
+                <a:latin typeface="LMSans10-Regular"/>
+              </a:rPr>
+              <a:t>Sreset13-31 = ’sleep2.Wreset;</a:t>
+            </a:r>
+          </a:p>
+          <a:p>
+            <a:pPr marL="2317120" lvl="8" indent="0">
+              <a:buNone/>
+            </a:pPr>
+            <a:r>
+              <a:rPr lang="it-IT" sz="2200" b="1" dirty="0">
+                <a:latin typeface="LMSans10-Regular"/>
+              </a:rPr>
+              <a:t>Sreset2 = ’sleep1.Sreset12-21 + ’sleep3.Sreset23-32;</a:t>
+            </a:r>
+          </a:p>
+          <a:p>
+            <a:pPr marL="2317120" lvl="8" indent="0">
+              <a:buNone/>
+            </a:pPr>
+            <a:r>
+              <a:rPr lang="it-IT" sz="2200" b="1" dirty="0">
+                <a:latin typeface="LMSans10-Regular"/>
+              </a:rPr>
+              <a:t>Sreset23-32 = ’sleep1.Wreset;</a:t>
+            </a:r>
+          </a:p>
+          <a:p>
+            <a:pPr marL="2317120" lvl="8" indent="0">
+              <a:buNone/>
+            </a:pPr>
+            <a:r>
+              <a:rPr lang="it-IT" sz="2200" b="1" dirty="0">
+                <a:latin typeface="LMSans10-Regular"/>
+              </a:rPr>
+              <a:t>Sreset3 = ’sleep1.Sreset13-31 + ’sleep2.Sreset23-32;</a:t>
+            </a:r>
+          </a:p>
+          <a:p>
             <a:pPr marL="0" indent="0">
               <a:buNone/>
             </a:pPr>
-            <a:r>
-              <a:rPr lang="it-IT" sz="1800" dirty="0"/>
-              <a:t>Mentre vengono aggiunti i canali ristretti </a:t>
-            </a:r>
-            <a:r>
-              <a:rPr lang="it-IT" sz="1900" b="1" dirty="0" err="1">
-                <a:latin typeface="LMSans10-Regular"/>
-              </a:rPr>
-              <a:t>sleep</a:t>
-            </a:r>
-            <a:r>
-              <a:rPr lang="it-IT" sz="1900" b="1" i="1" dirty="0">
-                <a:latin typeface="LMSans10-Regular"/>
-              </a:rPr>
-              <a:t>-i</a:t>
-            </a:r>
-            <a:r>
-              <a:rPr lang="it-IT" sz="1800" dirty="0"/>
-              <a:t> e </a:t>
-            </a:r>
-            <a:r>
-              <a:rPr lang="it-IT" sz="1900" b="1" dirty="0" err="1">
-                <a:latin typeface="LMSans10-Regular"/>
-              </a:rPr>
-              <a:t>wakeUp</a:t>
-            </a:r>
-            <a:r>
-              <a:rPr lang="it-IT" sz="1900" b="1" dirty="0">
-                <a:latin typeface="LMSans10-Regular"/>
-              </a:rPr>
-              <a:t>-</a:t>
-            </a:r>
-            <a:r>
-              <a:rPr lang="it-IT" sz="1900" b="1" i="1" dirty="0">
-                <a:latin typeface="LMSans10-Regular"/>
-              </a:rPr>
-              <a:t>i</a:t>
-            </a:r>
-            <a:r>
-              <a:rPr lang="it-IT" sz="1800" dirty="0">
-                <a:latin typeface="LMSans10-Regular"/>
-              </a:rPr>
-              <a:t> </a:t>
-            </a:r>
-            <a:r>
-              <a:rPr lang="it-IT" sz="1800" dirty="0"/>
-              <a:t>ai processi </a:t>
-            </a:r>
-            <a:r>
-              <a:rPr lang="it-IT" sz="1900" b="1" dirty="0">
-                <a:latin typeface="LMSans10-Regular"/>
-              </a:rPr>
-              <a:t>Customer-</a:t>
-            </a:r>
-            <a:r>
-              <a:rPr lang="it-IT" sz="1900" b="1" i="1" dirty="0">
-                <a:latin typeface="LMSans10-Regular"/>
-              </a:rPr>
-              <a:t>i</a:t>
-            </a:r>
-            <a:r>
-              <a:rPr lang="it-IT" sz="1800" dirty="0">
-                <a:latin typeface="LMSans10-Regular"/>
-              </a:rPr>
-              <a:t>, </a:t>
-            </a:r>
-            <a:r>
-              <a:rPr lang="it-IT" sz="1800" dirty="0"/>
-              <a:t>quindi:</a:t>
-            </a:r>
-          </a:p>
-          <a:p>
-            <a:pPr marL="0" indent="0">
-              <a:buNone/>
-            </a:pPr>
-            <a:r>
-              <a:rPr lang="it-IT" sz="2200" b="1" dirty="0">
-                <a:latin typeface="LMSans10-Regular"/>
-              </a:rPr>
-              <a:t>C-i = will-i.semCustomer.’semBarber.getHairCut-i.semCustomerDone.’semBarberDone.’enter.’decExit.sleep-i.’wakeUp-i.Customer-i;</a:t>
-            </a:r>
-          </a:p>
-          <a:p>
-            <a:pPr marL="0" indent="0">
-              <a:buNone/>
-            </a:pPr>
-            <a:endParaRPr lang="it-IT" sz="1600" b="1" dirty="0">
+            <a:endParaRPr lang="it-IT" sz="1800" b="1" i="1" dirty="0">
               <a:latin typeface="LMSans10-Regular"/>
             </a:endParaRPr>
-          </a:p>
-          <a:p>
-            <a:pPr marL="0" indent="0">
-              <a:buNone/>
-            </a:pPr>
-            <a:r>
-              <a:rPr lang="it-IT" sz="1800" dirty="0"/>
-              <a:t>Il sistema diventa:</a:t>
-            </a:r>
-          </a:p>
-          <a:p>
-            <a:pPr marL="0" indent="0">
-              <a:buNone/>
-            </a:pPr>
-            <a:r>
-              <a:rPr lang="it-IT" sz="2200" b="1" dirty="0" err="1">
-                <a:latin typeface="LMSans10-Regular"/>
-              </a:rPr>
-              <a:t>Sys</a:t>
-            </a:r>
-            <a:r>
-              <a:rPr lang="it-IT" sz="2200" b="1" dirty="0">
-                <a:latin typeface="LMSans10-Regular"/>
-              </a:rPr>
-              <a:t> = (Customer1|Customer2|Customer3|Sreset|Count1|Barber) \L;</a:t>
-            </a:r>
-          </a:p>
-          <a:p>
-            <a:pPr marL="0" indent="0">
-              <a:buNone/>
-            </a:pPr>
-            <a:endParaRPr lang="it-IT" sz="1800" b="1" dirty="0">
-              <a:latin typeface="LMSans10-Regular"/>
-            </a:endParaRPr>
-          </a:p>
-          <a:p>
-            <a:pPr marL="0" indent="0">
-              <a:buNone/>
-            </a:pPr>
-            <a:r>
-              <a:rPr lang="it-IT" sz="1800" dirty="0"/>
-              <a:t>Ora </a:t>
-            </a:r>
-            <a:r>
-              <a:rPr lang="it-IT" sz="1800" b="1" dirty="0" err="1"/>
-              <a:t>checkprop</a:t>
-            </a:r>
-            <a:r>
-              <a:rPr lang="it-IT" sz="1800" b="1" dirty="0"/>
-              <a:t>(</a:t>
-            </a:r>
-            <a:r>
-              <a:rPr lang="it-IT" sz="1800" b="1" dirty="0" err="1"/>
-              <a:t>Sys</a:t>
-            </a:r>
-            <a:r>
-              <a:rPr lang="it-IT" sz="1800" b="1" dirty="0"/>
-              <a:t>’, FairC2) </a:t>
-            </a:r>
-            <a:r>
-              <a:rPr lang="it-IT" sz="1800" dirty="0"/>
-              <a:t>ritorna </a:t>
-            </a:r>
-            <a:r>
-              <a:rPr lang="it-IT" sz="1800" b="1" dirty="0"/>
-              <a:t>True.</a:t>
-            </a:r>
           </a:p>
         </p:txBody>
       </p:sp>
@@ -10040,7 +9823,7 @@
           <p:cNvPr id="2" name="Segnaposto numero diapositiva 1">
             <a:extLst>
               <a:ext uri="{FF2B5EF4-FFF2-40B4-BE49-F238E27FC236}">
-                <a16:creationId xmlns:a16="http://schemas.microsoft.com/office/drawing/2014/main" id="{AF3CFAC2-F026-4B0C-8DAD-13942382747D}"/>
+                <a16:creationId xmlns:a16="http://schemas.microsoft.com/office/drawing/2014/main" id="{06549CC3-4F60-4A4E-8403-31A868525905}"/>
               </a:ext>
             </a:extLst>
           </p:cNvPr>
@@ -10063,7 +9846,7 @@
             </a:fld>
             <a:r>
               <a:rPr lang="en-US" dirty="0"/>
-              <a:t> / 24</a:t>
+              <a:t> / 25</a:t>
             </a:r>
           </a:p>
         </p:txBody>
@@ -10071,7 +9854,7 @@
     </p:spTree>
     <p:extLst>
       <p:ext uri="{BB962C8B-B14F-4D97-AF65-F5344CB8AC3E}">
-        <p14:creationId xmlns:p14="http://schemas.microsoft.com/office/powerpoint/2010/main" val="3869301335"/>
+        <p14:creationId xmlns:p14="http://schemas.microsoft.com/office/powerpoint/2010/main" val="1479865811"/>
       </p:ext>
     </p:extLst>
   </p:cSld>
@@ -10103,7 +9886,7 @@
           <p:cNvPr id="3" name="Segnaposto contenuto 2">
             <a:extLst>
               <a:ext uri="{FF2B5EF4-FFF2-40B4-BE49-F238E27FC236}">
-                <a16:creationId xmlns:a16="http://schemas.microsoft.com/office/drawing/2014/main" id="{F94853F6-A0F6-4266-94A2-1AF7DBED7A89}"/>
+                <a16:creationId xmlns:a16="http://schemas.microsoft.com/office/drawing/2014/main" id="{49C71B30-BFF1-4EDA-9C1C-600AA6FB7501}"/>
               </a:ext>
             </a:extLst>
           </p:cNvPr>
@@ -10116,291 +9899,97 @@
         </p:nvSpPr>
         <p:spPr>
           <a:xfrm>
-            <a:off x="716437" y="707010"/>
-            <a:ext cx="10982227" cy="5245734"/>
+            <a:off x="716437" y="678730"/>
+            <a:ext cx="10991653" cy="5722069"/>
           </a:xfrm>
         </p:spPr>
         <p:txBody>
           <a:bodyPr>
-            <a:normAutofit/>
+            <a:normAutofit fontScale="92500" lnSpcReduction="20000"/>
           </a:bodyPr>
           <a:lstStyle/>
           <a:p>
-            <a:pPr marL="0" indent="0">
-              <a:buNone/>
-            </a:pPr>
-            <a:r>
-              <a:rPr lang="it-IT" sz="1800" dirty="0"/>
-              <a:t>Ma con la modifica effettuata si è garantito di ricevere il taglio solo dopo essersi seduti ed espresso la volontà di un taglio….</a:t>
-            </a:r>
-          </a:p>
-          <a:p>
-            <a:pPr marL="0" indent="0">
-              <a:buNone/>
-            </a:pPr>
-            <a:r>
-              <a:rPr lang="it-IT" sz="1800" dirty="0"/>
-              <a:t>Infatti spostando </a:t>
-            </a:r>
-            <a:r>
-              <a:rPr lang="it-IT" sz="1800" b="1" dirty="0" err="1">
-                <a:latin typeface="LMSans10-Regular"/>
-              </a:rPr>
-              <a:t>will</a:t>
-            </a:r>
-            <a:r>
-              <a:rPr lang="it-IT" sz="1800" b="1" dirty="0">
-                <a:latin typeface="LMSans10-Regular"/>
-              </a:rPr>
-              <a:t>-</a:t>
-            </a:r>
-            <a:r>
-              <a:rPr lang="it-IT" sz="1800" b="1" i="1" dirty="0">
-                <a:latin typeface="LMSans10-Regular"/>
-              </a:rPr>
-              <a:t>i</a:t>
-            </a:r>
-            <a:r>
-              <a:rPr lang="it-IT" sz="1800" dirty="0"/>
-              <a:t> all’inizio del processo quindi</a:t>
-            </a:r>
-          </a:p>
-          <a:p>
-            <a:pPr marL="0" indent="0">
-              <a:buNone/>
-            </a:pPr>
-            <a:endParaRPr lang="it-IT" sz="1800" dirty="0"/>
-          </a:p>
-          <a:p>
-            <a:pPr marL="0" indent="0" algn="ctr">
-              <a:buNone/>
-            </a:pPr>
-            <a:r>
-              <a:rPr lang="it-IT" sz="2000" b="1" dirty="0">
-                <a:latin typeface="LMSans10-Regular"/>
-              </a:rPr>
-              <a:t>Customer-i = </a:t>
-            </a:r>
-            <a:r>
-              <a:rPr lang="it-IT" sz="2000" b="1" dirty="0" err="1">
-                <a:latin typeface="LMSans10-Regular"/>
-              </a:rPr>
-              <a:t>will-i</a:t>
-            </a:r>
-            <a:r>
-              <a:rPr lang="it-IT" sz="2000" b="1" dirty="0">
-                <a:latin typeface="LMSans10-Regular"/>
-              </a:rPr>
-              <a:t>.’</a:t>
-            </a:r>
-            <a:r>
-              <a:rPr lang="it-IT" sz="2000" b="1" dirty="0" err="1">
-                <a:latin typeface="LMSans10-Regular"/>
-              </a:rPr>
-              <a:t>enter</a:t>
-            </a:r>
-            <a:r>
-              <a:rPr lang="it-IT" sz="2000" b="1" dirty="0">
-                <a:latin typeface="LMSans10-Regular"/>
-              </a:rPr>
-              <a:t>.(’</a:t>
-            </a:r>
-            <a:r>
-              <a:rPr lang="it-IT" sz="2000" b="1" dirty="0" err="1">
-                <a:latin typeface="LMSans10-Regular"/>
-              </a:rPr>
-              <a:t>incExit.Ci</a:t>
-            </a:r>
-            <a:r>
-              <a:rPr lang="it-IT" sz="2000" b="1" dirty="0">
-                <a:latin typeface="LMSans10-Regular"/>
-              </a:rPr>
-              <a:t> + ’</a:t>
-            </a:r>
-            <a:r>
-              <a:rPr lang="it-IT" sz="2000" b="1" dirty="0" err="1">
-                <a:latin typeface="LMSans10-Regular"/>
-              </a:rPr>
-              <a:t>balk.Customer</a:t>
-            </a:r>
-            <a:r>
-              <a:rPr lang="it-IT" sz="2000" b="1" dirty="0">
-                <a:latin typeface="LMSans10-Regular"/>
-              </a:rPr>
-              <a:t>-i);</a:t>
-            </a:r>
-          </a:p>
-          <a:p>
-            <a:pPr marL="0" indent="0" algn="ctr">
-              <a:buNone/>
-            </a:pPr>
-            <a:r>
-              <a:rPr lang="it-IT" sz="2000" b="1" dirty="0">
-                <a:latin typeface="LMSans10-Regular"/>
-              </a:rPr>
-              <a:t>C-i = semCustomer.’semBarber.getHairCut-i.semCustomerDone.’semBarberDone.’enter.’decExit.sleep-i.’wakeUp-i.Customer-i;</a:t>
-            </a:r>
-          </a:p>
-          <a:p>
-            <a:pPr marL="0" indent="0">
-              <a:buNone/>
-            </a:pPr>
-            <a:endParaRPr lang="it-IT" sz="2000" b="1" dirty="0">
-              <a:latin typeface="LMSans10-Regular"/>
-            </a:endParaRPr>
-          </a:p>
-          <a:p>
-            <a:pPr marL="0" indent="0">
-              <a:buNone/>
-            </a:pPr>
-            <a:r>
-              <a:rPr kumimoji="0" lang="it-IT" sz="1800" b="1" i="0" u="none" strike="noStrike" kern="1200" cap="none" spc="0" normalizeH="0" baseline="0" noProof="0" dirty="0" err="1">
-                <a:ln>
-                  <a:noFill/>
-                </a:ln>
-                <a:solidFill>
-                  <a:prstClr val="black"/>
-                </a:solidFill>
-                <a:effectLst/>
-                <a:uLnTx/>
-                <a:uFillTx/>
-                <a:latin typeface="Century Gothic" panose="020F0302020204030204"/>
-                <a:ea typeface="+mn-ea"/>
-                <a:cs typeface="+mn-cs"/>
-              </a:rPr>
-              <a:t>checkprop</a:t>
-            </a:r>
-            <a:r>
-              <a:rPr kumimoji="0" lang="it-IT" sz="1800" b="1" i="0" u="none" strike="noStrike" kern="1200" cap="none" spc="0" normalizeH="0" baseline="0" noProof="0" dirty="0">
-                <a:ln>
-                  <a:noFill/>
-                </a:ln>
-                <a:solidFill>
-                  <a:prstClr val="black"/>
-                </a:solidFill>
-                <a:effectLst/>
-                <a:uLnTx/>
-                <a:uFillTx/>
-                <a:latin typeface="Century Gothic" panose="020F0302020204030204"/>
-                <a:ea typeface="+mn-ea"/>
-                <a:cs typeface="+mn-cs"/>
-              </a:rPr>
-              <a:t>(</a:t>
-            </a:r>
-            <a:r>
-              <a:rPr kumimoji="0" lang="it-IT" sz="1800" b="1" i="0" u="none" strike="noStrike" kern="1200" cap="none" spc="0" normalizeH="0" baseline="0" noProof="0" dirty="0" err="1">
-                <a:ln>
-                  <a:noFill/>
-                </a:ln>
-                <a:solidFill>
-                  <a:prstClr val="black"/>
-                </a:solidFill>
-                <a:effectLst/>
-                <a:uLnTx/>
-                <a:uFillTx/>
-                <a:latin typeface="Century Gothic" panose="020F0302020204030204"/>
-                <a:ea typeface="+mn-ea"/>
-                <a:cs typeface="+mn-cs"/>
-              </a:rPr>
-              <a:t>Sys</a:t>
-            </a:r>
-            <a:r>
-              <a:rPr kumimoji="0" lang="it-IT" sz="1800" b="1" i="0" u="none" strike="noStrike" kern="1200" cap="none" spc="0" normalizeH="0" baseline="0" noProof="0" dirty="0">
-                <a:ln>
-                  <a:noFill/>
-                </a:ln>
-                <a:solidFill>
-                  <a:prstClr val="black"/>
-                </a:solidFill>
-                <a:effectLst/>
-                <a:uLnTx/>
-                <a:uFillTx/>
-                <a:latin typeface="Century Gothic" panose="020F0302020204030204"/>
-                <a:ea typeface="+mn-ea"/>
-                <a:cs typeface="+mn-cs"/>
-              </a:rPr>
-              <a:t>’, FairC2) </a:t>
-            </a:r>
-            <a:r>
-              <a:rPr kumimoji="0" lang="it-IT" sz="1800" b="0" i="0" u="none" strike="noStrike" kern="1200" cap="none" spc="0" normalizeH="0" baseline="0" noProof="0" dirty="0">
-                <a:ln>
-                  <a:noFill/>
-                </a:ln>
-                <a:solidFill>
-                  <a:prstClr val="black"/>
-                </a:solidFill>
-                <a:effectLst/>
-                <a:uLnTx/>
-                <a:uFillTx/>
-                <a:latin typeface="Century Gothic" panose="020F0302020204030204"/>
-                <a:ea typeface="+mn-ea"/>
-                <a:cs typeface="+mn-cs"/>
-              </a:rPr>
-              <a:t>ritorna </a:t>
-            </a:r>
-            <a:r>
-              <a:rPr kumimoji="0" lang="it-IT" sz="1800" b="1" i="0" u="none" strike="noStrike" kern="1200" cap="none" spc="0" normalizeH="0" baseline="0" noProof="0" dirty="0">
-                <a:ln>
-                  <a:noFill/>
-                </a:ln>
-                <a:solidFill>
-                  <a:prstClr val="black"/>
-                </a:solidFill>
-                <a:effectLst/>
-                <a:uLnTx/>
-                <a:uFillTx/>
-                <a:latin typeface="Century Gothic" panose="020F0302020204030204"/>
-                <a:ea typeface="+mn-ea"/>
-                <a:cs typeface="+mn-cs"/>
-              </a:rPr>
-              <a:t>False.</a:t>
-            </a:r>
-          </a:p>
-          <a:p>
-            <a:pPr marL="0" indent="0">
-              <a:buNone/>
-            </a:pPr>
-            <a:endParaRPr lang="it-IT" sz="1800" b="1" dirty="0">
-              <a:solidFill>
-                <a:prstClr val="black"/>
-              </a:solidFill>
-              <a:latin typeface="Century Gothic" panose="020F0302020204030204"/>
-            </a:endParaRPr>
-          </a:p>
-          <a:p>
-            <a:pPr marL="0" indent="0">
-              <a:buNone/>
-            </a:pPr>
-            <a:r>
-              <a:rPr lang="it-IT" sz="1800" dirty="0">
-                <a:solidFill>
-                  <a:prstClr val="black"/>
-                </a:solidFill>
-                <a:latin typeface="Century Gothic" panose="020F0302020204030204"/>
-              </a:rPr>
-              <a:t>Questo perché il processo che non trova posto potrebbe sempre eseguire il ramo </a:t>
-            </a:r>
-            <a:r>
-              <a:rPr lang="it-IT" sz="1800" b="1" dirty="0" err="1">
-                <a:solidFill>
-                  <a:prstClr val="black"/>
-                </a:solidFill>
-                <a:latin typeface="Century Gothic" panose="020F0302020204030204"/>
-              </a:rPr>
-              <a:t>balk</a:t>
-            </a:r>
-            <a:r>
-              <a:rPr lang="it-IT" sz="1800" dirty="0">
-                <a:solidFill>
-                  <a:prstClr val="black"/>
-                </a:solidFill>
-                <a:latin typeface="Century Gothic" panose="020F0302020204030204"/>
-              </a:rPr>
-              <a:t> tenendo ferme la esecuzioni degli altri processi.</a:t>
-            </a:r>
-            <a:endParaRPr lang="it-IT" sz="1800" dirty="0">
-              <a:latin typeface="LMSans10-Regular"/>
-            </a:endParaRPr>
+            <a:pPr marL="2317120" lvl="8" indent="0">
+              <a:buNone/>
+            </a:pPr>
+            <a:r>
+              <a:rPr lang="it-IT" sz="2200" b="1" dirty="0" err="1">
+                <a:latin typeface="LMSans10-Regular"/>
+              </a:rPr>
+              <a:t>Wreset</a:t>
+            </a:r>
+            <a:r>
+              <a:rPr lang="it-IT" sz="2200" b="1" dirty="0">
+                <a:latin typeface="LMSans10-Regular"/>
+              </a:rPr>
+              <a:t> = wakeUp1.Wreset23 + wakeUp2.Wreset13 + wakeUp3.Wreset12;</a:t>
+            </a:r>
+          </a:p>
+          <a:p>
+            <a:pPr marL="2317120" lvl="8" indent="0">
+              <a:buNone/>
+            </a:pPr>
+            <a:r>
+              <a:rPr lang="it-IT" sz="2200" b="1" dirty="0">
+                <a:latin typeface="LMSans10-Regular"/>
+              </a:rPr>
+              <a:t>Wreset23 = wakeUp2.Wreset3 + wakeUp3.Wreset2;</a:t>
+            </a:r>
+          </a:p>
+          <a:p>
+            <a:pPr marL="2317120" lvl="8" indent="0">
+              <a:buNone/>
+            </a:pPr>
+            <a:r>
+              <a:rPr lang="it-IT" sz="2200" b="1" dirty="0">
+                <a:latin typeface="LMSans10-Regular"/>
+              </a:rPr>
+              <a:t>Wreset13 = wakeUp1.Wreset3 + wakeUp3.Wreset1;</a:t>
+            </a:r>
+          </a:p>
+          <a:p>
+            <a:pPr marL="2317120" lvl="8" indent="0">
+              <a:buNone/>
+            </a:pPr>
+            <a:r>
+              <a:rPr lang="it-IT" sz="2200" b="1" dirty="0">
+                <a:latin typeface="LMSans10-Regular"/>
+              </a:rPr>
+              <a:t>Wreset12 = wakeUp1.Wreset2 + wakeUp2.Wreset1;</a:t>
+            </a:r>
+          </a:p>
+          <a:p>
+            <a:pPr marL="2317120" lvl="8" indent="0">
+              <a:buNone/>
+            </a:pPr>
+            <a:r>
+              <a:rPr lang="it-IT" sz="2200" b="1" dirty="0">
+                <a:latin typeface="LMSans10-Regular"/>
+              </a:rPr>
+              <a:t>Wreset1 = wakeUp1.Sreset;</a:t>
+            </a:r>
+          </a:p>
+          <a:p>
+            <a:pPr marL="2317120" lvl="8" indent="0">
+              <a:buNone/>
+            </a:pPr>
+            <a:r>
+              <a:rPr lang="it-IT" sz="2200" b="1" dirty="0">
+                <a:latin typeface="LMSans10-Regular"/>
+              </a:rPr>
+              <a:t>Wreset2 = wakeUp2.Sreset;</a:t>
+            </a:r>
+          </a:p>
+          <a:p>
+            <a:pPr marL="2317120" lvl="8" indent="0">
+              <a:buNone/>
+            </a:pPr>
+            <a:r>
+              <a:rPr lang="it-IT" sz="2200" b="1" dirty="0">
+                <a:latin typeface="LMSans10-Regular"/>
+              </a:rPr>
+              <a:t>Wreset3 = wakeUp3.Sreset;</a:t>
+            </a:r>
           </a:p>
           <a:p>
             <a:pPr marL="0" indent="0">
@@ -10410,6 +9999,167 @@
               <a:latin typeface="LMSans10-Regular"/>
             </a:endParaRPr>
           </a:p>
+          <a:p>
+            <a:pPr marL="0" indent="0">
+              <a:buNone/>
+            </a:pPr>
+            <a:r>
+              <a:rPr lang="it-IT" sz="1800" dirty="0"/>
+              <a:t>Mentre vengono aggiunti i canali ristretti </a:t>
+            </a:r>
+            <a:r>
+              <a:rPr lang="it-IT" sz="1900" b="1" dirty="0" err="1">
+                <a:latin typeface="LMSans10-Regular"/>
+              </a:rPr>
+              <a:t>sleep</a:t>
+            </a:r>
+            <a:r>
+              <a:rPr lang="it-IT" sz="1900" b="1" i="1" dirty="0">
+                <a:latin typeface="LMSans10-Regular"/>
+              </a:rPr>
+              <a:t>-i</a:t>
+            </a:r>
+            <a:r>
+              <a:rPr lang="it-IT" sz="1800" dirty="0"/>
+              <a:t> e </a:t>
+            </a:r>
+            <a:r>
+              <a:rPr lang="it-IT" sz="1900" b="1" dirty="0" err="1">
+                <a:latin typeface="LMSans10-Regular"/>
+              </a:rPr>
+              <a:t>wakeUp</a:t>
+            </a:r>
+            <a:r>
+              <a:rPr lang="it-IT" sz="1900" b="1" dirty="0">
+                <a:latin typeface="LMSans10-Regular"/>
+              </a:rPr>
+              <a:t>-</a:t>
+            </a:r>
+            <a:r>
+              <a:rPr lang="it-IT" sz="1900" b="1" i="1" dirty="0">
+                <a:latin typeface="LMSans10-Regular"/>
+              </a:rPr>
+              <a:t>i</a:t>
+            </a:r>
+            <a:r>
+              <a:rPr lang="it-IT" sz="1800" dirty="0">
+                <a:latin typeface="LMSans10-Regular"/>
+              </a:rPr>
+              <a:t> </a:t>
+            </a:r>
+            <a:r>
+              <a:rPr lang="it-IT" sz="1800" dirty="0"/>
+              <a:t>ai processi </a:t>
+            </a:r>
+            <a:r>
+              <a:rPr lang="it-IT" sz="1900" b="1" dirty="0">
+                <a:latin typeface="LMSans10-Regular"/>
+              </a:rPr>
+              <a:t>Customer-</a:t>
+            </a:r>
+            <a:r>
+              <a:rPr lang="it-IT" sz="1900" b="1" i="1" dirty="0">
+                <a:latin typeface="LMSans10-Regular"/>
+              </a:rPr>
+              <a:t>i</a:t>
+            </a:r>
+            <a:r>
+              <a:rPr lang="it-IT" sz="1800" dirty="0">
+                <a:latin typeface="LMSans10-Regular"/>
+              </a:rPr>
+              <a:t>, </a:t>
+            </a:r>
+            <a:r>
+              <a:rPr lang="it-IT" sz="1800" dirty="0"/>
+              <a:t>quindi:</a:t>
+            </a:r>
+          </a:p>
+          <a:p>
+            <a:pPr marL="0" indent="0">
+              <a:buNone/>
+            </a:pPr>
+            <a:r>
+              <a:rPr lang="it-IT" sz="2200" b="1" dirty="0">
+                <a:latin typeface="LMSans10-Regular"/>
+              </a:rPr>
+              <a:t>C-i = will-i.semCustomer.’semBarber.getHairCut-i.semCustomerDone.’semBarberDone.’enter.’decExit.sleep-i.’wakeUp-i.Customer-i;</a:t>
+            </a:r>
+          </a:p>
+          <a:p>
+            <a:pPr marL="0" indent="0">
+              <a:buNone/>
+            </a:pPr>
+            <a:endParaRPr lang="it-IT" sz="1600" b="1" dirty="0">
+              <a:latin typeface="LMSans10-Regular"/>
+            </a:endParaRPr>
+          </a:p>
+          <a:p>
+            <a:pPr marL="0" indent="0">
+              <a:buNone/>
+            </a:pPr>
+            <a:r>
+              <a:rPr lang="it-IT" sz="1800" dirty="0"/>
+              <a:t>Il sistema diventa:</a:t>
+            </a:r>
+          </a:p>
+          <a:p>
+            <a:pPr marL="0" indent="0">
+              <a:buNone/>
+            </a:pPr>
+            <a:r>
+              <a:rPr lang="it-IT" sz="2200" b="1" dirty="0" err="1">
+                <a:latin typeface="LMSans10-Regular"/>
+              </a:rPr>
+              <a:t>Sys</a:t>
+            </a:r>
+            <a:r>
+              <a:rPr lang="it-IT" sz="2200" b="1" dirty="0">
+                <a:latin typeface="LMSans10-Regular"/>
+              </a:rPr>
+              <a:t> = (Customer1|Customer2|Customer3|Sreset|Count1|Barber) \L;</a:t>
+            </a:r>
+          </a:p>
+          <a:p>
+            <a:pPr marL="0" indent="0">
+              <a:buNone/>
+            </a:pPr>
+            <a:endParaRPr lang="it-IT" sz="1800" b="1" dirty="0">
+              <a:latin typeface="LMSans10-Regular"/>
+            </a:endParaRPr>
+          </a:p>
+          <a:p>
+            <a:pPr marL="0" indent="0">
+              <a:buNone/>
+            </a:pPr>
+            <a:r>
+              <a:rPr lang="it-IT" sz="1800" dirty="0"/>
+              <a:t>Ora </a:t>
+            </a:r>
+            <a:r>
+              <a:rPr lang="it-IT" sz="1800" b="1" dirty="0" err="1"/>
+              <a:t>checkprop</a:t>
+            </a:r>
+            <a:r>
+              <a:rPr lang="it-IT" sz="1800" b="1" dirty="0"/>
+              <a:t>(</a:t>
+            </a:r>
+            <a:r>
+              <a:rPr lang="it-IT" sz="1800" b="1" dirty="0" err="1"/>
+              <a:t>Sys</a:t>
+            </a:r>
+            <a:r>
+              <a:rPr lang="it-IT" sz="1800" b="1" dirty="0"/>
+              <a:t>’, FairC2) </a:t>
+            </a:r>
+            <a:r>
+              <a:rPr lang="it-IT" sz="1800" dirty="0"/>
+              <a:t>ritorna </a:t>
+            </a:r>
+            <a:r>
+              <a:rPr lang="it-IT" sz="1800" b="1" dirty="0"/>
+              <a:t>True.</a:t>
+            </a:r>
+          </a:p>
         </p:txBody>
       </p:sp>
       <p:sp>
@@ -10417,7 +10167,7 @@
           <p:cNvPr id="2" name="Segnaposto numero diapositiva 1">
             <a:extLst>
               <a:ext uri="{FF2B5EF4-FFF2-40B4-BE49-F238E27FC236}">
-                <a16:creationId xmlns:a16="http://schemas.microsoft.com/office/drawing/2014/main" id="{208CD3EA-0537-47CD-9B82-64375F4DA798}"/>
+                <a16:creationId xmlns:a16="http://schemas.microsoft.com/office/drawing/2014/main" id="{AF3CFAC2-F026-4B0C-8DAD-13942382747D}"/>
               </a:ext>
             </a:extLst>
           </p:cNvPr>
@@ -10440,7 +10190,7 @@
             </a:fld>
             <a:r>
               <a:rPr lang="en-US" dirty="0"/>
-              <a:t> / 24</a:t>
+              <a:t> / 25</a:t>
             </a:r>
           </a:p>
         </p:txBody>
@@ -10448,7 +10198,7 @@
     </p:spTree>
     <p:extLst>
       <p:ext uri="{BB962C8B-B14F-4D97-AF65-F5344CB8AC3E}">
-        <p14:creationId xmlns:p14="http://schemas.microsoft.com/office/powerpoint/2010/main" val="1043175553"/>
+        <p14:creationId xmlns:p14="http://schemas.microsoft.com/office/powerpoint/2010/main" val="3869301335"/>
       </p:ext>
     </p:extLst>
   </p:cSld>
@@ -10480,6 +10230,383 @@
           <p:cNvPr id="3" name="Segnaposto contenuto 2">
             <a:extLst>
               <a:ext uri="{FF2B5EF4-FFF2-40B4-BE49-F238E27FC236}">
+                <a16:creationId xmlns:a16="http://schemas.microsoft.com/office/drawing/2014/main" id="{F94853F6-A0F6-4266-94A2-1AF7DBED7A89}"/>
+              </a:ext>
+            </a:extLst>
+          </p:cNvPr>
+          <p:cNvSpPr>
+            <a:spLocks noGrp="1"/>
+          </p:cNvSpPr>
+          <p:nvPr>
+            <p:ph idx="1"/>
+          </p:nvPr>
+        </p:nvSpPr>
+        <p:spPr>
+          <a:xfrm>
+            <a:off x="716437" y="707010"/>
+            <a:ext cx="10982227" cy="5245734"/>
+          </a:xfrm>
+        </p:spPr>
+        <p:txBody>
+          <a:bodyPr>
+            <a:normAutofit/>
+          </a:bodyPr>
+          <a:lstStyle/>
+          <a:p>
+            <a:pPr marL="0" indent="0">
+              <a:buNone/>
+            </a:pPr>
+            <a:r>
+              <a:rPr lang="it-IT" sz="1800" dirty="0"/>
+              <a:t>Ma con la modifica effettuata si è garantito di ricevere il taglio solo dopo essersi seduti ed espresso la volontà di un taglio….</a:t>
+            </a:r>
+          </a:p>
+          <a:p>
+            <a:pPr marL="0" indent="0">
+              <a:buNone/>
+            </a:pPr>
+            <a:r>
+              <a:rPr lang="it-IT" sz="1800" dirty="0"/>
+              <a:t>Infatti spostando </a:t>
+            </a:r>
+            <a:r>
+              <a:rPr lang="it-IT" sz="1800" b="1" dirty="0" err="1">
+                <a:latin typeface="LMSans10-Regular"/>
+              </a:rPr>
+              <a:t>will</a:t>
+            </a:r>
+            <a:r>
+              <a:rPr lang="it-IT" sz="1800" b="1" dirty="0">
+                <a:latin typeface="LMSans10-Regular"/>
+              </a:rPr>
+              <a:t>-</a:t>
+            </a:r>
+            <a:r>
+              <a:rPr lang="it-IT" sz="1800" b="1" i="1" dirty="0">
+                <a:latin typeface="LMSans10-Regular"/>
+              </a:rPr>
+              <a:t>i</a:t>
+            </a:r>
+            <a:r>
+              <a:rPr lang="it-IT" sz="1800" dirty="0"/>
+              <a:t> all’inizio del processo:</a:t>
+            </a:r>
+          </a:p>
+          <a:p>
+            <a:pPr marL="0" indent="0">
+              <a:buNone/>
+            </a:pPr>
+            <a:endParaRPr lang="it-IT" sz="1800" dirty="0"/>
+          </a:p>
+          <a:p>
+            <a:pPr marL="0" indent="0" algn="ctr">
+              <a:buNone/>
+            </a:pPr>
+            <a:r>
+              <a:rPr lang="it-IT" sz="2000" b="1" dirty="0">
+                <a:latin typeface="LMSans10-Regular"/>
+              </a:rPr>
+              <a:t>Customer-i = </a:t>
+            </a:r>
+            <a:r>
+              <a:rPr lang="it-IT" sz="2000" b="1" dirty="0" err="1">
+                <a:latin typeface="LMSans10-Regular"/>
+              </a:rPr>
+              <a:t>will-i</a:t>
+            </a:r>
+            <a:r>
+              <a:rPr lang="it-IT" sz="2000" b="1" dirty="0">
+                <a:latin typeface="LMSans10-Regular"/>
+              </a:rPr>
+              <a:t>.’</a:t>
+            </a:r>
+            <a:r>
+              <a:rPr lang="it-IT" sz="2000" b="1" dirty="0" err="1">
+                <a:latin typeface="LMSans10-Regular"/>
+              </a:rPr>
+              <a:t>enter</a:t>
+            </a:r>
+            <a:r>
+              <a:rPr lang="it-IT" sz="2000" b="1" dirty="0">
+                <a:latin typeface="LMSans10-Regular"/>
+              </a:rPr>
+              <a:t>.(’</a:t>
+            </a:r>
+            <a:r>
+              <a:rPr lang="it-IT" sz="2000" b="1" dirty="0" err="1">
+                <a:latin typeface="LMSans10-Regular"/>
+              </a:rPr>
+              <a:t>incExit.Ci</a:t>
+            </a:r>
+            <a:r>
+              <a:rPr lang="it-IT" sz="2000" b="1" dirty="0">
+                <a:latin typeface="LMSans10-Regular"/>
+              </a:rPr>
+              <a:t> + ’</a:t>
+            </a:r>
+            <a:r>
+              <a:rPr lang="it-IT" sz="2000" b="1" dirty="0" err="1">
+                <a:latin typeface="LMSans10-Regular"/>
+              </a:rPr>
+              <a:t>balk.Customer</a:t>
+            </a:r>
+            <a:r>
+              <a:rPr lang="it-IT" sz="2000" b="1" dirty="0">
+                <a:latin typeface="LMSans10-Regular"/>
+              </a:rPr>
+              <a:t>-i);</a:t>
+            </a:r>
+          </a:p>
+          <a:p>
+            <a:pPr marL="0" indent="0" algn="ctr">
+              <a:buNone/>
+            </a:pPr>
+            <a:r>
+              <a:rPr lang="it-IT" sz="2000" b="1" dirty="0">
+                <a:latin typeface="LMSans10-Regular"/>
+              </a:rPr>
+              <a:t>C-i = semCustomer.’semBarber.getHairCut-i.semCustomerDone.’semBarberDone.’enter.’decExit.sleep-i.’wakeUp-i.Customer-i;</a:t>
+            </a:r>
+          </a:p>
+          <a:p>
+            <a:pPr marL="0" indent="0">
+              <a:buNone/>
+            </a:pPr>
+            <a:endParaRPr lang="it-IT" sz="2000" b="1" dirty="0">
+              <a:latin typeface="LMSans10-Regular"/>
+            </a:endParaRPr>
+          </a:p>
+          <a:p>
+            <a:pPr marL="0" indent="0">
+              <a:buNone/>
+            </a:pPr>
+            <a:r>
+              <a:rPr kumimoji="0" lang="it-IT" sz="1800" b="1" i="0" u="none" strike="noStrike" kern="1200" cap="none" spc="0" normalizeH="0" baseline="0" noProof="0" dirty="0" err="1">
+                <a:ln>
+                  <a:noFill/>
+                </a:ln>
+                <a:solidFill>
+                  <a:prstClr val="black"/>
+                </a:solidFill>
+                <a:effectLst/>
+                <a:uLnTx/>
+                <a:uFillTx/>
+                <a:latin typeface="Century Gothic" panose="020F0302020204030204"/>
+                <a:ea typeface="+mn-ea"/>
+                <a:cs typeface="+mn-cs"/>
+              </a:rPr>
+              <a:t>checkprop</a:t>
+            </a:r>
+            <a:r>
+              <a:rPr kumimoji="0" lang="it-IT" sz="1800" b="1" i="0" u="none" strike="noStrike" kern="1200" cap="none" spc="0" normalizeH="0" baseline="0" noProof="0" dirty="0">
+                <a:ln>
+                  <a:noFill/>
+                </a:ln>
+                <a:solidFill>
+                  <a:prstClr val="black"/>
+                </a:solidFill>
+                <a:effectLst/>
+                <a:uLnTx/>
+                <a:uFillTx/>
+                <a:latin typeface="Century Gothic" panose="020F0302020204030204"/>
+                <a:ea typeface="+mn-ea"/>
+                <a:cs typeface="+mn-cs"/>
+              </a:rPr>
+              <a:t>(</a:t>
+            </a:r>
+            <a:r>
+              <a:rPr kumimoji="0" lang="it-IT" sz="1800" b="1" i="0" u="none" strike="noStrike" kern="1200" cap="none" spc="0" normalizeH="0" baseline="0" noProof="0" dirty="0" err="1">
+                <a:ln>
+                  <a:noFill/>
+                </a:ln>
+                <a:solidFill>
+                  <a:prstClr val="black"/>
+                </a:solidFill>
+                <a:effectLst/>
+                <a:uLnTx/>
+                <a:uFillTx/>
+                <a:latin typeface="Century Gothic" panose="020F0302020204030204"/>
+                <a:ea typeface="+mn-ea"/>
+                <a:cs typeface="+mn-cs"/>
+              </a:rPr>
+              <a:t>Sys</a:t>
+            </a:r>
+            <a:r>
+              <a:rPr kumimoji="0" lang="it-IT" sz="1800" b="1" i="0" u="none" strike="noStrike" kern="1200" cap="none" spc="0" normalizeH="0" baseline="0" noProof="0" dirty="0">
+                <a:ln>
+                  <a:noFill/>
+                </a:ln>
+                <a:solidFill>
+                  <a:prstClr val="black"/>
+                </a:solidFill>
+                <a:effectLst/>
+                <a:uLnTx/>
+                <a:uFillTx/>
+                <a:latin typeface="Century Gothic" panose="020F0302020204030204"/>
+                <a:ea typeface="+mn-ea"/>
+                <a:cs typeface="+mn-cs"/>
+              </a:rPr>
+              <a:t>’, FairC2) </a:t>
+            </a:r>
+            <a:r>
+              <a:rPr kumimoji="0" lang="it-IT" sz="1800" b="0" i="0" u="none" strike="noStrike" kern="1200" cap="none" spc="0" normalizeH="0" baseline="0" noProof="0" dirty="0">
+                <a:ln>
+                  <a:noFill/>
+                </a:ln>
+                <a:solidFill>
+                  <a:prstClr val="black"/>
+                </a:solidFill>
+                <a:effectLst/>
+                <a:uLnTx/>
+                <a:uFillTx/>
+                <a:latin typeface="Century Gothic" panose="020F0302020204030204"/>
+                <a:ea typeface="+mn-ea"/>
+                <a:cs typeface="+mn-cs"/>
+              </a:rPr>
+              <a:t>ritorna </a:t>
+            </a:r>
+            <a:r>
+              <a:rPr kumimoji="0" lang="it-IT" sz="1800" b="1" i="0" u="none" strike="noStrike" kern="1200" cap="none" spc="0" normalizeH="0" baseline="0" noProof="0" dirty="0">
+                <a:ln>
+                  <a:noFill/>
+                </a:ln>
+                <a:solidFill>
+                  <a:prstClr val="black"/>
+                </a:solidFill>
+                <a:effectLst/>
+                <a:uLnTx/>
+                <a:uFillTx/>
+                <a:latin typeface="Century Gothic" panose="020F0302020204030204"/>
+                <a:ea typeface="+mn-ea"/>
+                <a:cs typeface="+mn-cs"/>
+              </a:rPr>
+              <a:t>False.</a:t>
+            </a:r>
+          </a:p>
+          <a:p>
+            <a:pPr marL="0" indent="0">
+              <a:buNone/>
+            </a:pPr>
+            <a:endParaRPr lang="it-IT" sz="1800" b="1" dirty="0">
+              <a:solidFill>
+                <a:prstClr val="black"/>
+              </a:solidFill>
+              <a:latin typeface="Century Gothic" panose="020F0302020204030204"/>
+            </a:endParaRPr>
+          </a:p>
+          <a:p>
+            <a:pPr marL="0" indent="0">
+              <a:buNone/>
+            </a:pPr>
+            <a:r>
+              <a:rPr lang="it-IT" sz="1800" dirty="0">
+                <a:solidFill>
+                  <a:prstClr val="black"/>
+                </a:solidFill>
+                <a:latin typeface="Century Gothic" panose="020F0302020204030204"/>
+              </a:rPr>
+              <a:t>Questo perché il processo che non trova posto potrebbe sempre eseguire il ramo </a:t>
+            </a:r>
+            <a:r>
+              <a:rPr lang="it-IT" sz="1800" b="1" dirty="0" err="1">
+                <a:solidFill>
+                  <a:prstClr val="black"/>
+                </a:solidFill>
+                <a:latin typeface="Century Gothic" panose="020F0302020204030204"/>
+              </a:rPr>
+              <a:t>balk</a:t>
+            </a:r>
+            <a:r>
+              <a:rPr lang="it-IT" sz="1800" dirty="0">
+                <a:solidFill>
+                  <a:prstClr val="black"/>
+                </a:solidFill>
+                <a:latin typeface="Century Gothic" panose="020F0302020204030204"/>
+              </a:rPr>
+              <a:t> tenendo ferme la esecuzioni degli altri processi.</a:t>
+            </a:r>
+            <a:endParaRPr lang="it-IT" sz="1800" dirty="0">
+              <a:latin typeface="LMSans10-Regular"/>
+            </a:endParaRPr>
+          </a:p>
+          <a:p>
+            <a:pPr marL="0" indent="0">
+              <a:buNone/>
+            </a:pPr>
+            <a:endParaRPr lang="it-IT" sz="1800" b="1" dirty="0">
+              <a:latin typeface="LMSans10-Regular"/>
+            </a:endParaRPr>
+          </a:p>
+        </p:txBody>
+      </p:sp>
+      <p:sp>
+        <p:nvSpPr>
+          <p:cNvPr id="2" name="Segnaposto numero diapositiva 1">
+            <a:extLst>
+              <a:ext uri="{FF2B5EF4-FFF2-40B4-BE49-F238E27FC236}">
+                <a16:creationId xmlns:a16="http://schemas.microsoft.com/office/drawing/2014/main" id="{208CD3EA-0537-47CD-9B82-64375F4DA798}"/>
+              </a:ext>
+            </a:extLst>
+          </p:cNvPr>
+          <p:cNvSpPr>
+            <a:spLocks noGrp="1"/>
+          </p:cNvSpPr>
+          <p:nvPr>
+            <p:ph type="sldNum" sz="quarter" idx="12"/>
+          </p:nvPr>
+        </p:nvSpPr>
+        <p:spPr/>
+        <p:txBody>
+          <a:bodyPr/>
+          <a:lstStyle/>
+          <a:p>
+            <a:pPr rtl="0"/>
+            <a:fld id="{34B7E4EF-A1BD-40F4-AB7B-04F084DD991D}" type="slidenum">
+              <a:rPr lang="en-US" smtClean="0"/>
+              <a:t>24</a:t>
+            </a:fld>
+            <a:r>
+              <a:rPr lang="en-US" dirty="0"/>
+              <a:t> / 25</a:t>
+            </a:r>
+          </a:p>
+        </p:txBody>
+      </p:sp>
+    </p:spTree>
+    <p:extLst>
+      <p:ext uri="{BB962C8B-B14F-4D97-AF65-F5344CB8AC3E}">
+        <p14:creationId xmlns:p14="http://schemas.microsoft.com/office/powerpoint/2010/main" val="1043175553"/>
+      </p:ext>
+    </p:extLst>
+  </p:cSld>
+  <p:clrMapOvr>
+    <a:masterClrMapping/>
+  </p:clrMapOvr>
+</p:sld>
+</file>
+
+<file path=ppt/slides/slide25.xml><?xml version="1.0" encoding="utf-8"?>
+<p:sld xmlns:a="http://schemas.openxmlformats.org/drawingml/2006/main" xmlns:r="http://schemas.openxmlformats.org/officeDocument/2006/relationships" xmlns:p="http://schemas.openxmlformats.org/presentationml/2006/main">
+  <p:cSld>
+    <p:spTree>
+      <p:nvGrpSpPr>
+        <p:cNvPr id="1" name=""/>
+        <p:cNvGrpSpPr/>
+        <p:nvPr/>
+      </p:nvGrpSpPr>
+      <p:grpSpPr>
+        <a:xfrm>
+          <a:off x="0" y="0"/>
+          <a:ext cx="0" cy="0"/>
+          <a:chOff x="0" y="0"/>
+          <a:chExt cx="0" cy="0"/>
+        </a:xfrm>
+      </p:grpSpPr>
+      <p:sp>
+        <p:nvSpPr>
+          <p:cNvPr id="3" name="Segnaposto contenuto 2">
+            <a:extLst>
+              <a:ext uri="{FF2B5EF4-FFF2-40B4-BE49-F238E27FC236}">
                 <a16:creationId xmlns:a16="http://schemas.microsoft.com/office/drawing/2014/main" id="{39935EC9-B678-42B5-8367-97E0388D0772}"/>
               </a:ext>
             </a:extLst>
@@ -11028,11 +11155,11 @@
             <a:pPr rtl="0"/>
             <a:fld id="{34B7E4EF-A1BD-40F4-AB7B-04F084DD991D}" type="slidenum">
               <a:rPr lang="en-US" smtClean="0"/>
-              <a:t>24</a:t>
+              <a:t>25</a:t>
             </a:fld>
             <a:r>
               <a:rPr lang="en-US" dirty="0"/>
-              <a:t> / 24</a:t>
+              <a:t> / 25</a:t>
             </a:r>
           </a:p>
         </p:txBody>
@@ -11050,7 +11177,7 @@
 </p:sld>
 </file>
 
-<file path=ppt/slides/slide25.xml><?xml version="1.0" encoding="utf-8"?>
+<file path=ppt/slides/slide26.xml><?xml version="1.0" encoding="utf-8"?>
 <p:sld xmlns:a="http://schemas.openxmlformats.org/drawingml/2006/main" xmlns:r="http://schemas.openxmlformats.org/officeDocument/2006/relationships" xmlns:p="http://schemas.openxmlformats.org/presentationml/2006/main">
   <p:cSld>
     <p:spTree>
@@ -11262,7 +11389,7 @@
             </a:fld>
             <a:r>
               <a:rPr lang="en-US" dirty="0"/>
-              <a:t>/24</a:t>
+              <a:t>/25</a:t>
             </a:r>
           </a:p>
         </p:txBody>
@@ -11388,7 +11515,7 @@
             </a:fld>
             <a:r>
               <a:rPr lang="en-US" dirty="0"/>
-              <a:t>/24</a:t>
+              <a:t>/25</a:t>
             </a:r>
           </a:p>
         </p:txBody>
@@ -11522,21 +11649,21 @@
             </a:r>
             <a:r>
               <a:rPr lang="it-IT" sz="1800" dirty="0"/>
-              <a:t> in modo esplicito</a:t>
+              <a:t> in modo esplicito.</a:t>
             </a:r>
           </a:p>
           <a:p>
             <a:pPr lvl="1"/>
             <a:r>
               <a:rPr lang="it-IT" sz="1800" dirty="0"/>
-              <a:t>Non viene simulata una sorta di sezione critica. Ciononostante vi è comunque la mutua esclusione</a:t>
+              <a:t>Non viene simulata una sorta di sezione critica. Ciononostante vi è comunque la mutua esclusione.</a:t>
             </a:r>
           </a:p>
           <a:p>
             <a:pPr lvl="1"/>
             <a:r>
               <a:rPr lang="it-IT" sz="1800" dirty="0"/>
-              <a:t>Non viene simulato un contatore</a:t>
+              <a:t>Non viene simulato un contatore.</a:t>
             </a:r>
           </a:p>
         </p:txBody>
@@ -11569,7 +11696,7 @@
             </a:fld>
             <a:r>
               <a:rPr lang="en-US" dirty="0"/>
-              <a:t>/24</a:t>
+              <a:t>/25</a:t>
             </a:r>
           </a:p>
         </p:txBody>
@@ -11695,7 +11822,7 @@
             </a:fld>
             <a:r>
               <a:rPr lang="en-US" dirty="0"/>
-              <a:t>/24</a:t>
+              <a:t>/25</a:t>
             </a:r>
           </a:p>
         </p:txBody>
@@ -11865,14 +11992,14 @@
             </a:r>
             <a:r>
               <a:rPr lang="it-IT" sz="1800" dirty="0"/>
-              <a:t> e del contatore</a:t>
+              <a:t> e del contatore.</a:t>
             </a:r>
           </a:p>
           <a:p>
             <a:pPr lvl="1"/>
             <a:r>
               <a:rPr lang="it-IT" sz="1800" dirty="0"/>
-              <a:t>l’uso di un solo semaforo per parte</a:t>
+              <a:t>l’uso di un solo semaforo per parte.</a:t>
             </a:r>
           </a:p>
           <a:p>
@@ -11911,7 +12038,7 @@
             </a:fld>
             <a:r>
               <a:rPr lang="en-US" dirty="0"/>
-              <a:t>/24</a:t>
+              <a:t>/25</a:t>
             </a:r>
           </a:p>
         </p:txBody>
@@ -12037,7 +12164,7 @@
             </a:fld>
             <a:r>
               <a:rPr lang="en-US" dirty="0"/>
-              <a:t>/24</a:t>
+              <a:t>/25</a:t>
             </a:r>
           </a:p>
         </p:txBody>
@@ -12283,7 +12410,7 @@
                 <a:ea typeface="+mn-ea"/>
                 <a:cs typeface="+mn-cs"/>
               </a:rPr>
-              <a:t> e del contatore</a:t>
+              <a:t> e del contatore.</a:t>
             </a:r>
           </a:p>
           <a:p>
@@ -12322,7 +12449,7 @@
             </a:fld>
             <a:r>
               <a:rPr lang="en-US" dirty="0"/>
-              <a:t>/24</a:t>
+              <a:t>/25</a:t>
             </a:r>
           </a:p>
         </p:txBody>
@@ -13139,6 +13266,15 @@
 </file>
 
 <file path=customXml/item1.xml><?xml version="1.0" encoding="utf-8"?>
+<?mso-contentType ?>
+<FormTemplates xmlns="http://schemas.microsoft.com/sharepoint/v3/contenttype/forms">
+  <Display>DocumentLibraryForm</Display>
+  <Edit>DocumentLibraryForm</Edit>
+  <New>DocumentLibraryForm</New>
+</FormTemplates>
+</file>
+
+<file path=customXml/item2.xml><?xml version="1.0" encoding="utf-8"?>
 <ct:contentTypeSchema xmlns:ct="http://schemas.microsoft.com/office/2006/metadata/contentType" xmlns:ma="http://schemas.microsoft.com/office/2006/metadata/properties/metaAttributes" ct:_="" ma:_="" ma:contentTypeName="Documento" ma:contentTypeID="0x010100AA47EEA81324AB4DB627200C0CB64E2F" ma:contentTypeVersion="4" ma:contentTypeDescription="Creare un nuovo documento." ma:contentTypeScope="" ma:versionID="f1658f96e2679f876d87997b25e1b460">
   <xsd:schema xmlns:xsd="http://www.w3.org/2001/XMLSchema" xmlns:xs="http://www.w3.org/2001/XMLSchema" xmlns:p="http://schemas.microsoft.com/office/2006/metadata/properties" xmlns:ns3="c3bfd755-a219-4232-b7e4-898215430e79" targetNamespace="http://schemas.microsoft.com/office/2006/metadata/properties" ma:root="true" ma:fieldsID="cf2d8889ae5c2b5cc77128eefc2ca783" ns3:_="">
     <xsd:import namespace="c3bfd755-a219-4232-b7e4-898215430e79"/>
@@ -13284,15 +13420,6 @@
 </ct:contentTypeSchema>
 </file>
 
-<file path=customXml/item2.xml><?xml version="1.0" encoding="utf-8"?>
-<?mso-contentType ?>
-<FormTemplates xmlns="http://schemas.microsoft.com/sharepoint/v3/contenttype/forms">
-  <Display>DocumentLibraryForm</Display>
-  <Edit>DocumentLibraryForm</Edit>
-  <New>DocumentLibraryForm</New>
-</FormTemplates>
-</file>
-
 <file path=customXml/item3.xml><?xml version="1.0" encoding="utf-8"?>
 <p:properties xmlns:p="http://schemas.microsoft.com/office/2006/metadata/properties" xmlns:xsi="http://www.w3.org/2001/XMLSchema-instance" xmlns:pc="http://schemas.microsoft.com/office/infopath/2007/PartnerControls">
   <documentManagement/>
@@ -13300,6 +13427,14 @@
 </file>
 
 <file path=customXml/itemProps1.xml><?xml version="1.0" encoding="utf-8"?>
+<ds:datastoreItem xmlns:ds="http://schemas.openxmlformats.org/officeDocument/2006/customXml" ds:itemID="{B90F5596-D8A4-4927-98EC-4A59D8E42C47}">
+  <ds:schemaRefs>
+    <ds:schemaRef ds:uri="http://schemas.microsoft.com/sharepoint/v3/contenttype/forms"/>
+  </ds:schemaRefs>
+</ds:datastoreItem>
+</file>
+
+<file path=customXml/itemProps2.xml><?xml version="1.0" encoding="utf-8"?>
 <ds:datastoreItem xmlns:ds="http://schemas.openxmlformats.org/officeDocument/2006/customXml" ds:itemID="{2976576A-E9F2-44BC-AD39-89042927C322}">
   <ds:schemaRefs>
     <ds:schemaRef ds:uri="http://schemas.microsoft.com/office/2006/metadata/contentType"/>
@@ -13313,14 +13448,6 @@
     <ds:schemaRef ds:uri="http://purl.org/dc/elements/1.1/"/>
     <ds:schemaRef ds:uri="http://purl.org/dc/terms/"/>
     <ds:schemaRef ds:uri="http://schemas.microsoft.com/internal/obd"/>
-  </ds:schemaRefs>
-</ds:datastoreItem>
-</file>
-
-<file path=customXml/itemProps2.xml><?xml version="1.0" encoding="utf-8"?>
-<ds:datastoreItem xmlns:ds="http://schemas.openxmlformats.org/officeDocument/2006/customXml" ds:itemID="{B90F5596-D8A4-4927-98EC-4A59D8E42C47}">
-  <ds:schemaRefs>
-    <ds:schemaRef ds:uri="http://schemas.microsoft.com/sharepoint/v3/contenttype/forms"/>
   </ds:schemaRefs>
 </ds:datastoreItem>
 </file>
